--- a/documentation/Tutorials/Optimizing External Applications with HeuristicLab.pptx
+++ b/documentation/Tutorials/Optimizing External Applications with HeuristicLab.pptx
@@ -5,7 +5,7 @@
     <p:sldMasterId id="2147483648" r:id="rId1"/>
   </p:sldMasterIdLst>
   <p:notesMasterIdLst>
-    <p:notesMasterId r:id="rId90"/>
+    <p:notesMasterId r:id="rId103"/>
   </p:notesMasterIdLst>
   <p:sldIdLst>
     <p:sldId id="256" r:id="rId2"/>
@@ -64,38 +64,51 @@
     <p:sldId id="464" r:id="rId55"/>
     <p:sldId id="465" r:id="rId56"/>
     <p:sldId id="416" r:id="rId57"/>
-    <p:sldId id="419" r:id="rId58"/>
-    <p:sldId id="417" r:id="rId59"/>
-    <p:sldId id="420" r:id="rId60"/>
-    <p:sldId id="467" r:id="rId61"/>
-    <p:sldId id="466" r:id="rId62"/>
-    <p:sldId id="468" r:id="rId63"/>
-    <p:sldId id="470" r:id="rId64"/>
-    <p:sldId id="469" r:id="rId65"/>
-    <p:sldId id="472" r:id="rId66"/>
-    <p:sldId id="473" r:id="rId67"/>
-    <p:sldId id="474" r:id="rId68"/>
-    <p:sldId id="475" r:id="rId69"/>
-    <p:sldId id="471" r:id="rId70"/>
-    <p:sldId id="477" r:id="rId71"/>
-    <p:sldId id="476" r:id="rId72"/>
-    <p:sldId id="479" r:id="rId73"/>
-    <p:sldId id="480" r:id="rId74"/>
-    <p:sldId id="481" r:id="rId75"/>
-    <p:sldId id="482" r:id="rId76"/>
-    <p:sldId id="483" r:id="rId77"/>
-    <p:sldId id="484" r:id="rId78"/>
-    <p:sldId id="485" r:id="rId79"/>
-    <p:sldId id="486" r:id="rId80"/>
-    <p:sldId id="487" r:id="rId81"/>
-    <p:sldId id="488" r:id="rId82"/>
-    <p:sldId id="418" r:id="rId83"/>
-    <p:sldId id="326" r:id="rId84"/>
-    <p:sldId id="329" r:id="rId85"/>
-    <p:sldId id="278" r:id="rId86"/>
-    <p:sldId id="327" r:id="rId87"/>
-    <p:sldId id="414" r:id="rId88"/>
-    <p:sldId id="412" r:id="rId89"/>
+    <p:sldId id="489" r:id="rId58"/>
+    <p:sldId id="490" r:id="rId59"/>
+    <p:sldId id="491" r:id="rId60"/>
+    <p:sldId id="492" r:id="rId61"/>
+    <p:sldId id="493" r:id="rId62"/>
+    <p:sldId id="494" r:id="rId63"/>
+    <p:sldId id="495" r:id="rId64"/>
+    <p:sldId id="496" r:id="rId65"/>
+    <p:sldId id="497" r:id="rId66"/>
+    <p:sldId id="498" r:id="rId67"/>
+    <p:sldId id="499" r:id="rId68"/>
+    <p:sldId id="500" r:id="rId69"/>
+    <p:sldId id="501" r:id="rId70"/>
+    <p:sldId id="502" r:id="rId71"/>
+    <p:sldId id="503" r:id="rId72"/>
+    <p:sldId id="417" r:id="rId73"/>
+    <p:sldId id="420" r:id="rId74"/>
+    <p:sldId id="467" r:id="rId75"/>
+    <p:sldId id="466" r:id="rId76"/>
+    <p:sldId id="468" r:id="rId77"/>
+    <p:sldId id="470" r:id="rId78"/>
+    <p:sldId id="469" r:id="rId79"/>
+    <p:sldId id="472" r:id="rId80"/>
+    <p:sldId id="473" r:id="rId81"/>
+    <p:sldId id="474" r:id="rId82"/>
+    <p:sldId id="475" r:id="rId83"/>
+    <p:sldId id="471" r:id="rId84"/>
+    <p:sldId id="477" r:id="rId85"/>
+    <p:sldId id="476" r:id="rId86"/>
+    <p:sldId id="479" r:id="rId87"/>
+    <p:sldId id="480" r:id="rId88"/>
+    <p:sldId id="481" r:id="rId89"/>
+    <p:sldId id="482" r:id="rId90"/>
+    <p:sldId id="483" r:id="rId91"/>
+    <p:sldId id="484" r:id="rId92"/>
+    <p:sldId id="485" r:id="rId93"/>
+    <p:sldId id="486" r:id="rId94"/>
+    <p:sldId id="487" r:id="rId95"/>
+    <p:sldId id="418" r:id="rId96"/>
+    <p:sldId id="326" r:id="rId97"/>
+    <p:sldId id="329" r:id="rId98"/>
+    <p:sldId id="278" r:id="rId99"/>
+    <p:sldId id="327" r:id="rId100"/>
+    <p:sldId id="414" r:id="rId101"/>
+    <p:sldId id="412" r:id="rId102"/>
   </p:sldIdLst>
   <p:sldSz cx="9144000" cy="6858000" type="screen4x3"/>
   <p:notesSz cx="6858000" cy="9144000"/>
@@ -296,7 +309,7 @@
             <a:fld id="{EF88095B-826C-4D0E-ACE1-419E2A1A3ECD}" type="datetimeFigureOut">
               <a:rPr lang="de-AT" smtClean="0"/>
               <a:pPr/>
-              <a:t>12.11.2014</a:t>
+              <a:t>18.11.2014</a:t>
             </a:fld>
             <a:endParaRPr lang="de-AT"/>
           </a:p>
@@ -3837,22 +3850,6 @@
               </a:rPr>
               <a:t>A. Beham, M. Kommenda</a:t>
             </a:r>
-            <a:endParaRPr kumimoji="0" lang="en-US" sz="3200" b="0" i="0" u="none" strike="noStrike" kern="1200" cap="none" spc="0" normalizeH="0" baseline="0" noProof="0" dirty="0" smtClean="0">
-              <a:ln>
-                <a:noFill/>
-              </a:ln>
-              <a:solidFill>
-                <a:schemeClr val="tx1">
-                  <a:tint val="75000"/>
-                </a:schemeClr>
-              </a:solidFill>
-              <a:effectLst/>
-              <a:uLnTx/>
-              <a:uFillTx/>
-              <a:latin typeface="+mn-lt"/>
-              <a:ea typeface="+mn-ea"/>
-              <a:cs typeface="+mn-cs"/>
-            </a:endParaRPr>
           </a:p>
           <a:p>
             <a:pPr marL="0" marR="0" lvl="0" indent="0" algn="ctr" defTabSz="914400" rtl="0" eaLnBrk="1" fontAlgn="auto" latinLnBrk="0" hangingPunct="1">
@@ -4354,6 +4351,1220 @@
         </p:txBody>
       </p:sp>
     </p:spTree>
+  </p:cSld>
+  <p:clrMapOvr>
+    <a:masterClrMapping/>
+  </p:clrMapOvr>
+  <p:transition/>
+  <p:timing>
+    <p:tnLst>
+      <p:par>
+        <p:cTn id="1" dur="indefinite" restart="never" nodeType="tmRoot"/>
+      </p:par>
+    </p:tnLst>
+  </p:timing>
+</p:sld>
+</file>
+
+<file path=ppt/slides/slide100.xml><?xml version="1.0" encoding="utf-8"?>
+<p:sld xmlns:a="http://schemas.openxmlformats.org/drawingml/2006/main" xmlns:r="http://schemas.openxmlformats.org/officeDocument/2006/relationships" xmlns:p="http://schemas.openxmlformats.org/presentationml/2006/main">
+  <p:cSld>
+    <p:spTree>
+      <p:nvGrpSpPr>
+        <p:cNvPr id="1" name=""/>
+        <p:cNvGrpSpPr/>
+        <p:nvPr/>
+      </p:nvGrpSpPr>
+      <p:grpSpPr>
+        <a:xfrm>
+          <a:off x="0" y="0"/>
+          <a:ext cx="0" cy="0"/>
+          <a:chOff x="0" y="0"/>
+          <a:chExt cx="0" cy="0"/>
+        </a:xfrm>
+      </p:grpSpPr>
+      <p:sp>
+        <p:nvSpPr>
+          <p:cNvPr id="2" name="Title 1"/>
+          <p:cNvSpPr>
+            <a:spLocks noGrp="1"/>
+          </p:cNvSpPr>
+          <p:nvPr>
+            <p:ph type="title"/>
+          </p:nvPr>
+        </p:nvSpPr>
+        <p:spPr/>
+        <p:txBody>
+          <a:bodyPr/>
+          <a:lstStyle/>
+          <a:p>
+            <a:r>
+              <a:rPr lang="de-DE" dirty="0" err="1" smtClean="0"/>
+              <a:t>Bibliography</a:t>
+            </a:r>
+            <a:endParaRPr lang="de-AT" dirty="0"/>
+          </a:p>
+        </p:txBody>
+      </p:sp>
+      <p:sp>
+        <p:nvSpPr>
+          <p:cNvPr id="3" name="Content Placeholder 2"/>
+          <p:cNvSpPr>
+            <a:spLocks noGrp="1"/>
+          </p:cNvSpPr>
+          <p:nvPr>
+            <p:ph idx="1"/>
+          </p:nvPr>
+        </p:nvSpPr>
+        <p:spPr>
+          <a:xfrm>
+            <a:off x="457200" y="1417638"/>
+            <a:ext cx="8229600" cy="4708525"/>
+          </a:xfrm>
+        </p:spPr>
+        <p:txBody>
+          <a:bodyPr>
+            <a:normAutofit fontScale="25000" lnSpcReduction="20000"/>
+          </a:bodyPr>
+          <a:lstStyle/>
+          <a:p>
+            <a:r>
+              <a:rPr lang="de-AT" dirty="0" smtClean="0"/>
+              <a:t>S</a:t>
+            </a:r>
+            <a:r>
+              <a:rPr lang="de-AT" dirty="0"/>
+              <a:t>. Wagner, M. Affenzeller</a:t>
+            </a:r>
+            <a:br>
+              <a:rPr lang="de-AT" dirty="0"/>
+            </a:br>
+            <a:r>
+              <a:rPr lang="de-AT" b="1" dirty="0" err="1"/>
+              <a:t>HeuristicLab</a:t>
+            </a:r>
+            <a:r>
+              <a:rPr lang="de-AT" b="1" dirty="0"/>
+              <a:t>: A </a:t>
+            </a:r>
+            <a:r>
+              <a:rPr lang="de-AT" b="1" dirty="0" err="1"/>
+              <a:t>generic</a:t>
+            </a:r>
+            <a:r>
+              <a:rPr lang="de-AT" b="1" dirty="0"/>
+              <a:t> </a:t>
+            </a:r>
+            <a:r>
+              <a:rPr lang="de-AT" b="1" dirty="0" err="1"/>
+              <a:t>and</a:t>
+            </a:r>
+            <a:r>
+              <a:rPr lang="de-AT" b="1" dirty="0"/>
+              <a:t> extensible </a:t>
+            </a:r>
+            <a:r>
+              <a:rPr lang="de-AT" b="1" dirty="0" err="1"/>
+              <a:t>optimization</a:t>
+            </a:r>
+            <a:r>
+              <a:rPr lang="de-AT" b="1" dirty="0"/>
+              <a:t> </a:t>
+            </a:r>
+            <a:r>
+              <a:rPr lang="de-AT" b="1" dirty="0" err="1"/>
+              <a:t>environment</a:t>
+            </a:r>
+            <a:r>
+              <a:rPr lang="de-AT" b="1" dirty="0"/>
+              <a:t/>
+            </a:r>
+            <a:br>
+              <a:rPr lang="de-AT" b="1" dirty="0"/>
+            </a:br>
+            <a:r>
+              <a:rPr lang="de-AT" dirty="0"/>
+              <a:t>Adaptive </a:t>
+            </a:r>
+            <a:r>
+              <a:rPr lang="de-AT" dirty="0" err="1"/>
+              <a:t>and</a:t>
+            </a:r>
+            <a:r>
+              <a:rPr lang="de-AT" dirty="0"/>
+              <a:t> Natural Computing </a:t>
+            </a:r>
+            <a:r>
+              <a:rPr lang="de-AT" dirty="0" err="1"/>
+              <a:t>Algorithms</a:t>
+            </a:r>
+            <a:r>
+              <a:rPr lang="de-AT" dirty="0"/>
+              <a:t>, pp. 538-541</a:t>
+            </a:r>
+            <a:br>
+              <a:rPr lang="de-AT" dirty="0"/>
+            </a:br>
+            <a:r>
+              <a:rPr lang="de-AT" dirty="0"/>
+              <a:t>Springer, 2005</a:t>
+            </a:r>
+          </a:p>
+          <a:p>
+            <a:pPr lvl="3"/>
+            <a:endParaRPr lang="de-DE" dirty="0" smtClean="0"/>
+          </a:p>
+          <a:p>
+            <a:pPr lvl="3"/>
+            <a:endParaRPr lang="de-AT" dirty="0"/>
+          </a:p>
+          <a:p>
+            <a:r>
+              <a:rPr lang="de-AT" dirty="0"/>
+              <a:t>S. Wagner, S. Winkler, R. Braune, G. Kronberger, A. Beham, M. Affenzeller</a:t>
+            </a:r>
+            <a:br>
+              <a:rPr lang="de-AT" dirty="0"/>
+            </a:br>
+            <a:r>
+              <a:rPr lang="de-AT" b="1" dirty="0" err="1"/>
+              <a:t>Benefits</a:t>
+            </a:r>
+            <a:r>
+              <a:rPr lang="de-AT" b="1" dirty="0"/>
+              <a:t> </a:t>
+            </a:r>
+            <a:r>
+              <a:rPr lang="de-AT" b="1" dirty="0" err="1"/>
+              <a:t>of</a:t>
+            </a:r>
+            <a:r>
+              <a:rPr lang="de-AT" b="1" dirty="0"/>
+              <a:t> </a:t>
+            </a:r>
+            <a:r>
+              <a:rPr lang="de-AT" b="1" dirty="0" err="1"/>
+              <a:t>plugin-based</a:t>
+            </a:r>
+            <a:r>
+              <a:rPr lang="de-AT" b="1" dirty="0"/>
+              <a:t> </a:t>
+            </a:r>
+            <a:r>
+              <a:rPr lang="de-AT" b="1" dirty="0" err="1"/>
+              <a:t>heuristic</a:t>
+            </a:r>
+            <a:r>
+              <a:rPr lang="de-AT" b="1" dirty="0"/>
+              <a:t> </a:t>
+            </a:r>
+            <a:r>
+              <a:rPr lang="de-AT" b="1" dirty="0" err="1"/>
+              <a:t>optimization</a:t>
+            </a:r>
+            <a:r>
+              <a:rPr lang="de-AT" b="1" dirty="0"/>
+              <a:t> </a:t>
+            </a:r>
+            <a:r>
+              <a:rPr lang="de-AT" b="1" dirty="0" err="1"/>
+              <a:t>software</a:t>
+            </a:r>
+            <a:r>
+              <a:rPr lang="de-AT" b="1" dirty="0"/>
+              <a:t> </a:t>
+            </a:r>
+            <a:r>
+              <a:rPr lang="de-AT" b="1" dirty="0" err="1"/>
+              <a:t>systems</a:t>
+            </a:r>
+            <a:r>
+              <a:rPr lang="de-AT" b="1" dirty="0"/>
+              <a:t/>
+            </a:r>
+            <a:br>
+              <a:rPr lang="de-AT" b="1" dirty="0"/>
+            </a:br>
+            <a:r>
+              <a:rPr lang="de-AT" dirty="0"/>
+              <a:t>Computer </a:t>
+            </a:r>
+            <a:r>
+              <a:rPr lang="de-AT" dirty="0" err="1"/>
+              <a:t>Aided</a:t>
+            </a:r>
+            <a:r>
+              <a:rPr lang="de-AT" dirty="0"/>
+              <a:t> Systems </a:t>
+            </a:r>
+            <a:r>
+              <a:rPr lang="de-AT" dirty="0" err="1"/>
+              <a:t>Theory</a:t>
+            </a:r>
+            <a:r>
+              <a:rPr lang="de-AT" dirty="0"/>
+              <a:t> - EUROCAST 2007, </a:t>
+            </a:r>
+            <a:r>
+              <a:rPr lang="de-AT" dirty="0" err="1"/>
+              <a:t>Lecture</a:t>
+            </a:r>
+            <a:r>
+              <a:rPr lang="de-AT" dirty="0"/>
+              <a:t> Notes in Computer Science, vol. 4739, pp. 747-754</a:t>
+            </a:r>
+            <a:br>
+              <a:rPr lang="de-AT" dirty="0"/>
+            </a:br>
+            <a:r>
+              <a:rPr lang="de-AT" dirty="0"/>
+              <a:t>Springer, 2007</a:t>
+            </a:r>
+          </a:p>
+          <a:p>
+            <a:pPr lvl="3"/>
+            <a:endParaRPr lang="de-DE" dirty="0" smtClean="0"/>
+          </a:p>
+          <a:p>
+            <a:pPr lvl="3"/>
+            <a:endParaRPr lang="de-AT" dirty="0"/>
+          </a:p>
+          <a:p>
+            <a:r>
+              <a:rPr lang="de-AT" dirty="0"/>
+              <a:t>S. Wagner, G. Kronberger, A. Beham, S. Winkler, M. Affenzeller</a:t>
+            </a:r>
+            <a:br>
+              <a:rPr lang="de-AT" dirty="0"/>
+            </a:br>
+            <a:r>
+              <a:rPr lang="de-AT" b="1" dirty="0"/>
+              <a:t>Modeling </a:t>
+            </a:r>
+            <a:r>
+              <a:rPr lang="de-AT" b="1" dirty="0" err="1"/>
+              <a:t>of</a:t>
+            </a:r>
+            <a:r>
+              <a:rPr lang="de-AT" b="1" dirty="0"/>
+              <a:t> </a:t>
+            </a:r>
+            <a:r>
+              <a:rPr lang="de-AT" b="1" dirty="0" err="1"/>
+              <a:t>heuristic</a:t>
+            </a:r>
+            <a:r>
+              <a:rPr lang="de-AT" b="1" dirty="0"/>
+              <a:t> </a:t>
+            </a:r>
+            <a:r>
+              <a:rPr lang="de-AT" b="1" dirty="0" err="1"/>
+              <a:t>optimization</a:t>
+            </a:r>
+            <a:r>
+              <a:rPr lang="de-AT" b="1" dirty="0"/>
+              <a:t> </a:t>
+            </a:r>
+            <a:r>
+              <a:rPr lang="de-AT" b="1" dirty="0" err="1"/>
+              <a:t>algorithms</a:t>
+            </a:r>
+            <a:r>
+              <a:rPr lang="de-AT" b="1" dirty="0"/>
+              <a:t/>
+            </a:r>
+            <a:br>
+              <a:rPr lang="de-AT" b="1" dirty="0"/>
+            </a:br>
+            <a:r>
+              <a:rPr lang="de-AT" dirty="0" err="1"/>
+              <a:t>Proceedings</a:t>
+            </a:r>
+            <a:r>
+              <a:rPr lang="de-AT" dirty="0"/>
+              <a:t> </a:t>
+            </a:r>
+            <a:r>
+              <a:rPr lang="de-AT" dirty="0" err="1"/>
+              <a:t>of</a:t>
+            </a:r>
+            <a:r>
+              <a:rPr lang="de-AT" dirty="0"/>
+              <a:t> </a:t>
+            </a:r>
+            <a:r>
+              <a:rPr lang="de-AT" dirty="0" err="1"/>
+              <a:t>the</a:t>
+            </a:r>
+            <a:r>
+              <a:rPr lang="de-AT" dirty="0"/>
+              <a:t> 20th European Modeling </a:t>
+            </a:r>
+            <a:r>
+              <a:rPr lang="de-AT" dirty="0" err="1"/>
+              <a:t>and</a:t>
+            </a:r>
+            <a:r>
+              <a:rPr lang="de-AT" dirty="0"/>
+              <a:t> Simulation Symposium, pp. 106-111</a:t>
+            </a:r>
+            <a:br>
+              <a:rPr lang="de-AT" dirty="0"/>
+            </a:br>
+            <a:r>
+              <a:rPr lang="de-AT" dirty="0"/>
+              <a:t>DIPTEM University </a:t>
+            </a:r>
+            <a:r>
+              <a:rPr lang="de-AT" dirty="0" err="1"/>
+              <a:t>of</a:t>
+            </a:r>
+            <a:r>
+              <a:rPr lang="de-AT" dirty="0"/>
+              <a:t> Genova, 2008</a:t>
+            </a:r>
+          </a:p>
+          <a:p>
+            <a:pPr lvl="3"/>
+            <a:endParaRPr lang="de-DE" dirty="0" smtClean="0"/>
+          </a:p>
+          <a:p>
+            <a:pPr lvl="3"/>
+            <a:endParaRPr lang="de-AT" dirty="0"/>
+          </a:p>
+          <a:p>
+            <a:r>
+              <a:rPr lang="de-AT" dirty="0"/>
+              <a:t>S. Wagner, G. Kronberger, A. Beham, S. Winkler, M. Affenzeller</a:t>
+            </a:r>
+            <a:br>
+              <a:rPr lang="de-AT" dirty="0"/>
+            </a:br>
+            <a:r>
+              <a:rPr lang="de-AT" b="1" dirty="0"/>
+              <a:t>Model </a:t>
+            </a:r>
+            <a:r>
+              <a:rPr lang="de-AT" b="1" dirty="0" err="1"/>
+              <a:t>driven</a:t>
+            </a:r>
+            <a:r>
+              <a:rPr lang="de-AT" b="1" dirty="0"/>
+              <a:t> rapid </a:t>
+            </a:r>
+            <a:r>
+              <a:rPr lang="de-AT" b="1" dirty="0" err="1"/>
+              <a:t>prototyping</a:t>
+            </a:r>
+            <a:r>
+              <a:rPr lang="de-AT" b="1" dirty="0"/>
+              <a:t> </a:t>
+            </a:r>
+            <a:r>
+              <a:rPr lang="de-AT" b="1" dirty="0" err="1"/>
+              <a:t>of</a:t>
+            </a:r>
+            <a:r>
+              <a:rPr lang="de-AT" b="1" dirty="0"/>
+              <a:t> </a:t>
+            </a:r>
+            <a:r>
+              <a:rPr lang="de-AT" b="1" dirty="0" err="1"/>
+              <a:t>heuristic</a:t>
+            </a:r>
+            <a:r>
+              <a:rPr lang="de-AT" b="1" dirty="0"/>
+              <a:t> </a:t>
+            </a:r>
+            <a:r>
+              <a:rPr lang="de-AT" b="1" dirty="0" err="1"/>
+              <a:t>optimization</a:t>
+            </a:r>
+            <a:r>
+              <a:rPr lang="de-AT" b="1" dirty="0"/>
+              <a:t> </a:t>
+            </a:r>
+            <a:r>
+              <a:rPr lang="de-AT" b="1" dirty="0" err="1"/>
+              <a:t>algorithms</a:t>
+            </a:r>
+            <a:r>
+              <a:rPr lang="de-AT" dirty="0"/>
+              <a:t/>
+            </a:r>
+            <a:br>
+              <a:rPr lang="de-AT" dirty="0"/>
+            </a:br>
+            <a:r>
+              <a:rPr lang="de-AT" dirty="0"/>
+              <a:t>Computer </a:t>
+            </a:r>
+            <a:r>
+              <a:rPr lang="de-AT" dirty="0" err="1"/>
+              <a:t>Aided</a:t>
+            </a:r>
+            <a:r>
+              <a:rPr lang="de-AT" dirty="0"/>
+              <a:t> Systems </a:t>
+            </a:r>
+            <a:r>
+              <a:rPr lang="de-AT" dirty="0" err="1"/>
+              <a:t>Theory</a:t>
+            </a:r>
+            <a:r>
+              <a:rPr lang="de-AT" dirty="0"/>
+              <a:t> - EUROCAST 2009, </a:t>
+            </a:r>
+            <a:r>
+              <a:rPr lang="de-AT" dirty="0" err="1"/>
+              <a:t>Lecture</a:t>
+            </a:r>
+            <a:r>
+              <a:rPr lang="de-AT" dirty="0"/>
+              <a:t> Notes in Computer Science, vol. 5717, pp. 729-736</a:t>
+            </a:r>
+            <a:br>
+              <a:rPr lang="de-AT" dirty="0"/>
+            </a:br>
+            <a:r>
+              <a:rPr lang="de-AT" dirty="0"/>
+              <a:t>Springer, 2009</a:t>
+            </a:r>
+          </a:p>
+          <a:p>
+            <a:pPr lvl="3"/>
+            <a:endParaRPr lang="de-DE" dirty="0" smtClean="0"/>
+          </a:p>
+          <a:p>
+            <a:pPr lvl="3"/>
+            <a:endParaRPr lang="de-AT" dirty="0"/>
+          </a:p>
+          <a:p>
+            <a:r>
+              <a:rPr lang="de-AT" dirty="0"/>
+              <a:t>S. Wagner</a:t>
+            </a:r>
+            <a:br>
+              <a:rPr lang="de-AT" dirty="0"/>
+            </a:br>
+            <a:r>
+              <a:rPr lang="de-AT" b="1" dirty="0" err="1"/>
+              <a:t>Heuristic</a:t>
+            </a:r>
+            <a:r>
+              <a:rPr lang="de-AT" b="1" dirty="0"/>
+              <a:t> </a:t>
+            </a:r>
+            <a:r>
+              <a:rPr lang="de-AT" b="1" dirty="0" err="1"/>
+              <a:t>optimization</a:t>
+            </a:r>
+            <a:r>
+              <a:rPr lang="de-AT" b="1" dirty="0"/>
+              <a:t> </a:t>
+            </a:r>
+            <a:r>
+              <a:rPr lang="de-AT" b="1" dirty="0" err="1"/>
+              <a:t>software</a:t>
+            </a:r>
+            <a:r>
+              <a:rPr lang="de-AT" b="1" dirty="0"/>
+              <a:t> </a:t>
+            </a:r>
+            <a:r>
+              <a:rPr lang="de-AT" b="1" dirty="0" err="1"/>
+              <a:t>systems</a:t>
+            </a:r>
+            <a:r>
+              <a:rPr lang="de-AT" b="1" dirty="0"/>
+              <a:t> - Modeling </a:t>
+            </a:r>
+            <a:r>
+              <a:rPr lang="de-AT" b="1" dirty="0" err="1"/>
+              <a:t>of</a:t>
+            </a:r>
+            <a:r>
+              <a:rPr lang="de-AT" b="1" dirty="0"/>
+              <a:t> </a:t>
+            </a:r>
+            <a:r>
+              <a:rPr lang="de-AT" b="1" dirty="0" err="1"/>
+              <a:t>heuristic</a:t>
+            </a:r>
+            <a:r>
+              <a:rPr lang="de-AT" b="1" dirty="0"/>
+              <a:t> </a:t>
+            </a:r>
+            <a:r>
+              <a:rPr lang="de-AT" b="1" dirty="0" err="1"/>
+              <a:t>optimization</a:t>
+            </a:r>
+            <a:r>
+              <a:rPr lang="de-AT" b="1" dirty="0"/>
+              <a:t> </a:t>
+            </a:r>
+            <a:r>
+              <a:rPr lang="de-AT" b="1" dirty="0" err="1"/>
+              <a:t>algorithms</a:t>
+            </a:r>
+            <a:r>
+              <a:rPr lang="de-AT" b="1" dirty="0"/>
+              <a:t> in </a:t>
+            </a:r>
+            <a:r>
+              <a:rPr lang="de-AT" b="1" dirty="0" err="1"/>
+              <a:t>the</a:t>
+            </a:r>
+            <a:r>
+              <a:rPr lang="de-AT" b="1" dirty="0"/>
+              <a:t> </a:t>
+            </a:r>
+            <a:r>
+              <a:rPr lang="de-AT" b="1" dirty="0" err="1"/>
+              <a:t>HeuristicLab</a:t>
+            </a:r>
+            <a:r>
+              <a:rPr lang="de-AT" b="1" dirty="0"/>
+              <a:t> </a:t>
+            </a:r>
+            <a:r>
+              <a:rPr lang="de-AT" b="1" dirty="0" err="1"/>
+              <a:t>software</a:t>
+            </a:r>
+            <a:r>
+              <a:rPr lang="de-AT" b="1" dirty="0"/>
+              <a:t> </a:t>
+            </a:r>
+            <a:r>
+              <a:rPr lang="de-AT" b="1" dirty="0" err="1"/>
+              <a:t>environment</a:t>
+            </a:r>
+            <a:r>
+              <a:rPr lang="de-AT" b="1" dirty="0"/>
+              <a:t/>
+            </a:r>
+            <a:br>
+              <a:rPr lang="de-AT" b="1" dirty="0"/>
+            </a:br>
+            <a:r>
+              <a:rPr lang="de-AT" dirty="0" err="1"/>
+              <a:t>Ph.D</a:t>
+            </a:r>
+            <a:r>
+              <a:rPr lang="de-AT" dirty="0"/>
+              <a:t>. </a:t>
+            </a:r>
+            <a:r>
+              <a:rPr lang="de-AT" dirty="0" err="1"/>
+              <a:t>thesis</a:t>
+            </a:r>
+            <a:r>
+              <a:rPr lang="de-AT" dirty="0"/>
+              <a:t>, Johannes Kepler University Linz, Austria, 2009.</a:t>
+            </a:r>
+          </a:p>
+          <a:p>
+            <a:pPr lvl="3"/>
+            <a:endParaRPr lang="de-DE" dirty="0" smtClean="0"/>
+          </a:p>
+          <a:p>
+            <a:pPr lvl="3"/>
+            <a:endParaRPr lang="de-AT" dirty="0"/>
+          </a:p>
+          <a:p>
+            <a:r>
+              <a:rPr lang="de-AT" dirty="0"/>
+              <a:t>S. Wagner, A. Beham, G. Kronberger, M. </a:t>
+            </a:r>
+            <a:r>
+              <a:rPr lang="de-AT" dirty="0" err="1"/>
+              <a:t>Kommenda</a:t>
+            </a:r>
+            <a:r>
+              <a:rPr lang="de-AT" dirty="0"/>
+              <a:t>, E. Pitzer, M. Kofler, S. </a:t>
+            </a:r>
+            <a:r>
+              <a:rPr lang="de-AT" dirty="0" err="1"/>
+              <a:t>Vonolfen</a:t>
+            </a:r>
+            <a:r>
+              <a:rPr lang="de-AT" dirty="0"/>
+              <a:t>, S. Winkler, V. Dorfer, M. Affenzeller</a:t>
+            </a:r>
+            <a:br>
+              <a:rPr lang="de-AT" dirty="0"/>
+            </a:br>
+            <a:r>
+              <a:rPr lang="de-AT" b="1" dirty="0"/>
+              <a:t>HeuristicLab 3.3: A </a:t>
+            </a:r>
+            <a:r>
+              <a:rPr lang="de-AT" b="1" dirty="0" err="1"/>
+              <a:t>unified</a:t>
+            </a:r>
+            <a:r>
+              <a:rPr lang="de-AT" b="1" dirty="0"/>
+              <a:t> </a:t>
+            </a:r>
+            <a:r>
+              <a:rPr lang="de-AT" b="1" dirty="0" err="1"/>
+              <a:t>approach</a:t>
+            </a:r>
+            <a:r>
+              <a:rPr lang="de-AT" b="1" dirty="0"/>
+              <a:t> </a:t>
+            </a:r>
+            <a:r>
+              <a:rPr lang="de-AT" b="1" dirty="0" err="1"/>
+              <a:t>to</a:t>
+            </a:r>
+            <a:r>
+              <a:rPr lang="de-AT" b="1" dirty="0"/>
+              <a:t> </a:t>
+            </a:r>
+            <a:r>
+              <a:rPr lang="de-AT" b="1" dirty="0" err="1"/>
+              <a:t>metaheuristic</a:t>
+            </a:r>
+            <a:r>
+              <a:rPr lang="de-AT" b="1" dirty="0"/>
+              <a:t> </a:t>
+            </a:r>
+            <a:r>
+              <a:rPr lang="de-AT" b="1" dirty="0" err="1"/>
+              <a:t>optimization</a:t>
+            </a:r>
+            <a:r>
+              <a:rPr lang="de-AT" b="1" dirty="0"/>
+              <a:t/>
+            </a:r>
+            <a:br>
+              <a:rPr lang="de-AT" b="1" dirty="0"/>
+            </a:br>
+            <a:r>
+              <a:rPr lang="de-AT" dirty="0" err="1"/>
+              <a:t>Actas</a:t>
+            </a:r>
+            <a:r>
+              <a:rPr lang="de-AT" dirty="0"/>
+              <a:t> del </a:t>
+            </a:r>
+            <a:r>
+              <a:rPr lang="de-AT" dirty="0" err="1"/>
+              <a:t>séptimo</a:t>
+            </a:r>
+            <a:r>
+              <a:rPr lang="de-AT" dirty="0"/>
+              <a:t> </a:t>
+            </a:r>
+            <a:r>
+              <a:rPr lang="de-AT" dirty="0" err="1"/>
+              <a:t>congreso</a:t>
+            </a:r>
+            <a:r>
+              <a:rPr lang="de-AT" dirty="0"/>
+              <a:t> </a:t>
+            </a:r>
+            <a:r>
+              <a:rPr lang="de-AT" dirty="0" err="1"/>
+              <a:t>español</a:t>
+            </a:r>
+            <a:r>
+              <a:rPr lang="de-AT" dirty="0"/>
+              <a:t> </a:t>
+            </a:r>
+            <a:r>
+              <a:rPr lang="de-AT" dirty="0" err="1"/>
+              <a:t>sobre</a:t>
+            </a:r>
+            <a:r>
+              <a:rPr lang="de-AT" dirty="0"/>
+              <a:t> </a:t>
+            </a:r>
+            <a:r>
+              <a:rPr lang="de-AT" dirty="0" err="1"/>
+              <a:t>Metaheurísticas</a:t>
+            </a:r>
+            <a:r>
+              <a:rPr lang="de-AT" dirty="0"/>
+              <a:t>, </a:t>
+            </a:r>
+            <a:r>
+              <a:rPr lang="de-AT" dirty="0" err="1"/>
+              <a:t>Algoritmos</a:t>
+            </a:r>
+            <a:r>
+              <a:rPr lang="de-AT" dirty="0"/>
+              <a:t> </a:t>
+            </a:r>
+            <a:r>
+              <a:rPr lang="de-AT" dirty="0" err="1"/>
+              <a:t>Evolutivos</a:t>
+            </a:r>
+            <a:r>
+              <a:rPr lang="de-AT" dirty="0"/>
+              <a:t> y </a:t>
+            </a:r>
+            <a:r>
+              <a:rPr lang="de-AT" dirty="0" err="1"/>
+              <a:t>Bioinspirados</a:t>
+            </a:r>
+            <a:r>
+              <a:rPr lang="de-AT" dirty="0"/>
+              <a:t> (MAEB'2010), </a:t>
+            </a:r>
+            <a:r>
+              <a:rPr lang="de-AT" dirty="0" smtClean="0"/>
+              <a:t>2010</a:t>
+            </a:r>
+          </a:p>
+          <a:p>
+            <a:endParaRPr lang="de-AT" sz="2000" dirty="0"/>
+          </a:p>
+          <a:p>
+            <a:endParaRPr lang="de-AT" sz="2000" dirty="0" smtClean="0"/>
+          </a:p>
+          <a:p>
+            <a:r>
+              <a:rPr lang="de-AT" dirty="0" smtClean="0"/>
+              <a:t>S. Wagner, G. Kronberger, A. </a:t>
+            </a:r>
+            <a:r>
+              <a:rPr lang="de-AT" dirty="0"/>
+              <a:t>Beham, </a:t>
+            </a:r>
+            <a:r>
+              <a:rPr lang="de-AT" dirty="0" smtClean="0"/>
+              <a:t>M. Kommenda, A. Scheibenpflug, E. Pitzer, S. Vonolfen, M. Kofler</a:t>
+            </a:r>
+            <a:r>
+              <a:rPr lang="de-AT" dirty="0"/>
+              <a:t>, </a:t>
+            </a:r>
+            <a:r>
+              <a:rPr lang="de-AT" dirty="0" smtClean="0"/>
+              <a:t>S. Winkler</a:t>
+            </a:r>
+            <a:r>
+              <a:rPr lang="de-AT" dirty="0"/>
+              <a:t>, </a:t>
+            </a:r>
+            <a:r>
+              <a:rPr lang="de-AT" dirty="0" smtClean="0"/>
+              <a:t>V. Dorfer</a:t>
+            </a:r>
+            <a:r>
+              <a:rPr lang="de-AT" dirty="0"/>
+              <a:t>, </a:t>
+            </a:r>
+            <a:r>
+              <a:rPr lang="de-AT" dirty="0" smtClean="0"/>
+              <a:t>M. Affenzeller</a:t>
+            </a:r>
+          </a:p>
+          <a:p>
+            <a:pPr marL="346075" lvl="1" indent="0">
+              <a:buNone/>
+            </a:pPr>
+            <a:r>
+              <a:rPr lang="en-US" sz="3200" b="1" dirty="0"/>
+              <a:t>Architecture and Design of the HeuristicLab Optimization Environment</a:t>
+            </a:r>
+          </a:p>
+          <a:p>
+            <a:pPr marL="346075" lvl="1" indent="0">
+              <a:buNone/>
+            </a:pPr>
+            <a:r>
+              <a:rPr lang="en-US" sz="3200" dirty="0"/>
+              <a:t>Advanced Methods and Applications in Computational Intelligence, vol. 6, pp. </a:t>
+            </a:r>
+            <a:r>
+              <a:rPr lang="de-AT" sz="3200" dirty="0"/>
+              <a:t>197-261, Springer, 2014</a:t>
+            </a:r>
+            <a:endParaRPr lang="de-DE" sz="3200" dirty="0"/>
+          </a:p>
+          <a:p>
+            <a:pPr lvl="3"/>
+            <a:endParaRPr lang="de-DE" dirty="0"/>
+          </a:p>
+          <a:p>
+            <a:pPr lvl="3"/>
+            <a:endParaRPr lang="de-AT" dirty="0" smtClean="0"/>
+          </a:p>
+          <a:p>
+            <a:pPr lvl="3"/>
+            <a:endParaRPr lang="de-AT" dirty="0"/>
+          </a:p>
+          <a:p>
+            <a:pPr lvl="3"/>
+            <a:endParaRPr lang="de-AT" dirty="0"/>
+          </a:p>
+          <a:p>
+            <a:r>
+              <a:rPr lang="de-AT" dirty="0" err="1"/>
+              <a:t>Detailed</a:t>
+            </a:r>
+            <a:r>
+              <a:rPr lang="de-AT" dirty="0"/>
+              <a:t> </a:t>
+            </a:r>
+            <a:r>
+              <a:rPr lang="de-AT" dirty="0" err="1"/>
+              <a:t>list</a:t>
+            </a:r>
+            <a:r>
+              <a:rPr lang="de-AT" dirty="0"/>
+              <a:t> </a:t>
+            </a:r>
+            <a:r>
+              <a:rPr lang="de-AT" dirty="0" err="1"/>
+              <a:t>of</a:t>
+            </a:r>
+            <a:r>
+              <a:rPr lang="de-AT" dirty="0"/>
+              <a:t> all </a:t>
+            </a:r>
+            <a:r>
+              <a:rPr lang="de-AT" dirty="0" err="1"/>
+              <a:t>publications</a:t>
+            </a:r>
+            <a:r>
+              <a:rPr lang="de-AT" dirty="0"/>
+              <a:t> </a:t>
+            </a:r>
+            <a:r>
+              <a:rPr lang="de-AT" dirty="0" err="1"/>
+              <a:t>of</a:t>
+            </a:r>
+            <a:r>
+              <a:rPr lang="de-AT" dirty="0"/>
+              <a:t> </a:t>
+            </a:r>
+            <a:r>
+              <a:rPr lang="de-AT" dirty="0" err="1"/>
+              <a:t>the</a:t>
+            </a:r>
+            <a:r>
+              <a:rPr lang="de-AT" dirty="0"/>
+              <a:t> HEAL </a:t>
+            </a:r>
+            <a:r>
+              <a:rPr lang="de-AT" dirty="0" err="1"/>
+              <a:t>research</a:t>
+            </a:r>
+            <a:r>
+              <a:rPr lang="de-AT" dirty="0"/>
+              <a:t> </a:t>
+            </a:r>
+            <a:r>
+              <a:rPr lang="de-AT" dirty="0" err="1" smtClean="0"/>
+              <a:t>group</a:t>
+            </a:r>
+            <a:r>
+              <a:rPr lang="de-AT" dirty="0" smtClean="0"/>
+              <a:t>: </a:t>
+            </a:r>
+            <a:r>
+              <a:rPr lang="de-AT" dirty="0">
+                <a:hlinkClick r:id="rId2"/>
+              </a:rPr>
+              <a:t>http://</a:t>
+            </a:r>
+            <a:r>
+              <a:rPr lang="de-AT" dirty="0" smtClean="0">
+                <a:hlinkClick r:id="rId2"/>
+              </a:rPr>
+              <a:t>research.fh-ooe.at/de/orgunit/356#showpublications</a:t>
+            </a:r>
+            <a:endParaRPr lang="de-AT" dirty="0"/>
+          </a:p>
+        </p:txBody>
+      </p:sp>
+      <p:sp>
+        <p:nvSpPr>
+          <p:cNvPr id="4" name="Date Placeholder 3"/>
+          <p:cNvSpPr>
+            <a:spLocks noGrp="1"/>
+          </p:cNvSpPr>
+          <p:nvPr>
+            <p:ph type="dt" sz="half" idx="10"/>
+          </p:nvPr>
+        </p:nvSpPr>
+        <p:spPr/>
+        <p:txBody>
+          <a:bodyPr/>
+          <a:lstStyle/>
+          <a:p>
+            <a:r>
+              <a:rPr lang="de-DE" smtClean="0"/>
+              <a:t>HeuristicLab Tutorial</a:t>
+            </a:r>
+            <a:endParaRPr lang="de-DE"/>
+          </a:p>
+        </p:txBody>
+      </p:sp>
+      <p:sp>
+        <p:nvSpPr>
+          <p:cNvPr id="5" name="Footer Placeholder 4"/>
+          <p:cNvSpPr>
+            <a:spLocks noGrp="1"/>
+          </p:cNvSpPr>
+          <p:nvPr>
+            <p:ph type="ftr" sz="quarter" idx="11"/>
+          </p:nvPr>
+        </p:nvSpPr>
+        <p:spPr/>
+        <p:txBody>
+          <a:bodyPr/>
+          <a:lstStyle/>
+          <a:p>
+            <a:r>
+              <a:rPr lang="de-DE" smtClean="0"/>
+              <a:t>http://dev.heuristiclab.com</a:t>
+            </a:r>
+            <a:endParaRPr lang="de-DE"/>
+          </a:p>
+        </p:txBody>
+      </p:sp>
+      <p:sp>
+        <p:nvSpPr>
+          <p:cNvPr id="6" name="Slide Number Placeholder 5"/>
+          <p:cNvSpPr>
+            <a:spLocks noGrp="1"/>
+          </p:cNvSpPr>
+          <p:nvPr>
+            <p:ph type="sldNum" sz="quarter" idx="12"/>
+          </p:nvPr>
+        </p:nvSpPr>
+        <p:spPr/>
+        <p:txBody>
+          <a:bodyPr/>
+          <a:lstStyle/>
+          <a:p>
+            <a:fld id="{6C6AE60A-B69C-4790-82F7-3882EDF23186}" type="slidenum">
+              <a:rPr lang="de-DE" smtClean="0"/>
+              <a:pPr/>
+              <a:t>100</a:t>
+            </a:fld>
+            <a:endParaRPr lang="de-DE"/>
+          </a:p>
+        </p:txBody>
+      </p:sp>
+    </p:spTree>
+    <p:extLst>
+      <p:ext uri="{BB962C8B-B14F-4D97-AF65-F5344CB8AC3E}">
+        <p14:creationId xmlns:p14="http://schemas.microsoft.com/office/powerpoint/2010/main" val="956732938"/>
+      </p:ext>
+    </p:extLst>
+  </p:cSld>
+  <p:clrMapOvr>
+    <a:masterClrMapping/>
+  </p:clrMapOvr>
+  <p:transition/>
+  <p:timing>
+    <p:tnLst>
+      <p:par>
+        <p:cTn id="1" dur="indefinite" restart="never" nodeType="tmRoot"/>
+      </p:par>
+    </p:tnLst>
+  </p:timing>
+</p:sld>
+</file>
+
+<file path=ppt/slides/slide101.xml><?xml version="1.0" encoding="utf-8"?>
+<p:sld xmlns:a="http://schemas.openxmlformats.org/drawingml/2006/main" xmlns:r="http://schemas.openxmlformats.org/officeDocument/2006/relationships" xmlns:p="http://schemas.openxmlformats.org/presentationml/2006/main">
+  <p:cSld>
+    <p:spTree>
+      <p:nvGrpSpPr>
+        <p:cNvPr id="1" name=""/>
+        <p:cNvGrpSpPr/>
+        <p:nvPr/>
+      </p:nvGrpSpPr>
+      <p:grpSpPr>
+        <a:xfrm>
+          <a:off x="0" y="0"/>
+          <a:ext cx="0" cy="0"/>
+          <a:chOff x="0" y="0"/>
+          <a:chExt cx="0" cy="0"/>
+        </a:xfrm>
+      </p:grpSpPr>
+      <p:sp>
+        <p:nvSpPr>
+          <p:cNvPr id="2" name="Titel 1"/>
+          <p:cNvSpPr>
+            <a:spLocks noGrp="1"/>
+          </p:cNvSpPr>
+          <p:nvPr>
+            <p:ph type="title"/>
+          </p:nvPr>
+        </p:nvSpPr>
+        <p:spPr/>
+        <p:txBody>
+          <a:bodyPr/>
+          <a:lstStyle/>
+          <a:p>
+            <a:r>
+              <a:rPr lang="en-US" smtClean="0"/>
+              <a:t>Questions &amp; Answers</a:t>
+            </a:r>
+            <a:endParaRPr lang="en-US"/>
+          </a:p>
+        </p:txBody>
+      </p:sp>
+      <p:sp>
+        <p:nvSpPr>
+          <p:cNvPr id="3" name="Datumsplatzhalter 2"/>
+          <p:cNvSpPr>
+            <a:spLocks noGrp="1"/>
+          </p:cNvSpPr>
+          <p:nvPr>
+            <p:ph type="dt" sz="half" idx="10"/>
+          </p:nvPr>
+        </p:nvSpPr>
+        <p:spPr/>
+        <p:txBody>
+          <a:bodyPr/>
+          <a:lstStyle/>
+          <a:p>
+            <a:r>
+              <a:rPr lang="de-DE" smtClean="0"/>
+              <a:t>HeuristicLab Tutorial</a:t>
+            </a:r>
+            <a:endParaRPr lang="en-US"/>
+          </a:p>
+        </p:txBody>
+      </p:sp>
+      <p:sp>
+        <p:nvSpPr>
+          <p:cNvPr id="4" name="Fußzeilenplatzhalter 3"/>
+          <p:cNvSpPr>
+            <a:spLocks noGrp="1"/>
+          </p:cNvSpPr>
+          <p:nvPr>
+            <p:ph type="ftr" sz="quarter" idx="11"/>
+          </p:nvPr>
+        </p:nvSpPr>
+        <p:spPr/>
+        <p:txBody>
+          <a:bodyPr/>
+          <a:lstStyle/>
+          <a:p>
+            <a:r>
+              <a:rPr lang="en-US" smtClean="0"/>
+              <a:t>http://dev.heuristiclab.com</a:t>
+            </a:r>
+            <a:endParaRPr lang="en-US"/>
+          </a:p>
+        </p:txBody>
+      </p:sp>
+      <p:sp>
+        <p:nvSpPr>
+          <p:cNvPr id="5" name="Foliennummernplatzhalter 4"/>
+          <p:cNvSpPr>
+            <a:spLocks noGrp="1"/>
+          </p:cNvSpPr>
+          <p:nvPr>
+            <p:ph type="sldNum" sz="quarter" idx="12"/>
+          </p:nvPr>
+        </p:nvSpPr>
+        <p:spPr/>
+        <p:txBody>
+          <a:bodyPr/>
+          <a:lstStyle/>
+          <a:p>
+            <a:fld id="{6C6AE60A-B69C-4790-82F7-3882EDF23186}" type="slidenum">
+              <a:rPr lang="en-US" smtClean="0"/>
+              <a:pPr/>
+              <a:t>101</a:t>
+            </a:fld>
+            <a:endParaRPr lang="en-US"/>
+          </a:p>
+        </p:txBody>
+      </p:sp>
+      <p:sp>
+        <p:nvSpPr>
+          <p:cNvPr id="6" name="Textfeld 5"/>
+          <p:cNvSpPr txBox="1"/>
+          <p:nvPr/>
+        </p:nvSpPr>
+        <p:spPr>
+          <a:xfrm>
+            <a:off x="0" y="2060848"/>
+            <a:ext cx="9144000" cy="3416320"/>
+          </a:xfrm>
+          <a:prstGeom prst="rect">
+            <a:avLst/>
+          </a:prstGeom>
+          <a:noFill/>
+        </p:spPr>
+        <p:txBody>
+          <a:bodyPr wrap="square" rtlCol="0">
+            <a:spAutoFit/>
+          </a:bodyPr>
+          <a:lstStyle/>
+          <a:p>
+            <a:pPr algn="ctr"/>
+            <a:r>
+              <a:rPr lang="en-US" sz="3600" dirty="0" smtClean="0">
+                <a:hlinkClick r:id="rId2"/>
+              </a:rPr>
+              <a:t>http://dev.heuristiclab.com</a:t>
+            </a:r>
+            <a:endParaRPr lang="en-US" sz="3600" dirty="0" smtClean="0"/>
+          </a:p>
+          <a:p>
+            <a:pPr algn="ctr"/>
+            <a:endParaRPr lang="en-US" sz="2400" dirty="0" smtClean="0"/>
+          </a:p>
+          <a:p>
+            <a:pPr algn="ctr"/>
+            <a:r>
+              <a:rPr lang="en-US" sz="3600" dirty="0" smtClean="0">
+                <a:hlinkClick r:id="rId3"/>
+              </a:rPr>
+              <a:t>heuristiclab@googlegroups.com</a:t>
+            </a:r>
+            <a:endParaRPr lang="en-US" sz="3600" dirty="0" smtClean="0"/>
+          </a:p>
+          <a:p>
+            <a:pPr algn="ctr"/>
+            <a:endParaRPr lang="en-US" sz="2400" dirty="0"/>
+          </a:p>
+          <a:p>
+            <a:pPr algn="ctr"/>
+            <a:r>
+              <a:rPr lang="en-US" sz="3600" dirty="0" smtClean="0">
+                <a:hlinkClick r:id="rId4"/>
+              </a:rPr>
+              <a:t>http://www.youtube.com/heuristiclab</a:t>
+            </a:r>
+            <a:endParaRPr lang="en-US" sz="3600" dirty="0" smtClean="0"/>
+          </a:p>
+          <a:p>
+            <a:pPr algn="ctr"/>
+            <a:endParaRPr lang="en-US" sz="2400" dirty="0"/>
+          </a:p>
+          <a:p>
+            <a:pPr algn="ctr"/>
+            <a:r>
+              <a:rPr lang="en-US" sz="3600" dirty="0" smtClean="0">
+                <a:hlinkClick r:id="rId5"/>
+              </a:rPr>
+              <a:t>http://www.facebook.com/heuristiclab</a:t>
+            </a:r>
+            <a:endParaRPr lang="en-US" sz="3600" dirty="0" smtClean="0"/>
+          </a:p>
+        </p:txBody>
+      </p:sp>
+    </p:spTree>
+    <p:extLst>
+      <p:ext uri="{BB962C8B-B14F-4D97-AF65-F5344CB8AC3E}">
+        <p14:creationId xmlns:p14="http://schemas.microsoft.com/office/powerpoint/2010/main" val="1150598093"/>
+      </p:ext>
+    </p:extLst>
   </p:cSld>
   <p:clrMapOvr>
     <a:masterClrMapping/>
@@ -6525,8 +7736,10 @@
                   </a:schemeClr>
                 </a:solidFill>
               </a:rPr>
-              <a:t>Demonstration Part I: </a:t>
-            </a:r>
+              <a:t>Demonstration Part I: External Evaluation Problem</a:t>
+            </a:r>
+          </a:p>
+          <a:p>
             <a:r>
               <a:rPr lang="en-US" b="1" dirty="0" smtClean="0">
                 <a:solidFill>
@@ -6535,36 +7748,7 @@
                   </a:schemeClr>
                 </a:solidFill>
               </a:rPr>
-              <a:t>External Evaluation Problem</a:t>
-            </a:r>
-            <a:endParaRPr lang="en-US" b="1" dirty="0" smtClean="0">
-              <a:solidFill>
-                <a:schemeClr val="tx1">
-                  <a:alpha val="25000"/>
-                </a:schemeClr>
-              </a:solidFill>
-            </a:endParaRPr>
-          </a:p>
-          <a:p>
-            <a:r>
-              <a:rPr lang="en-US" b="1" dirty="0" smtClean="0">
-                <a:solidFill>
-                  <a:schemeClr val="tx1">
-                    <a:alpha val="25000"/>
-                  </a:schemeClr>
-                </a:solidFill>
-              </a:rPr>
-              <a:t>Demonstration Part II: </a:t>
-            </a:r>
-            <a:r>
-              <a:rPr lang="en-US" b="1" dirty="0" smtClean="0">
-                <a:solidFill>
-                  <a:schemeClr val="tx1">
-                    <a:alpha val="25000"/>
-                  </a:schemeClr>
-                </a:solidFill>
-              </a:rPr>
-              <a:t>MATLAB and </a:t>
+              <a:t>Demonstration Part II: MATLAB and </a:t>
             </a:r>
             <a:r>
               <a:rPr lang="en-US" b="1" dirty="0" err="1" smtClean="0">
@@ -7170,52 +8354,116 @@
           </a:bodyPr>
           <a:lstStyle/>
           <a:p>
+            <a:pPr lvl="1"/>
             <a:endParaRPr lang="de-AT" dirty="0" smtClean="0"/>
           </a:p>
           <a:p>
             <a:r>
+              <a:rPr lang="de-AT" dirty="0" err="1" smtClean="0"/>
+              <a:t>Optimize</a:t>
+            </a:r>
+            <a:r>
               <a:rPr lang="de-AT" dirty="0" smtClean="0"/>
-              <a:t>Supply Chain Simulation (</a:t>
+              <a:t> </a:t>
             </a:r>
             <a:r>
               <a:rPr lang="de-AT" dirty="0" err="1" smtClean="0"/>
-              <a:t>AnyLogic</a:t>
+              <a:t>parameters</a:t>
             </a:r>
             <a:r>
               <a:rPr lang="de-AT" dirty="0" smtClean="0"/>
-              <a:t>)</a:t>
-            </a:r>
-          </a:p>
-          <a:p>
+              <a:t> </a:t>
+            </a:r>
+            <a:r>
+              <a:rPr lang="de-AT" dirty="0" err="1" smtClean="0"/>
+              <a:t>of</a:t>
+            </a:r>
+            <a:r>
+              <a:rPr lang="de-AT" dirty="0" smtClean="0"/>
+              <a:t> an </a:t>
+            </a:r>
+            <a:r>
+              <a:rPr lang="de-AT" dirty="0" err="1" smtClean="0"/>
+              <a:t>existing</a:t>
+            </a:r>
+            <a:r>
+              <a:rPr lang="de-AT" dirty="0" smtClean="0"/>
+              <a:t> </a:t>
+            </a:r>
+            <a:r>
+              <a:rPr lang="de-AT" dirty="0" err="1" smtClean="0"/>
+              <a:t>simulation</a:t>
+            </a:r>
+            <a:r>
+              <a:rPr lang="de-AT" dirty="0" smtClean="0"/>
+              <a:t> </a:t>
+            </a:r>
+            <a:r>
+              <a:rPr lang="de-AT" dirty="0" err="1" smtClean="0"/>
+              <a:t>model</a:t>
+            </a:r>
             <a:endParaRPr lang="de-AT" dirty="0" smtClean="0"/>
           </a:p>
           <a:p>
             <a:r>
+              <a:rPr lang="de-AT" dirty="0" err="1" smtClean="0"/>
+              <a:t>Implement</a:t>
+            </a:r>
+            <a:r>
               <a:rPr lang="de-AT" dirty="0" smtClean="0"/>
-              <a:t>Taxi Simulation (</a:t>
+              <a:t> </a:t>
             </a:r>
             <a:r>
               <a:rPr lang="de-AT" dirty="0" err="1" smtClean="0"/>
-              <a:t>AnyLogic</a:t>
+              <a:t>necessary</a:t>
             </a:r>
             <a:r>
               <a:rPr lang="de-AT" dirty="0" smtClean="0"/>
-              <a:t>)</a:t>
-            </a:r>
-          </a:p>
-          <a:p>
+              <a:t> </a:t>
+            </a:r>
+            <a:r>
+              <a:rPr lang="de-AT" dirty="0" err="1" smtClean="0"/>
+              <a:t>steps</a:t>
+            </a:r>
+            <a:r>
+              <a:rPr lang="de-AT" dirty="0" smtClean="0"/>
+              <a:t> </a:t>
+            </a:r>
+            <a:r>
+              <a:rPr lang="de-AT" dirty="0" err="1" smtClean="0"/>
+              <a:t>to</a:t>
+            </a:r>
+            <a:r>
+              <a:rPr lang="de-AT" dirty="0" smtClean="0"/>
+              <a:t> </a:t>
+            </a:r>
+            <a:r>
+              <a:rPr lang="de-AT" dirty="0" err="1" smtClean="0"/>
+              <a:t>talk</a:t>
+            </a:r>
+            <a:r>
+              <a:rPr lang="de-AT" dirty="0" smtClean="0"/>
+              <a:t> </a:t>
+            </a:r>
+            <a:r>
+              <a:rPr lang="de-AT" dirty="0" err="1" smtClean="0"/>
+              <a:t>with</a:t>
+            </a:r>
+            <a:r>
+              <a:rPr lang="de-AT" dirty="0" smtClean="0"/>
+              <a:t> </a:t>
+            </a:r>
+            <a:r>
+              <a:rPr lang="de-AT" dirty="0" err="1" smtClean="0"/>
+              <a:t>HeuristicLab</a:t>
+            </a:r>
             <a:endParaRPr lang="de-AT" dirty="0"/>
           </a:p>
           <a:p>
-            <a:r>
-              <a:rPr lang="de-AT" dirty="0" err="1" smtClean="0"/>
-              <a:t>Race</a:t>
-            </a:r>
-            <a:r>
-              <a:rPr lang="de-AT" dirty="0" smtClean="0"/>
-              <a:t> Car Setup (TORCS)</a:t>
-            </a:r>
-            <a:endParaRPr lang="de-AT" dirty="0"/>
+            <a:endParaRPr lang="de-AT" dirty="0" smtClean="0"/>
+          </a:p>
+          <a:p>
+            <a:endParaRPr lang="de-AT" dirty="0" smtClean="0"/>
           </a:p>
         </p:txBody>
       </p:sp>
@@ -8431,7 +9679,6 @@
               <a:rPr lang="en-US" sz="1400" dirty="0" smtClean="0"/>
               <a:t>Team: Combinatorial and Simulation-based Optimization</a:t>
             </a:r>
-            <a:endParaRPr lang="en-US" sz="1400" dirty="0" smtClean="0"/>
           </a:p>
           <a:p>
             <a:pPr lvl="1"/>
@@ -8516,7 +9763,6 @@
               <a:rPr lang="en-US" sz="1400" dirty="0" smtClean="0"/>
               <a:t>Team: System Identification and Data Analysis</a:t>
             </a:r>
-            <a:endParaRPr lang="en-US" sz="1400" dirty="0" smtClean="0"/>
           </a:p>
           <a:p>
             <a:pPr lvl="1"/>
@@ -12253,7 +13499,6 @@
               <a:rPr lang="de-DE" dirty="0"/>
               <a:t>:</a:t>
             </a:r>
-            <a:endParaRPr lang="de-DE" dirty="0"/>
           </a:p>
         </p:txBody>
       </p:sp>
@@ -19595,22 +20840,13 @@
           <a:p>
             <a:r>
               <a:rPr lang="en-US" b="1" dirty="0" smtClean="0"/>
-              <a:t>Demonstration Part I: </a:t>
-            </a:r>
+              <a:t>Demonstration Part I: External Evaluation Problem</a:t>
+            </a:r>
+          </a:p>
+          <a:p>
             <a:r>
               <a:rPr lang="en-US" b="1" dirty="0" smtClean="0"/>
-              <a:t>External Evaluation Problem</a:t>
-            </a:r>
-            <a:endParaRPr lang="en-US" b="1" dirty="0" smtClean="0"/>
-          </a:p>
-          <a:p>
-            <a:r>
-              <a:rPr lang="en-US" b="1" dirty="0" smtClean="0"/>
-              <a:t>Demonstration Part II: </a:t>
-            </a:r>
-            <a:r>
-              <a:rPr lang="en-US" b="1" dirty="0" smtClean="0"/>
-              <a:t>MATLAB and </a:t>
+              <a:t>Demonstration Part II: MATLAB and </a:t>
             </a:r>
             <a:r>
               <a:rPr lang="en-US" b="1" dirty="0" err="1" smtClean="0"/>
@@ -24054,7 +25290,7 @@
               <a:rPr lang="de-DE" dirty="0" err="1" smtClean="0"/>
               <a:t>channel</a:t>
             </a:r>
-            <a:endParaRPr lang="de-DE" dirty="0"/>
+            <a:endParaRPr lang="de-DE" dirty="0" smtClean="0"/>
           </a:p>
         </p:txBody>
       </p:sp>
@@ -25705,13 +26941,8 @@
             </a:r>
             <a:r>
               <a:rPr lang="en-US" dirty="0" smtClean="0"/>
-              <a:t>optimization of parameters in externa</a:t>
-            </a:r>
-            <a:r>
-              <a:rPr lang="en-US" dirty="0" smtClean="0"/>
-              <a:t>l applications</a:t>
-            </a:r>
-            <a:endParaRPr lang="en-US" dirty="0" smtClean="0"/>
+              <a:t>optimization of parameters in external applications</a:t>
+            </a:r>
           </a:p>
           <a:p>
             <a:pPr lvl="3"/>
@@ -25745,7 +26976,6 @@
               <a:rPr lang="en-US" dirty="0" smtClean="0"/>
               <a:t>optimization of custom problem definitions</a:t>
             </a:r>
-            <a:endParaRPr lang="en-US" dirty="0" smtClean="0"/>
           </a:p>
           <a:p>
             <a:pPr lvl="3"/>
@@ -28692,11 +29922,7 @@
           <a:p>
             <a:r>
               <a:rPr lang="en-US" b="1" dirty="0" smtClean="0"/>
-              <a:t>Demonstration Part I: </a:t>
-            </a:r>
-            <a:r>
-              <a:rPr lang="en-US" b="1" dirty="0" smtClean="0"/>
-              <a:t>External Evaluation Problem</a:t>
+              <a:t>Demonstration Part I: External Evaluation Problem</a:t>
             </a:r>
           </a:p>
           <a:p>
@@ -28742,13 +29968,6 @@
               </a:rPr>
               <a:t>Demonstration Part III: Programmable Problem</a:t>
             </a:r>
-            <a:endParaRPr lang="en-US" b="1" dirty="0" smtClean="0">
-              <a:solidFill>
-                <a:schemeClr val="tx1">
-                  <a:alpha val="25000"/>
-                </a:schemeClr>
-              </a:solidFill>
-            </a:endParaRPr>
           </a:p>
           <a:p>
             <a:pPr lvl="3"/>
@@ -29075,15 +30294,7 @@
           <a:p>
             <a:r>
               <a:rPr lang="de-DE" dirty="0" smtClean="0"/>
-              <a:t>Demonstration Part </a:t>
-            </a:r>
-            <a:r>
-              <a:rPr lang="de-DE" dirty="0" smtClean="0"/>
-              <a:t>II:</a:t>
-            </a:r>
-            <a:r>
-              <a:rPr lang="de-DE" dirty="0" smtClean="0"/>
-              <a:t/>
+              <a:t>Demonstration Part II:</a:t>
             </a:r>
             <a:br>
               <a:rPr lang="de-DE" dirty="0" smtClean="0"/>
@@ -29138,25 +30349,12 @@
               <a:t> </a:t>
             </a:r>
             <a:r>
+              <a:rPr lang="de-AT" dirty="0" err="1" smtClean="0"/>
+              <a:t>of</a:t>
+            </a:r>
+            <a:r>
               <a:rPr lang="de-AT" dirty="0" smtClean="0"/>
-              <a:t>(</a:t>
-            </a:r>
-            <a:r>
-              <a:rPr lang="de-AT" dirty="0" err="1" smtClean="0"/>
-              <a:t>Scilab</a:t>
-            </a:r>
-            <a:r>
-              <a:rPr lang="de-AT" dirty="0" smtClean="0"/>
-              <a:t>)</a:t>
-            </a:r>
-          </a:p>
-          <a:p>
-            <a:endParaRPr lang="de-AT" dirty="0"/>
-          </a:p>
-          <a:p>
-            <a:r>
-              <a:rPr lang="de-AT" dirty="0" smtClean="0"/>
-              <a:t>Differential </a:t>
+              <a:t> Differential </a:t>
             </a:r>
             <a:r>
               <a:rPr lang="de-AT" dirty="0" err="1" smtClean="0"/>
@@ -29164,15 +30362,7 @@
             </a:r>
             <a:r>
               <a:rPr lang="de-AT" dirty="0" smtClean="0"/>
-              <a:t> Systems (</a:t>
-            </a:r>
-            <a:r>
-              <a:rPr lang="de-AT" dirty="0" err="1" smtClean="0"/>
-              <a:t>Scilab</a:t>
-            </a:r>
-            <a:r>
-              <a:rPr lang="de-AT" dirty="0" smtClean="0"/>
-              <a:t>)</a:t>
+              <a:t> Systems (Scilab)</a:t>
             </a:r>
             <a:endParaRPr lang="de-AT" dirty="0"/>
           </a:p>
@@ -29251,7 +30441,7 @@
     </p:spTree>
     <p:extLst>
       <p:ext uri="{BB962C8B-B14F-4D97-AF65-F5344CB8AC3E}">
-        <p14:creationId xmlns:p14="http://schemas.microsoft.com/office/powerpoint/2010/main" val="2910919716"/>
+        <p14:creationId xmlns:p14="http://schemas.microsoft.com/office/powerpoint/2010/main" val="1991916460"/>
       </p:ext>
     </p:extLst>
   </p:cSld>
@@ -29286,6 +30476,4010 @@
           <a:chExt cx="0" cy="0"/>
         </a:xfrm>
       </p:grpSpPr>
+      <p:pic>
+        <p:nvPicPr>
+          <p:cNvPr id="8" name="Picture 7"/>
+          <p:cNvPicPr>
+            <a:picLocks noChangeAspect="1"/>
+          </p:cNvPicPr>
+          <p:nvPr/>
+        </p:nvPicPr>
+        <p:blipFill>
+          <a:blip r:embed="rId2"/>
+          <a:stretch>
+            <a:fillRect/>
+          </a:stretch>
+        </p:blipFill>
+        <p:spPr>
+          <a:xfrm>
+            <a:off x="5292080" y="4550232"/>
+            <a:ext cx="3249881" cy="1543064"/>
+          </a:xfrm>
+          <a:prstGeom prst="rect">
+            <a:avLst/>
+          </a:prstGeom>
+        </p:spPr>
+      </p:pic>
+      <p:sp>
+        <p:nvSpPr>
+          <p:cNvPr id="2" name="Title 1"/>
+          <p:cNvSpPr>
+            <a:spLocks noGrp="1"/>
+          </p:cNvSpPr>
+          <p:nvPr>
+            <p:ph type="title"/>
+          </p:nvPr>
+        </p:nvSpPr>
+        <p:spPr/>
+        <p:txBody>
+          <a:bodyPr>
+            <a:normAutofit/>
+          </a:bodyPr>
+          <a:lstStyle/>
+          <a:p>
+            <a:r>
+              <a:rPr lang="en-US" dirty="0" smtClean="0"/>
+              <a:t>Electric cart simulation</a:t>
+            </a:r>
+            <a:endParaRPr lang="en-US" dirty="0"/>
+          </a:p>
+        </p:txBody>
+      </p:sp>
+      <p:sp>
+        <p:nvSpPr>
+          <p:cNvPr id="3" name="Content Placeholder 2"/>
+          <p:cNvSpPr>
+            <a:spLocks noGrp="1"/>
+          </p:cNvSpPr>
+          <p:nvPr>
+            <p:ph idx="1"/>
+          </p:nvPr>
+        </p:nvSpPr>
+        <p:spPr/>
+        <p:txBody>
+          <a:bodyPr/>
+          <a:lstStyle/>
+          <a:p>
+            <a:r>
+              <a:rPr lang="en-US" dirty="0" smtClean="0"/>
+              <a:t>Identify unknown parameter values of a simulation model </a:t>
+            </a:r>
+          </a:p>
+          <a:p>
+            <a:r>
+              <a:rPr lang="en-US" dirty="0" smtClean="0"/>
+              <a:t>Measure movements of an electric cart with known power</a:t>
+            </a:r>
+          </a:p>
+          <a:p>
+            <a:r>
+              <a:rPr lang="en-US" dirty="0" smtClean="0"/>
+              <a:t>Adapt parameters of an simulation model to match those measurements</a:t>
+            </a:r>
+            <a:endParaRPr lang="en-US" dirty="0"/>
+          </a:p>
+        </p:txBody>
+      </p:sp>
+      <p:sp>
+        <p:nvSpPr>
+          <p:cNvPr id="4" name="Date Placeholder 3"/>
+          <p:cNvSpPr>
+            <a:spLocks noGrp="1"/>
+          </p:cNvSpPr>
+          <p:nvPr>
+            <p:ph type="dt" sz="half" idx="10"/>
+          </p:nvPr>
+        </p:nvSpPr>
+        <p:spPr/>
+        <p:txBody>
+          <a:bodyPr/>
+          <a:lstStyle/>
+          <a:p>
+            <a:r>
+              <a:rPr lang="de-DE" smtClean="0"/>
+              <a:t>HeuristicLab Tutorial</a:t>
+            </a:r>
+            <a:endParaRPr lang="de-DE"/>
+          </a:p>
+        </p:txBody>
+      </p:sp>
+      <p:sp>
+        <p:nvSpPr>
+          <p:cNvPr id="5" name="Footer Placeholder 4"/>
+          <p:cNvSpPr>
+            <a:spLocks noGrp="1"/>
+          </p:cNvSpPr>
+          <p:nvPr>
+            <p:ph type="ftr" sz="quarter" idx="11"/>
+          </p:nvPr>
+        </p:nvSpPr>
+        <p:spPr/>
+        <p:txBody>
+          <a:bodyPr/>
+          <a:lstStyle/>
+          <a:p>
+            <a:r>
+              <a:rPr lang="de-DE" smtClean="0"/>
+              <a:t>http://dev.heuristiclab.com</a:t>
+            </a:r>
+            <a:endParaRPr lang="de-DE"/>
+          </a:p>
+        </p:txBody>
+      </p:sp>
+      <p:sp>
+        <p:nvSpPr>
+          <p:cNvPr id="6" name="Slide Number Placeholder 5"/>
+          <p:cNvSpPr>
+            <a:spLocks noGrp="1"/>
+          </p:cNvSpPr>
+          <p:nvPr>
+            <p:ph type="sldNum" sz="quarter" idx="12"/>
+          </p:nvPr>
+        </p:nvSpPr>
+        <p:spPr/>
+        <p:txBody>
+          <a:bodyPr/>
+          <a:lstStyle/>
+          <a:p>
+            <a:fld id="{6C6AE60A-B69C-4790-82F7-3882EDF23186}" type="slidenum">
+              <a:rPr lang="de-DE" smtClean="0"/>
+              <a:pPr/>
+              <a:t>58</a:t>
+            </a:fld>
+            <a:endParaRPr lang="de-DE"/>
+          </a:p>
+        </p:txBody>
+      </p:sp>
+    </p:spTree>
+    <p:extLst>
+      <p:ext uri="{BB962C8B-B14F-4D97-AF65-F5344CB8AC3E}">
+        <p14:creationId xmlns:p14="http://schemas.microsoft.com/office/powerpoint/2010/main" val="2149636009"/>
+      </p:ext>
+    </p:extLst>
+  </p:cSld>
+  <p:clrMapOvr>
+    <a:masterClrMapping/>
+  </p:clrMapOvr>
+  <p:timing>
+    <p:tnLst>
+      <p:par>
+        <p:cTn id="1" dur="indefinite" restart="never" nodeType="tmRoot"/>
+      </p:par>
+    </p:tnLst>
+  </p:timing>
+</p:sld>
+</file>
+
+<file path=ppt/slides/slide59.xml><?xml version="1.0" encoding="utf-8"?>
+<p:sld xmlns:a="http://schemas.openxmlformats.org/drawingml/2006/main" xmlns:r="http://schemas.openxmlformats.org/officeDocument/2006/relationships" xmlns:p="http://schemas.openxmlformats.org/presentationml/2006/main">
+  <p:cSld>
+    <p:spTree>
+      <p:nvGrpSpPr>
+        <p:cNvPr id="1" name=""/>
+        <p:cNvGrpSpPr/>
+        <p:nvPr/>
+      </p:nvGrpSpPr>
+      <p:grpSpPr>
+        <a:xfrm>
+          <a:off x="0" y="0"/>
+          <a:ext cx="0" cy="0"/>
+          <a:chOff x="0" y="0"/>
+          <a:chExt cx="0" cy="0"/>
+        </a:xfrm>
+      </p:grpSpPr>
+      <p:sp>
+        <p:nvSpPr>
+          <p:cNvPr id="3" name="Content Placeholder 2"/>
+          <p:cNvSpPr>
+            <a:spLocks noGrp="1"/>
+          </p:cNvSpPr>
+          <p:nvPr>
+            <p:ph idx="1"/>
+          </p:nvPr>
+        </p:nvSpPr>
+        <p:spPr/>
+        <p:txBody>
+          <a:bodyPr/>
+          <a:lstStyle/>
+          <a:p>
+            <a:r>
+              <a:rPr lang="en-US" dirty="0" smtClean="0"/>
+              <a:t>Identify friction coefficients d</a:t>
+            </a:r>
+            <a:r>
+              <a:rPr lang="en-US" sz="2800" baseline="-25000" dirty="0" smtClean="0"/>
+              <a:t>1</a:t>
+            </a:r>
+            <a:r>
+              <a:rPr lang="en-US" sz="2800" dirty="0" smtClean="0"/>
+              <a:t>, F</a:t>
+            </a:r>
+            <a:r>
+              <a:rPr lang="en-US" sz="2800" baseline="-25000" dirty="0" smtClean="0"/>
+              <a:t>C</a:t>
+            </a:r>
+            <a:r>
+              <a:rPr lang="en-US" sz="2800" dirty="0" smtClean="0"/>
+              <a:t> and mass m</a:t>
+            </a:r>
+          </a:p>
+          <a:p>
+            <a:r>
+              <a:rPr lang="en-US" sz="2800" dirty="0" smtClean="0"/>
+              <a:t>Voltage </a:t>
+            </a:r>
+            <a:r>
+              <a:rPr lang="en-US" sz="2800" dirty="0" err="1" smtClean="0"/>
+              <a:t>u</a:t>
+            </a:r>
+            <a:r>
+              <a:rPr lang="en-US" sz="2800" baseline="-25000" dirty="0" err="1" smtClean="0"/>
+              <a:t>A</a:t>
+            </a:r>
+            <a:r>
+              <a:rPr lang="en-US" sz="2800" dirty="0"/>
+              <a:t> </a:t>
+            </a:r>
+            <a:r>
+              <a:rPr lang="en-US" sz="2800" dirty="0" smtClean="0"/>
+              <a:t>and initial values for position x, velocity v and amperage </a:t>
+            </a:r>
+            <a:r>
+              <a:rPr lang="en-US" sz="2800" dirty="0" err="1" smtClean="0"/>
+              <a:t>i</a:t>
+            </a:r>
+            <a:r>
+              <a:rPr lang="en-US" sz="2800" baseline="-25000" dirty="0" err="1" smtClean="0"/>
+              <a:t>A</a:t>
+            </a:r>
+            <a:r>
+              <a:rPr lang="en-US" sz="2800" dirty="0" smtClean="0"/>
+              <a:t> are known</a:t>
+            </a:r>
+          </a:p>
+          <a:p>
+            <a:r>
+              <a:rPr lang="en-US" sz="2800" dirty="0" smtClean="0"/>
+              <a:t>Simulate changes according to differential equations</a:t>
+            </a:r>
+            <a:endParaRPr lang="en-US" dirty="0"/>
+          </a:p>
+        </p:txBody>
+      </p:sp>
+      <p:sp>
+        <p:nvSpPr>
+          <p:cNvPr id="2" name="Title 1"/>
+          <p:cNvSpPr>
+            <a:spLocks noGrp="1"/>
+          </p:cNvSpPr>
+          <p:nvPr>
+            <p:ph type="title"/>
+          </p:nvPr>
+        </p:nvSpPr>
+        <p:spPr/>
+        <p:txBody>
+          <a:bodyPr/>
+          <a:lstStyle/>
+          <a:p>
+            <a:r>
+              <a:rPr lang="en-US" dirty="0"/>
+              <a:t>Electric cart simulation</a:t>
+            </a:r>
+          </a:p>
+        </p:txBody>
+      </p:sp>
+      <p:sp>
+        <p:nvSpPr>
+          <p:cNvPr id="4" name="Date Placeholder 3"/>
+          <p:cNvSpPr>
+            <a:spLocks noGrp="1"/>
+          </p:cNvSpPr>
+          <p:nvPr>
+            <p:ph type="dt" sz="half" idx="10"/>
+          </p:nvPr>
+        </p:nvSpPr>
+        <p:spPr/>
+        <p:txBody>
+          <a:bodyPr/>
+          <a:lstStyle/>
+          <a:p>
+            <a:r>
+              <a:rPr lang="de-DE" smtClean="0"/>
+              <a:t>HeuristicLab Tutorial</a:t>
+            </a:r>
+            <a:endParaRPr lang="de-DE"/>
+          </a:p>
+        </p:txBody>
+      </p:sp>
+      <p:sp>
+        <p:nvSpPr>
+          <p:cNvPr id="5" name="Footer Placeholder 4"/>
+          <p:cNvSpPr>
+            <a:spLocks noGrp="1"/>
+          </p:cNvSpPr>
+          <p:nvPr>
+            <p:ph type="ftr" sz="quarter" idx="11"/>
+          </p:nvPr>
+        </p:nvSpPr>
+        <p:spPr/>
+        <p:txBody>
+          <a:bodyPr/>
+          <a:lstStyle/>
+          <a:p>
+            <a:r>
+              <a:rPr lang="de-DE" smtClean="0"/>
+              <a:t>http://dev.heuristiclab.com</a:t>
+            </a:r>
+            <a:endParaRPr lang="de-DE"/>
+          </a:p>
+        </p:txBody>
+      </p:sp>
+      <p:sp>
+        <p:nvSpPr>
+          <p:cNvPr id="6" name="Slide Number Placeholder 5"/>
+          <p:cNvSpPr>
+            <a:spLocks noGrp="1"/>
+          </p:cNvSpPr>
+          <p:nvPr>
+            <p:ph type="sldNum" sz="quarter" idx="12"/>
+          </p:nvPr>
+        </p:nvSpPr>
+        <p:spPr/>
+        <p:txBody>
+          <a:bodyPr/>
+          <a:lstStyle/>
+          <a:p>
+            <a:fld id="{6C6AE60A-B69C-4790-82F7-3882EDF23186}" type="slidenum">
+              <a:rPr lang="de-DE" smtClean="0"/>
+              <a:pPr/>
+              <a:t>59</a:t>
+            </a:fld>
+            <a:endParaRPr lang="de-DE"/>
+          </a:p>
+        </p:txBody>
+      </p:sp>
+      <p:pic>
+        <p:nvPicPr>
+          <p:cNvPr id="7" name="Picture 6"/>
+          <p:cNvPicPr>
+            <a:picLocks noChangeAspect="1"/>
+          </p:cNvPicPr>
+          <p:nvPr/>
+        </p:nvPicPr>
+        <p:blipFill>
+          <a:blip r:embed="rId2"/>
+          <a:stretch>
+            <a:fillRect/>
+          </a:stretch>
+        </p:blipFill>
+        <p:spPr>
+          <a:xfrm>
+            <a:off x="5012883" y="3811888"/>
+            <a:ext cx="3891210" cy="2281408"/>
+          </a:xfrm>
+          <a:prstGeom prst="rect">
+            <a:avLst/>
+          </a:prstGeom>
+        </p:spPr>
+      </p:pic>
+      <p:grpSp>
+        <p:nvGrpSpPr>
+          <p:cNvPr id="18" name="Group 17"/>
+          <p:cNvGrpSpPr/>
+          <p:nvPr/>
+        </p:nvGrpSpPr>
+        <p:grpSpPr>
+          <a:xfrm>
+            <a:off x="323528" y="3861048"/>
+            <a:ext cx="4884248" cy="1944216"/>
+            <a:chOff x="483231" y="1600200"/>
+            <a:chExt cx="4884248" cy="1944216"/>
+          </a:xfrm>
+        </p:grpSpPr>
+        <p:pic>
+          <p:nvPicPr>
+            <p:cNvPr id="12" name="Picture 11"/>
+            <p:cNvPicPr>
+              <a:picLocks noChangeAspect="1"/>
+            </p:cNvPicPr>
+            <p:nvPr/>
+          </p:nvPicPr>
+          <p:blipFill>
+            <a:blip r:embed="rId3"/>
+            <a:stretch>
+              <a:fillRect/>
+            </a:stretch>
+          </p:blipFill>
+          <p:spPr>
+            <a:xfrm>
+              <a:off x="483231" y="1600200"/>
+              <a:ext cx="4884248" cy="1944216"/>
+            </a:xfrm>
+            <a:prstGeom prst="rect">
+              <a:avLst/>
+            </a:prstGeom>
+          </p:spPr>
+        </p:pic>
+        <p:sp>
+          <p:nvSpPr>
+            <p:cNvPr id="10" name="Oval 9"/>
+            <p:cNvSpPr/>
+            <p:nvPr/>
+          </p:nvSpPr>
+          <p:spPr>
+            <a:xfrm>
+              <a:off x="1328012" y="2100540"/>
+              <a:ext cx="365212" cy="325375"/>
+            </a:xfrm>
+            <a:prstGeom prst="ellipse">
+              <a:avLst/>
+            </a:prstGeom>
+            <a:noFill/>
+            <a:ln>
+              <a:solidFill>
+                <a:srgbClr val="00B050"/>
+              </a:solidFill>
+            </a:ln>
+          </p:spPr>
+          <p:style>
+            <a:lnRef idx="2">
+              <a:schemeClr val="accent1">
+                <a:shade val="50000"/>
+              </a:schemeClr>
+            </a:lnRef>
+            <a:fillRef idx="1">
+              <a:schemeClr val="accent1"/>
+            </a:fillRef>
+            <a:effectRef idx="0">
+              <a:schemeClr val="accent1"/>
+            </a:effectRef>
+            <a:fontRef idx="minor">
+              <a:schemeClr val="lt1"/>
+            </a:fontRef>
+          </p:style>
+          <p:txBody>
+            <a:bodyPr rtlCol="0" anchor="ctr"/>
+            <a:lstStyle/>
+            <a:p>
+              <a:pPr algn="ctr"/>
+              <a:endParaRPr lang="en-US"/>
+            </a:p>
+          </p:txBody>
+        </p:sp>
+        <p:sp>
+          <p:nvSpPr>
+            <p:cNvPr id="13" name="Oval 12"/>
+            <p:cNvSpPr/>
+            <p:nvPr/>
+          </p:nvSpPr>
+          <p:spPr>
+            <a:xfrm>
+              <a:off x="1331640" y="2515148"/>
+              <a:ext cx="365212" cy="302388"/>
+            </a:xfrm>
+            <a:prstGeom prst="ellipse">
+              <a:avLst/>
+            </a:prstGeom>
+            <a:noFill/>
+            <a:ln>
+              <a:solidFill>
+                <a:srgbClr val="00B050"/>
+              </a:solidFill>
+            </a:ln>
+          </p:spPr>
+          <p:style>
+            <a:lnRef idx="2">
+              <a:schemeClr val="accent1">
+                <a:shade val="50000"/>
+              </a:schemeClr>
+            </a:lnRef>
+            <a:fillRef idx="1">
+              <a:schemeClr val="accent1"/>
+            </a:fillRef>
+            <a:effectRef idx="0">
+              <a:schemeClr val="accent1"/>
+            </a:effectRef>
+            <a:fontRef idx="minor">
+              <a:schemeClr val="lt1"/>
+            </a:fontRef>
+          </p:style>
+          <p:txBody>
+            <a:bodyPr rtlCol="0" anchor="ctr"/>
+            <a:lstStyle/>
+            <a:p>
+              <a:pPr algn="ctr"/>
+              <a:endParaRPr lang="en-US"/>
+            </a:p>
+          </p:txBody>
+        </p:sp>
+        <p:sp>
+          <p:nvSpPr>
+            <p:cNvPr id="14" name="Oval 13"/>
+            <p:cNvSpPr/>
+            <p:nvPr/>
+          </p:nvSpPr>
+          <p:spPr>
+            <a:xfrm>
+              <a:off x="2194266" y="2492161"/>
+              <a:ext cx="395418" cy="325375"/>
+            </a:xfrm>
+            <a:prstGeom prst="ellipse">
+              <a:avLst/>
+            </a:prstGeom>
+            <a:noFill/>
+            <a:ln>
+              <a:solidFill>
+                <a:srgbClr val="00B050"/>
+              </a:solidFill>
+            </a:ln>
+          </p:spPr>
+          <p:style>
+            <a:lnRef idx="2">
+              <a:schemeClr val="accent1">
+                <a:shade val="50000"/>
+              </a:schemeClr>
+            </a:lnRef>
+            <a:fillRef idx="1">
+              <a:schemeClr val="accent1"/>
+            </a:fillRef>
+            <a:effectRef idx="0">
+              <a:schemeClr val="accent1"/>
+            </a:effectRef>
+            <a:fontRef idx="minor">
+              <a:schemeClr val="lt1"/>
+            </a:fontRef>
+          </p:style>
+          <p:txBody>
+            <a:bodyPr rtlCol="0" anchor="ctr"/>
+            <a:lstStyle/>
+            <a:p>
+              <a:pPr algn="ctr"/>
+              <a:endParaRPr lang="en-US"/>
+            </a:p>
+          </p:txBody>
+        </p:sp>
+        <p:sp>
+          <p:nvSpPr>
+            <p:cNvPr id="15" name="Oval 14"/>
+            <p:cNvSpPr/>
+            <p:nvPr/>
+          </p:nvSpPr>
+          <p:spPr>
+            <a:xfrm>
+              <a:off x="2590230" y="2269426"/>
+              <a:ext cx="463252" cy="380186"/>
+            </a:xfrm>
+            <a:prstGeom prst="ellipse">
+              <a:avLst/>
+            </a:prstGeom>
+            <a:noFill/>
+            <a:ln>
+              <a:solidFill>
+                <a:srgbClr val="00B050"/>
+              </a:solidFill>
+            </a:ln>
+          </p:spPr>
+          <p:style>
+            <a:lnRef idx="2">
+              <a:schemeClr val="accent1">
+                <a:shade val="50000"/>
+              </a:schemeClr>
+            </a:lnRef>
+            <a:fillRef idx="1">
+              <a:schemeClr val="accent1"/>
+            </a:fillRef>
+            <a:effectRef idx="0">
+              <a:schemeClr val="accent1"/>
+            </a:effectRef>
+            <a:fontRef idx="minor">
+              <a:schemeClr val="lt1"/>
+            </a:fontRef>
+          </p:style>
+          <p:txBody>
+            <a:bodyPr rtlCol="0" anchor="ctr"/>
+            <a:lstStyle/>
+            <a:p>
+              <a:pPr algn="ctr"/>
+              <a:endParaRPr lang="en-US"/>
+            </a:p>
+          </p:txBody>
+        </p:sp>
+        <p:sp>
+          <p:nvSpPr>
+            <p:cNvPr id="17" name="Oval 16"/>
+            <p:cNvSpPr/>
+            <p:nvPr/>
+          </p:nvSpPr>
+          <p:spPr>
+            <a:xfrm>
+              <a:off x="4515433" y="2492161"/>
+              <a:ext cx="395418" cy="325375"/>
+            </a:xfrm>
+            <a:prstGeom prst="ellipse">
+              <a:avLst/>
+            </a:prstGeom>
+            <a:noFill/>
+            <a:ln>
+              <a:solidFill>
+                <a:srgbClr val="00B050"/>
+              </a:solidFill>
+            </a:ln>
+          </p:spPr>
+          <p:style>
+            <a:lnRef idx="2">
+              <a:schemeClr val="accent1">
+                <a:shade val="50000"/>
+              </a:schemeClr>
+            </a:lnRef>
+            <a:fillRef idx="1">
+              <a:schemeClr val="accent1"/>
+            </a:fillRef>
+            <a:effectRef idx="0">
+              <a:schemeClr val="accent1"/>
+            </a:effectRef>
+            <a:fontRef idx="minor">
+              <a:schemeClr val="lt1"/>
+            </a:fontRef>
+          </p:style>
+          <p:txBody>
+            <a:bodyPr rtlCol="0" anchor="ctr"/>
+            <a:lstStyle/>
+            <a:p>
+              <a:pPr algn="ctr"/>
+              <a:endParaRPr lang="en-US"/>
+            </a:p>
+          </p:txBody>
+        </p:sp>
+      </p:grpSp>
+    </p:spTree>
+    <p:extLst>
+      <p:ext uri="{BB962C8B-B14F-4D97-AF65-F5344CB8AC3E}">
+        <p14:creationId xmlns:p14="http://schemas.microsoft.com/office/powerpoint/2010/main" val="1888441555"/>
+      </p:ext>
+    </p:extLst>
+  </p:cSld>
+  <p:clrMapOvr>
+    <a:masterClrMapping/>
+  </p:clrMapOvr>
+  <p:timing>
+    <p:tnLst>
+      <p:par>
+        <p:cTn id="1" dur="indefinite" restart="never" nodeType="tmRoot"/>
+      </p:par>
+    </p:tnLst>
+  </p:timing>
+</p:sld>
+</file>
+
+<file path=ppt/slides/slide6.xml><?xml version="1.0" encoding="utf-8"?>
+<p:sld xmlns:a="http://schemas.openxmlformats.org/drawingml/2006/main" xmlns:r="http://schemas.openxmlformats.org/officeDocument/2006/relationships" xmlns:p="http://schemas.openxmlformats.org/presentationml/2006/main">
+  <p:cSld>
+    <p:spTree>
+      <p:nvGrpSpPr>
+        <p:cNvPr id="1" name=""/>
+        <p:cNvGrpSpPr/>
+        <p:nvPr/>
+      </p:nvGrpSpPr>
+      <p:grpSpPr>
+        <a:xfrm>
+          <a:off x="0" y="0"/>
+          <a:ext cx="0" cy="0"/>
+          <a:chOff x="0" y="0"/>
+          <a:chExt cx="0" cy="0"/>
+        </a:xfrm>
+      </p:grpSpPr>
+      <p:pic>
+        <p:nvPicPr>
+          <p:cNvPr id="10" name="Picture 2" descr="C:\SVN\heal\documents\Publications\2011\GECCO\Wagner\HeuristicLab Tutorial\Screenshot 2.png"/>
+          <p:cNvPicPr>
+            <a:picLocks noChangeAspect="1" noChangeArrowheads="1"/>
+          </p:cNvPicPr>
+          <p:nvPr/>
+        </p:nvPicPr>
+        <p:blipFill>
+          <a:blip r:embed="rId2" cstate="print">
+            <a:extLst>
+              <a:ext uri="{28A0092B-C50C-407E-A947-70E740481C1C}">
+                <a14:useLocalDpi xmlns:a14="http://schemas.microsoft.com/office/drawing/2010/main" val="0"/>
+              </a:ext>
+            </a:extLst>
+          </a:blip>
+          <a:srcRect/>
+          <a:stretch>
+            <a:fillRect/>
+          </a:stretch>
+        </p:blipFill>
+        <p:spPr bwMode="auto">
+          <a:xfrm>
+            <a:off x="6324600" y="3068960"/>
+            <a:ext cx="2616200" cy="1773238"/>
+          </a:xfrm>
+          <a:prstGeom prst="rect">
+            <a:avLst/>
+          </a:prstGeom>
+          <a:noFill/>
+          <a:ln>
+            <a:noFill/>
+          </a:ln>
+          <a:extLst>
+            <a:ext uri="{909E8E84-426E-40DD-AFC4-6F175D3DCCD1}">
+              <a14:hiddenFill xmlns:a14="http://schemas.microsoft.com/office/drawing/2010/main">
+                <a:solidFill>
+                  <a:srgbClr val="FFFFFF"/>
+                </a:solidFill>
+              </a14:hiddenFill>
+            </a:ext>
+            <a:ext uri="{91240B29-F687-4F45-9708-019B960494DF}">
+              <a14:hiddenLine xmlns:a14="http://schemas.microsoft.com/office/drawing/2010/main" w="9525">
+                <a:solidFill>
+                  <a:srgbClr val="000000"/>
+                </a:solidFill>
+                <a:miter lim="800000"/>
+                <a:headEnd/>
+                <a:tailEnd/>
+              </a14:hiddenLine>
+            </a:ext>
+          </a:extLst>
+        </p:spPr>
+      </p:pic>
+      <p:sp>
+        <p:nvSpPr>
+          <p:cNvPr id="2" name="Titel 1"/>
+          <p:cNvSpPr>
+            <a:spLocks noGrp="1"/>
+          </p:cNvSpPr>
+          <p:nvPr>
+            <p:ph type="title"/>
+          </p:nvPr>
+        </p:nvSpPr>
+        <p:spPr/>
+        <p:txBody>
+          <a:bodyPr/>
+          <a:lstStyle/>
+          <a:p>
+            <a:r>
+              <a:rPr lang="en-US" dirty="0" smtClean="0"/>
+              <a:t>Introduction</a:t>
+            </a:r>
+            <a:endParaRPr lang="en-US" dirty="0"/>
+          </a:p>
+        </p:txBody>
+      </p:sp>
+      <p:sp>
+        <p:nvSpPr>
+          <p:cNvPr id="3" name="Inhaltsplatzhalter 2"/>
+          <p:cNvSpPr>
+            <a:spLocks noGrp="1"/>
+          </p:cNvSpPr>
+          <p:nvPr>
+            <p:ph idx="1"/>
+          </p:nvPr>
+        </p:nvSpPr>
+        <p:spPr/>
+        <p:txBody>
+          <a:bodyPr>
+            <a:normAutofit fontScale="55000" lnSpcReduction="20000"/>
+          </a:bodyPr>
+          <a:lstStyle/>
+          <a:p>
+            <a:r>
+              <a:rPr lang="en-US" dirty="0" smtClean="0"/>
+              <a:t>Motivation and Goals</a:t>
+            </a:r>
+          </a:p>
+          <a:p>
+            <a:pPr lvl="1"/>
+            <a:r>
+              <a:rPr lang="en-US" dirty="0" smtClean="0"/>
+              <a:t>graphical user interface</a:t>
+            </a:r>
+          </a:p>
+          <a:p>
+            <a:pPr lvl="1"/>
+            <a:r>
+              <a:rPr lang="en-US" dirty="0" smtClean="0"/>
+              <a:t>paradigm independence</a:t>
+            </a:r>
+          </a:p>
+          <a:p>
+            <a:pPr lvl="1"/>
+            <a:r>
+              <a:rPr lang="en-US" dirty="0" smtClean="0"/>
+              <a:t>multiple algorithms and problems</a:t>
+            </a:r>
+          </a:p>
+          <a:p>
+            <a:pPr lvl="1"/>
+            <a:r>
+              <a:rPr lang="en-US" dirty="0" smtClean="0"/>
+              <a:t>large scale experiments and analyses</a:t>
+            </a:r>
+          </a:p>
+          <a:p>
+            <a:pPr lvl="1"/>
+            <a:r>
+              <a:rPr lang="en-US" dirty="0" smtClean="0"/>
+              <a:t>parallelization</a:t>
+            </a:r>
+          </a:p>
+          <a:p>
+            <a:pPr lvl="1"/>
+            <a:r>
+              <a:rPr lang="en-US" dirty="0" smtClean="0"/>
+              <a:t>extensibility, flexibility and reusability</a:t>
+            </a:r>
+          </a:p>
+          <a:p>
+            <a:pPr lvl="1"/>
+            <a:r>
+              <a:rPr lang="en-US" dirty="0" smtClean="0"/>
+              <a:t>visual and interactive algorithm development</a:t>
+            </a:r>
+          </a:p>
+          <a:p>
+            <a:pPr lvl="1"/>
+            <a:r>
+              <a:rPr lang="en-US" dirty="0" smtClean="0"/>
+              <a:t>multiple layers of abstraction</a:t>
+            </a:r>
+          </a:p>
+          <a:p>
+            <a:endParaRPr lang="en-US" dirty="0" smtClean="0"/>
+          </a:p>
+          <a:p>
+            <a:pPr lvl="1"/>
+            <a:endParaRPr lang="en-US" dirty="0" smtClean="0"/>
+          </a:p>
+          <a:p>
+            <a:r>
+              <a:rPr lang="en-US" dirty="0" smtClean="0"/>
+              <a:t>Facts</a:t>
+            </a:r>
+          </a:p>
+          <a:p>
+            <a:pPr lvl="1"/>
+            <a:r>
+              <a:rPr lang="en-US" dirty="0" smtClean="0"/>
+              <a:t>development of </a:t>
+            </a:r>
+            <a:r>
+              <a:rPr lang="en-US" dirty="0" err="1" smtClean="0"/>
+              <a:t>HeuristicLab</a:t>
+            </a:r>
+            <a:r>
+              <a:rPr lang="en-US" dirty="0" smtClean="0"/>
+              <a:t> started in 2002</a:t>
+            </a:r>
+          </a:p>
+          <a:p>
+            <a:pPr lvl="1"/>
+            <a:r>
+              <a:rPr lang="en-US" dirty="0" smtClean="0"/>
+              <a:t>based on Microsoft .NET and C#</a:t>
+            </a:r>
+          </a:p>
+          <a:p>
+            <a:pPr lvl="1"/>
+            <a:r>
+              <a:rPr lang="en-US" dirty="0" smtClean="0"/>
+              <a:t>used in research and education</a:t>
+            </a:r>
+          </a:p>
+          <a:p>
+            <a:pPr lvl="1"/>
+            <a:r>
+              <a:rPr lang="en-US" dirty="0" smtClean="0"/>
+              <a:t>second place at the </a:t>
+            </a:r>
+            <a:r>
+              <a:rPr lang="en-US" i="1" dirty="0" smtClean="0"/>
+              <a:t>Microsoft Innovation Award 2009</a:t>
+            </a:r>
+          </a:p>
+          <a:p>
+            <a:pPr lvl="1"/>
+            <a:r>
+              <a:rPr lang="en-US" dirty="0" smtClean="0"/>
+              <a:t>open source (GNU General Public License)</a:t>
+            </a:r>
+          </a:p>
+          <a:p>
+            <a:pPr lvl="1"/>
+            <a:r>
+              <a:rPr lang="en-US" dirty="0" smtClean="0"/>
+              <a:t>version 3.3.0 released on May 18th, 2010</a:t>
+            </a:r>
+          </a:p>
+          <a:p>
+            <a:pPr lvl="1"/>
+            <a:r>
+              <a:rPr lang="en-US" dirty="0" smtClean="0"/>
+              <a:t>latest version 3.3.10 "Vancouver" released on July 10th, 2014</a:t>
+            </a:r>
+          </a:p>
+          <a:p>
+            <a:pPr lvl="1"/>
+            <a:endParaRPr lang="en-US" dirty="0"/>
+          </a:p>
+        </p:txBody>
+      </p:sp>
+      <p:sp>
+        <p:nvSpPr>
+          <p:cNvPr id="4" name="Datumsplatzhalter 3"/>
+          <p:cNvSpPr>
+            <a:spLocks noGrp="1"/>
+          </p:cNvSpPr>
+          <p:nvPr>
+            <p:ph type="dt" sz="half" idx="10"/>
+          </p:nvPr>
+        </p:nvSpPr>
+        <p:spPr/>
+        <p:txBody>
+          <a:bodyPr/>
+          <a:lstStyle/>
+          <a:p>
+            <a:r>
+              <a:rPr lang="de-DE" smtClean="0"/>
+              <a:t>HeuristicLab Tutorial</a:t>
+            </a:r>
+            <a:endParaRPr lang="en-US"/>
+          </a:p>
+        </p:txBody>
+      </p:sp>
+      <p:sp>
+        <p:nvSpPr>
+          <p:cNvPr id="5" name="Fußzeilenplatzhalter 4"/>
+          <p:cNvSpPr>
+            <a:spLocks noGrp="1"/>
+          </p:cNvSpPr>
+          <p:nvPr>
+            <p:ph type="ftr" sz="quarter" idx="11"/>
+          </p:nvPr>
+        </p:nvSpPr>
+        <p:spPr/>
+        <p:txBody>
+          <a:bodyPr/>
+          <a:lstStyle/>
+          <a:p>
+            <a:r>
+              <a:rPr lang="en-US" smtClean="0"/>
+              <a:t>http://dev.heuristiclab.com</a:t>
+            </a:r>
+            <a:endParaRPr lang="en-US"/>
+          </a:p>
+        </p:txBody>
+      </p:sp>
+      <p:sp>
+        <p:nvSpPr>
+          <p:cNvPr id="6" name="Foliennummernplatzhalter 5"/>
+          <p:cNvSpPr>
+            <a:spLocks noGrp="1"/>
+          </p:cNvSpPr>
+          <p:nvPr>
+            <p:ph type="sldNum" sz="quarter" idx="12"/>
+          </p:nvPr>
+        </p:nvSpPr>
+        <p:spPr/>
+        <p:txBody>
+          <a:bodyPr/>
+          <a:lstStyle/>
+          <a:p>
+            <a:fld id="{6C6AE60A-B69C-4790-82F7-3882EDF23186}" type="slidenum">
+              <a:rPr lang="en-US" smtClean="0"/>
+              <a:pPr/>
+              <a:t>6</a:t>
+            </a:fld>
+            <a:endParaRPr lang="en-US" dirty="0"/>
+          </a:p>
+        </p:txBody>
+      </p:sp>
+      <p:pic>
+        <p:nvPicPr>
+          <p:cNvPr id="8" name="Picture 2"/>
+          <p:cNvPicPr>
+            <a:picLocks noChangeAspect="1" noChangeArrowheads="1"/>
+          </p:cNvPicPr>
+          <p:nvPr/>
+        </p:nvPicPr>
+        <p:blipFill>
+          <a:blip r:embed="rId3" cstate="print"/>
+          <a:srcRect/>
+          <a:stretch>
+            <a:fillRect/>
+          </a:stretch>
+        </p:blipFill>
+        <p:spPr bwMode="auto">
+          <a:xfrm>
+            <a:off x="6530181" y="5013176"/>
+            <a:ext cx="2236788" cy="1049338"/>
+          </a:xfrm>
+          <a:prstGeom prst="rect">
+            <a:avLst/>
+          </a:prstGeom>
+          <a:ln>
+            <a:noFill/>
+          </a:ln>
+          <a:effectLst>
+            <a:outerShdw blurRad="292100" dist="139700" dir="2700000" algn="tl" rotWithShape="0">
+              <a:srgbClr val="333333">
+                <a:alpha val="65000"/>
+              </a:srgbClr>
+            </a:outerShdw>
+          </a:effectLst>
+        </p:spPr>
+      </p:pic>
+      <p:pic>
+        <p:nvPicPr>
+          <p:cNvPr id="9" name="Picture 2" descr="C:\SVN\heal\documents\Publications\2011\GECCO\Wagner\HeuristicLab Tutorial\Screenshot 1.png"/>
+          <p:cNvPicPr>
+            <a:picLocks noChangeAspect="1" noChangeArrowheads="1"/>
+          </p:cNvPicPr>
+          <p:nvPr/>
+        </p:nvPicPr>
+        <p:blipFill>
+          <a:blip r:embed="rId4" cstate="print">
+            <a:extLst>
+              <a:ext uri="{28A0092B-C50C-407E-A947-70E740481C1C}">
+                <a14:useLocalDpi xmlns:a14="http://schemas.microsoft.com/office/drawing/2010/main" val="0"/>
+              </a:ext>
+            </a:extLst>
+          </a:blip>
+          <a:srcRect/>
+          <a:stretch>
+            <a:fillRect/>
+          </a:stretch>
+        </p:blipFill>
+        <p:spPr bwMode="auto">
+          <a:xfrm>
+            <a:off x="6324600" y="1412776"/>
+            <a:ext cx="2647950" cy="1752600"/>
+          </a:xfrm>
+          <a:prstGeom prst="rect">
+            <a:avLst/>
+          </a:prstGeom>
+          <a:noFill/>
+          <a:ln>
+            <a:noFill/>
+          </a:ln>
+          <a:extLst>
+            <a:ext uri="{909E8E84-426E-40DD-AFC4-6F175D3DCCD1}">
+              <a14:hiddenFill xmlns:a14="http://schemas.microsoft.com/office/drawing/2010/main">
+                <a:solidFill>
+                  <a:srgbClr val="FFFFFF"/>
+                </a:solidFill>
+              </a14:hiddenFill>
+            </a:ext>
+            <a:ext uri="{91240B29-F687-4F45-9708-019B960494DF}">
+              <a14:hiddenLine xmlns:a14="http://schemas.microsoft.com/office/drawing/2010/main" w="9525">
+                <a:solidFill>
+                  <a:srgbClr val="000000"/>
+                </a:solidFill>
+                <a:miter lim="800000"/>
+                <a:headEnd/>
+                <a:tailEnd/>
+              </a14:hiddenLine>
+            </a:ext>
+          </a:extLst>
+        </p:spPr>
+      </p:pic>
+    </p:spTree>
+  </p:cSld>
+  <p:clrMapOvr>
+    <a:masterClrMapping/>
+  </p:clrMapOvr>
+  <p:transition/>
+  <p:timing>
+    <p:tnLst>
+      <p:par>
+        <p:cTn id="1" dur="indefinite" restart="never" nodeType="tmRoot"/>
+      </p:par>
+    </p:tnLst>
+  </p:timing>
+</p:sld>
+</file>
+
+<file path=ppt/slides/slide60.xml><?xml version="1.0" encoding="utf-8"?>
+<p:sld xmlns:a="http://schemas.openxmlformats.org/drawingml/2006/main" xmlns:r="http://schemas.openxmlformats.org/officeDocument/2006/relationships" xmlns:p="http://schemas.openxmlformats.org/presentationml/2006/main">
+  <p:cSld>
+    <p:spTree>
+      <p:nvGrpSpPr>
+        <p:cNvPr id="1" name=""/>
+        <p:cNvGrpSpPr/>
+        <p:nvPr/>
+      </p:nvGrpSpPr>
+      <p:grpSpPr>
+        <a:xfrm>
+          <a:off x="0" y="0"/>
+          <a:ext cx="0" cy="0"/>
+          <a:chOff x="0" y="0"/>
+          <a:chExt cx="0" cy="0"/>
+        </a:xfrm>
+      </p:grpSpPr>
+      <p:sp>
+        <p:nvSpPr>
+          <p:cNvPr id="2" name="Title 1"/>
+          <p:cNvSpPr>
+            <a:spLocks noGrp="1"/>
+          </p:cNvSpPr>
+          <p:nvPr>
+            <p:ph type="title"/>
+          </p:nvPr>
+        </p:nvSpPr>
+        <p:spPr/>
+        <p:txBody>
+          <a:bodyPr/>
+          <a:lstStyle/>
+          <a:p>
+            <a:r>
+              <a:rPr lang="en-US" dirty="0" smtClean="0"/>
+              <a:t>Measurements</a:t>
+            </a:r>
+            <a:endParaRPr lang="en-US" dirty="0"/>
+          </a:p>
+        </p:txBody>
+      </p:sp>
+      <p:sp>
+        <p:nvSpPr>
+          <p:cNvPr id="3" name="Content Placeholder 2"/>
+          <p:cNvSpPr>
+            <a:spLocks noGrp="1"/>
+          </p:cNvSpPr>
+          <p:nvPr>
+            <p:ph idx="1"/>
+          </p:nvPr>
+        </p:nvSpPr>
+        <p:spPr/>
+        <p:txBody>
+          <a:bodyPr/>
+          <a:lstStyle/>
+          <a:p>
+            <a:endParaRPr lang="en-US" dirty="0"/>
+          </a:p>
+        </p:txBody>
+      </p:sp>
+      <p:sp>
+        <p:nvSpPr>
+          <p:cNvPr id="4" name="Date Placeholder 3"/>
+          <p:cNvSpPr>
+            <a:spLocks noGrp="1"/>
+          </p:cNvSpPr>
+          <p:nvPr>
+            <p:ph type="dt" sz="half" idx="10"/>
+          </p:nvPr>
+        </p:nvSpPr>
+        <p:spPr/>
+        <p:txBody>
+          <a:bodyPr/>
+          <a:lstStyle/>
+          <a:p>
+            <a:r>
+              <a:rPr lang="de-DE" smtClean="0"/>
+              <a:t>HeuristicLab Tutorial</a:t>
+            </a:r>
+            <a:endParaRPr lang="de-DE"/>
+          </a:p>
+        </p:txBody>
+      </p:sp>
+      <p:sp>
+        <p:nvSpPr>
+          <p:cNvPr id="5" name="Footer Placeholder 4"/>
+          <p:cNvSpPr>
+            <a:spLocks noGrp="1"/>
+          </p:cNvSpPr>
+          <p:nvPr>
+            <p:ph type="ftr" sz="quarter" idx="11"/>
+          </p:nvPr>
+        </p:nvSpPr>
+        <p:spPr/>
+        <p:txBody>
+          <a:bodyPr/>
+          <a:lstStyle/>
+          <a:p>
+            <a:r>
+              <a:rPr lang="de-DE" smtClean="0"/>
+              <a:t>http://dev.heuristiclab.com</a:t>
+            </a:r>
+            <a:endParaRPr lang="de-DE"/>
+          </a:p>
+        </p:txBody>
+      </p:sp>
+      <p:sp>
+        <p:nvSpPr>
+          <p:cNvPr id="6" name="Slide Number Placeholder 5"/>
+          <p:cNvSpPr>
+            <a:spLocks noGrp="1"/>
+          </p:cNvSpPr>
+          <p:nvPr>
+            <p:ph type="sldNum" sz="quarter" idx="12"/>
+          </p:nvPr>
+        </p:nvSpPr>
+        <p:spPr/>
+        <p:txBody>
+          <a:bodyPr/>
+          <a:lstStyle/>
+          <a:p>
+            <a:fld id="{6C6AE60A-B69C-4790-82F7-3882EDF23186}" type="slidenum">
+              <a:rPr lang="de-DE" smtClean="0"/>
+              <a:pPr/>
+              <a:t>60</a:t>
+            </a:fld>
+            <a:endParaRPr lang="de-DE"/>
+          </a:p>
+        </p:txBody>
+      </p:sp>
+      <p:pic>
+        <p:nvPicPr>
+          <p:cNvPr id="7" name="Picture 6"/>
+          <p:cNvPicPr>
+            <a:picLocks noChangeAspect="1"/>
+          </p:cNvPicPr>
+          <p:nvPr/>
+        </p:nvPicPr>
+        <p:blipFill rotWithShape="1">
+          <a:blip r:embed="rId2"/>
+          <a:srcRect l="696" r="-161"/>
+          <a:stretch/>
+        </p:blipFill>
+        <p:spPr>
+          <a:xfrm>
+            <a:off x="2208473" y="1826383"/>
+            <a:ext cx="4727054" cy="4073596"/>
+          </a:xfrm>
+          <a:prstGeom prst="rect">
+            <a:avLst/>
+          </a:prstGeom>
+        </p:spPr>
+      </p:pic>
+    </p:spTree>
+    <p:extLst>
+      <p:ext uri="{BB962C8B-B14F-4D97-AF65-F5344CB8AC3E}">
+        <p14:creationId xmlns:p14="http://schemas.microsoft.com/office/powerpoint/2010/main" val="4163375701"/>
+      </p:ext>
+    </p:extLst>
+  </p:cSld>
+  <p:clrMapOvr>
+    <a:masterClrMapping/>
+  </p:clrMapOvr>
+  <p:timing>
+    <p:tnLst>
+      <p:par>
+        <p:cTn id="1" dur="indefinite" restart="never" nodeType="tmRoot"/>
+      </p:par>
+    </p:tnLst>
+  </p:timing>
+</p:sld>
+</file>
+
+<file path=ppt/slides/slide61.xml><?xml version="1.0" encoding="utf-8"?>
+<p:sld xmlns:a="http://schemas.openxmlformats.org/drawingml/2006/main" xmlns:r="http://schemas.openxmlformats.org/officeDocument/2006/relationships" xmlns:p="http://schemas.openxmlformats.org/presentationml/2006/main">
+  <p:cSld>
+    <p:spTree>
+      <p:nvGrpSpPr>
+        <p:cNvPr id="1" name=""/>
+        <p:cNvGrpSpPr/>
+        <p:nvPr/>
+      </p:nvGrpSpPr>
+      <p:grpSpPr>
+        <a:xfrm>
+          <a:off x="0" y="0"/>
+          <a:ext cx="0" cy="0"/>
+          <a:chOff x="0" y="0"/>
+          <a:chExt cx="0" cy="0"/>
+        </a:xfrm>
+      </p:grpSpPr>
+      <p:pic>
+        <p:nvPicPr>
+          <p:cNvPr id="8" name="Picture 7"/>
+          <p:cNvPicPr>
+            <a:picLocks noChangeAspect="1"/>
+          </p:cNvPicPr>
+          <p:nvPr/>
+        </p:nvPicPr>
+        <p:blipFill>
+          <a:blip r:embed="rId2"/>
+          <a:stretch>
+            <a:fillRect/>
+          </a:stretch>
+        </p:blipFill>
+        <p:spPr>
+          <a:xfrm>
+            <a:off x="760063" y="1364397"/>
+            <a:ext cx="7623871" cy="3204891"/>
+          </a:xfrm>
+          <a:prstGeom prst="rect">
+            <a:avLst/>
+          </a:prstGeom>
+        </p:spPr>
+      </p:pic>
+      <p:sp>
+        <p:nvSpPr>
+          <p:cNvPr id="2" name="Title 1"/>
+          <p:cNvSpPr>
+            <a:spLocks noGrp="1"/>
+          </p:cNvSpPr>
+          <p:nvPr>
+            <p:ph type="title"/>
+          </p:nvPr>
+        </p:nvSpPr>
+        <p:spPr/>
+        <p:txBody>
+          <a:bodyPr/>
+          <a:lstStyle/>
+          <a:p>
+            <a:r>
+              <a:rPr lang="en-US" dirty="0" smtClean="0"/>
+              <a:t>Simulation in Scilab</a:t>
+            </a:r>
+            <a:endParaRPr lang="en-US" dirty="0"/>
+          </a:p>
+        </p:txBody>
+      </p:sp>
+      <p:sp>
+        <p:nvSpPr>
+          <p:cNvPr id="4" name="Date Placeholder 3"/>
+          <p:cNvSpPr>
+            <a:spLocks noGrp="1"/>
+          </p:cNvSpPr>
+          <p:nvPr>
+            <p:ph type="dt" sz="half" idx="10"/>
+          </p:nvPr>
+        </p:nvSpPr>
+        <p:spPr/>
+        <p:txBody>
+          <a:bodyPr/>
+          <a:lstStyle/>
+          <a:p>
+            <a:r>
+              <a:rPr lang="de-DE" smtClean="0"/>
+              <a:t>HeuristicLab Tutorial</a:t>
+            </a:r>
+            <a:endParaRPr lang="de-DE"/>
+          </a:p>
+        </p:txBody>
+      </p:sp>
+      <p:sp>
+        <p:nvSpPr>
+          <p:cNvPr id="5" name="Footer Placeholder 4"/>
+          <p:cNvSpPr>
+            <a:spLocks noGrp="1"/>
+          </p:cNvSpPr>
+          <p:nvPr>
+            <p:ph type="ftr" sz="quarter" idx="11"/>
+          </p:nvPr>
+        </p:nvSpPr>
+        <p:spPr/>
+        <p:txBody>
+          <a:bodyPr/>
+          <a:lstStyle/>
+          <a:p>
+            <a:r>
+              <a:rPr lang="de-DE" smtClean="0"/>
+              <a:t>http://dev.heuristiclab.com</a:t>
+            </a:r>
+            <a:endParaRPr lang="de-DE"/>
+          </a:p>
+        </p:txBody>
+      </p:sp>
+      <p:sp>
+        <p:nvSpPr>
+          <p:cNvPr id="6" name="Slide Number Placeholder 5"/>
+          <p:cNvSpPr>
+            <a:spLocks noGrp="1"/>
+          </p:cNvSpPr>
+          <p:nvPr>
+            <p:ph type="sldNum" sz="quarter" idx="12"/>
+          </p:nvPr>
+        </p:nvSpPr>
+        <p:spPr/>
+        <p:txBody>
+          <a:bodyPr/>
+          <a:lstStyle/>
+          <a:p>
+            <a:fld id="{6C6AE60A-B69C-4790-82F7-3882EDF23186}" type="slidenum">
+              <a:rPr lang="de-DE" smtClean="0"/>
+              <a:pPr/>
+              <a:t>61</a:t>
+            </a:fld>
+            <a:endParaRPr lang="de-DE"/>
+          </a:p>
+        </p:txBody>
+      </p:sp>
+      <p:pic>
+        <p:nvPicPr>
+          <p:cNvPr id="9" name="Picture 8"/>
+          <p:cNvPicPr>
+            <a:picLocks noChangeAspect="1"/>
+          </p:cNvPicPr>
+          <p:nvPr/>
+        </p:nvPicPr>
+        <p:blipFill>
+          <a:blip r:embed="rId3"/>
+          <a:stretch>
+            <a:fillRect/>
+          </a:stretch>
+        </p:blipFill>
+        <p:spPr>
+          <a:xfrm>
+            <a:off x="1248992" y="4477934"/>
+            <a:ext cx="6646015" cy="1878416"/>
+          </a:xfrm>
+          <a:prstGeom prst="rect">
+            <a:avLst/>
+          </a:prstGeom>
+        </p:spPr>
+      </p:pic>
+    </p:spTree>
+    <p:extLst>
+      <p:ext uri="{BB962C8B-B14F-4D97-AF65-F5344CB8AC3E}">
+        <p14:creationId xmlns:p14="http://schemas.microsoft.com/office/powerpoint/2010/main" val="542856036"/>
+      </p:ext>
+    </p:extLst>
+  </p:cSld>
+  <p:clrMapOvr>
+    <a:masterClrMapping/>
+  </p:clrMapOvr>
+  <p:timing>
+    <p:tnLst>
+      <p:par>
+        <p:cTn id="1" dur="indefinite" restart="never" nodeType="tmRoot"/>
+      </p:par>
+    </p:tnLst>
+  </p:timing>
+</p:sld>
+</file>
+
+<file path=ppt/slides/slide62.xml><?xml version="1.0" encoding="utf-8"?>
+<p:sld xmlns:a="http://schemas.openxmlformats.org/drawingml/2006/main" xmlns:r="http://schemas.openxmlformats.org/officeDocument/2006/relationships" xmlns:p="http://schemas.openxmlformats.org/presentationml/2006/main">
+  <p:cSld>
+    <p:spTree>
+      <p:nvGrpSpPr>
+        <p:cNvPr id="1" name=""/>
+        <p:cNvGrpSpPr/>
+        <p:nvPr/>
+      </p:nvGrpSpPr>
+      <p:grpSpPr>
+        <a:xfrm>
+          <a:off x="0" y="0"/>
+          <a:ext cx="0" cy="0"/>
+          <a:chOff x="0" y="0"/>
+          <a:chExt cx="0" cy="0"/>
+        </a:xfrm>
+      </p:grpSpPr>
+      <p:sp>
+        <p:nvSpPr>
+          <p:cNvPr id="2" name="Title 1"/>
+          <p:cNvSpPr>
+            <a:spLocks noGrp="1"/>
+          </p:cNvSpPr>
+          <p:nvPr>
+            <p:ph type="title"/>
+          </p:nvPr>
+        </p:nvSpPr>
+        <p:spPr/>
+        <p:txBody>
+          <a:bodyPr/>
+          <a:lstStyle/>
+          <a:p>
+            <a:r>
+              <a:rPr lang="de-DE" dirty="0"/>
+              <a:t>Parameter </a:t>
+            </a:r>
+            <a:r>
+              <a:rPr lang="de-DE" dirty="0" err="1"/>
+              <a:t>Optimization</a:t>
+            </a:r>
+            <a:endParaRPr lang="en-US" dirty="0"/>
+          </a:p>
+        </p:txBody>
+      </p:sp>
+      <p:sp>
+        <p:nvSpPr>
+          <p:cNvPr id="3" name="Content Placeholder 2"/>
+          <p:cNvSpPr>
+            <a:spLocks noGrp="1"/>
+          </p:cNvSpPr>
+          <p:nvPr>
+            <p:ph idx="1"/>
+          </p:nvPr>
+        </p:nvSpPr>
+        <p:spPr/>
+        <p:txBody>
+          <a:bodyPr/>
+          <a:lstStyle/>
+          <a:p>
+            <a:r>
+              <a:rPr lang="de-DE" dirty="0"/>
+              <a:t>Create a </a:t>
+            </a:r>
+            <a:r>
+              <a:rPr lang="de-DE" dirty="0" err="1"/>
+              <a:t>new</a:t>
+            </a:r>
+            <a:r>
+              <a:rPr lang="de-DE" dirty="0"/>
+              <a:t> Scilab </a:t>
+            </a:r>
+            <a:r>
+              <a:rPr lang="de-DE" dirty="0" err="1" smtClean="0"/>
+              <a:t>parameter</a:t>
+            </a:r>
+            <a:r>
+              <a:rPr lang="de-DE" dirty="0" smtClean="0"/>
+              <a:t> </a:t>
+            </a:r>
+            <a:r>
+              <a:rPr lang="de-DE" dirty="0" err="1" smtClean="0"/>
+              <a:t>optimization</a:t>
+            </a:r>
+            <a:r>
+              <a:rPr lang="de-DE" dirty="0" smtClean="0"/>
+              <a:t> </a:t>
+            </a:r>
+            <a:r>
+              <a:rPr lang="de-DE" dirty="0" err="1" smtClean="0"/>
+              <a:t>problem</a:t>
+            </a:r>
+            <a:r>
+              <a:rPr lang="de-DE" dirty="0" smtClean="0"/>
+              <a:t> in HeuristicLab</a:t>
+            </a:r>
+            <a:endParaRPr lang="de-DE" dirty="0"/>
+          </a:p>
+          <a:p>
+            <a:endParaRPr lang="de-DE" dirty="0"/>
+          </a:p>
+          <a:p>
+            <a:r>
+              <a:rPr lang="de-DE" dirty="0" err="1" smtClean="0"/>
+              <a:t>Configure</a:t>
+            </a:r>
+            <a:r>
+              <a:rPr lang="de-DE" dirty="0" smtClean="0"/>
+              <a:t> </a:t>
+            </a:r>
+            <a:r>
+              <a:rPr lang="de-DE" dirty="0" err="1" smtClean="0"/>
+              <a:t>the</a:t>
+            </a:r>
+            <a:r>
+              <a:rPr lang="de-DE" dirty="0" smtClean="0"/>
+              <a:t> </a:t>
+            </a:r>
+            <a:r>
+              <a:rPr lang="de-DE" dirty="0" err="1" smtClean="0"/>
+              <a:t>problem</a:t>
+            </a:r>
+            <a:r>
+              <a:rPr lang="de-DE" dirty="0" smtClean="0"/>
+              <a:t> </a:t>
+            </a:r>
+            <a:r>
+              <a:rPr lang="de-DE" dirty="0" err="1" smtClean="0"/>
+              <a:t>with</a:t>
+            </a:r>
+            <a:r>
+              <a:rPr lang="de-DE" dirty="0" smtClean="0"/>
+              <a:t> </a:t>
+            </a:r>
+            <a:r>
+              <a:rPr lang="de-DE" dirty="0" err="1" smtClean="0"/>
+              <a:t>your</a:t>
+            </a:r>
+            <a:r>
+              <a:rPr lang="de-DE" dirty="0" smtClean="0"/>
+              <a:t> </a:t>
+            </a:r>
+            <a:r>
+              <a:rPr lang="de-DE" dirty="0" err="1" smtClean="0"/>
+              <a:t>scripts</a:t>
+            </a:r>
+            <a:r>
+              <a:rPr lang="de-DE" dirty="0" smtClean="0"/>
+              <a:t> in </a:t>
+            </a:r>
+            <a:r>
+              <a:rPr lang="de-DE" dirty="0"/>
+              <a:t>HeuristicLab</a:t>
+            </a:r>
+          </a:p>
+          <a:p>
+            <a:endParaRPr lang="de-DE" dirty="0"/>
+          </a:p>
+          <a:p>
+            <a:r>
+              <a:rPr lang="de-DE" dirty="0" err="1"/>
+              <a:t>Optimize</a:t>
+            </a:r>
+            <a:endParaRPr lang="de-DE" dirty="0"/>
+          </a:p>
+          <a:p>
+            <a:endParaRPr lang="en-US" dirty="0"/>
+          </a:p>
+        </p:txBody>
+      </p:sp>
+      <p:sp>
+        <p:nvSpPr>
+          <p:cNvPr id="4" name="Date Placeholder 3"/>
+          <p:cNvSpPr>
+            <a:spLocks noGrp="1"/>
+          </p:cNvSpPr>
+          <p:nvPr>
+            <p:ph type="dt" sz="half" idx="10"/>
+          </p:nvPr>
+        </p:nvSpPr>
+        <p:spPr/>
+        <p:txBody>
+          <a:bodyPr/>
+          <a:lstStyle/>
+          <a:p>
+            <a:r>
+              <a:rPr lang="de-DE" smtClean="0"/>
+              <a:t>HeuristicLab Tutorial</a:t>
+            </a:r>
+            <a:endParaRPr lang="de-DE"/>
+          </a:p>
+        </p:txBody>
+      </p:sp>
+      <p:sp>
+        <p:nvSpPr>
+          <p:cNvPr id="5" name="Footer Placeholder 4"/>
+          <p:cNvSpPr>
+            <a:spLocks noGrp="1"/>
+          </p:cNvSpPr>
+          <p:nvPr>
+            <p:ph type="ftr" sz="quarter" idx="11"/>
+          </p:nvPr>
+        </p:nvSpPr>
+        <p:spPr/>
+        <p:txBody>
+          <a:bodyPr/>
+          <a:lstStyle/>
+          <a:p>
+            <a:r>
+              <a:rPr lang="de-DE" smtClean="0"/>
+              <a:t>http://dev.heuristiclab.com</a:t>
+            </a:r>
+            <a:endParaRPr lang="de-DE"/>
+          </a:p>
+        </p:txBody>
+      </p:sp>
+      <p:sp>
+        <p:nvSpPr>
+          <p:cNvPr id="6" name="Slide Number Placeholder 5"/>
+          <p:cNvSpPr>
+            <a:spLocks noGrp="1"/>
+          </p:cNvSpPr>
+          <p:nvPr>
+            <p:ph type="sldNum" sz="quarter" idx="12"/>
+          </p:nvPr>
+        </p:nvSpPr>
+        <p:spPr/>
+        <p:txBody>
+          <a:bodyPr/>
+          <a:lstStyle/>
+          <a:p>
+            <a:fld id="{6C6AE60A-B69C-4790-82F7-3882EDF23186}" type="slidenum">
+              <a:rPr lang="de-DE" smtClean="0"/>
+              <a:pPr/>
+              <a:t>62</a:t>
+            </a:fld>
+            <a:endParaRPr lang="de-DE"/>
+          </a:p>
+        </p:txBody>
+      </p:sp>
+    </p:spTree>
+    <p:extLst>
+      <p:ext uri="{BB962C8B-B14F-4D97-AF65-F5344CB8AC3E}">
+        <p14:creationId xmlns:p14="http://schemas.microsoft.com/office/powerpoint/2010/main" val="1124388120"/>
+      </p:ext>
+    </p:extLst>
+  </p:cSld>
+  <p:clrMapOvr>
+    <a:masterClrMapping/>
+  </p:clrMapOvr>
+  <p:timing>
+    <p:tnLst>
+      <p:par>
+        <p:cTn id="1" dur="indefinite" restart="never" nodeType="tmRoot"/>
+      </p:par>
+    </p:tnLst>
+  </p:timing>
+</p:sld>
+</file>
+
+<file path=ppt/slides/slide63.xml><?xml version="1.0" encoding="utf-8"?>
+<p:sld xmlns:a="http://schemas.openxmlformats.org/drawingml/2006/main" xmlns:r="http://schemas.openxmlformats.org/officeDocument/2006/relationships" xmlns:p="http://schemas.openxmlformats.org/presentationml/2006/main">
+  <p:cSld>
+    <p:spTree>
+      <p:nvGrpSpPr>
+        <p:cNvPr id="1" name=""/>
+        <p:cNvGrpSpPr/>
+        <p:nvPr/>
+      </p:nvGrpSpPr>
+      <p:grpSpPr>
+        <a:xfrm>
+          <a:off x="0" y="0"/>
+          <a:ext cx="0" cy="0"/>
+          <a:chOff x="0" y="0"/>
+          <a:chExt cx="0" cy="0"/>
+        </a:xfrm>
+      </p:grpSpPr>
+      <p:sp>
+        <p:nvSpPr>
+          <p:cNvPr id="2" name="Title 1"/>
+          <p:cNvSpPr>
+            <a:spLocks noGrp="1"/>
+          </p:cNvSpPr>
+          <p:nvPr>
+            <p:ph type="title"/>
+          </p:nvPr>
+        </p:nvSpPr>
+        <p:spPr/>
+        <p:txBody>
+          <a:bodyPr/>
+          <a:lstStyle/>
+          <a:p>
+            <a:r>
+              <a:rPr lang="de-DE" dirty="0"/>
+              <a:t>Parameter </a:t>
+            </a:r>
+            <a:r>
+              <a:rPr lang="de-DE" dirty="0" err="1"/>
+              <a:t>Optimization</a:t>
+            </a:r>
+            <a:endParaRPr lang="en-US" dirty="0"/>
+          </a:p>
+        </p:txBody>
+      </p:sp>
+      <p:pic>
+        <p:nvPicPr>
+          <p:cNvPr id="7" name="Content Placeholder 6"/>
+          <p:cNvPicPr>
+            <a:picLocks noGrp="1" noChangeAspect="1"/>
+          </p:cNvPicPr>
+          <p:nvPr>
+            <p:ph idx="1"/>
+          </p:nvPr>
+        </p:nvPicPr>
+        <p:blipFill>
+          <a:blip r:embed="rId2"/>
+          <a:stretch>
+            <a:fillRect/>
+          </a:stretch>
+        </p:blipFill>
+        <p:spPr>
+          <a:xfrm>
+            <a:off x="1567211" y="1600200"/>
+            <a:ext cx="6009577" cy="4525963"/>
+          </a:xfrm>
+          <a:prstGeom prst="rect">
+            <a:avLst/>
+          </a:prstGeom>
+          <a:ln>
+            <a:noFill/>
+          </a:ln>
+          <a:effectLst>
+            <a:outerShdw blurRad="292100" dist="139700" dir="2700000" algn="tl" rotWithShape="0">
+              <a:srgbClr val="333333">
+                <a:alpha val="65000"/>
+              </a:srgbClr>
+            </a:outerShdw>
+          </a:effectLst>
+        </p:spPr>
+      </p:pic>
+      <p:sp>
+        <p:nvSpPr>
+          <p:cNvPr id="4" name="Date Placeholder 3"/>
+          <p:cNvSpPr>
+            <a:spLocks noGrp="1"/>
+          </p:cNvSpPr>
+          <p:nvPr>
+            <p:ph type="dt" sz="half" idx="10"/>
+          </p:nvPr>
+        </p:nvSpPr>
+        <p:spPr/>
+        <p:txBody>
+          <a:bodyPr/>
+          <a:lstStyle/>
+          <a:p>
+            <a:r>
+              <a:rPr lang="de-DE" smtClean="0"/>
+              <a:t>HeuristicLab Tutorial</a:t>
+            </a:r>
+            <a:endParaRPr lang="de-DE"/>
+          </a:p>
+        </p:txBody>
+      </p:sp>
+      <p:sp>
+        <p:nvSpPr>
+          <p:cNvPr id="5" name="Footer Placeholder 4"/>
+          <p:cNvSpPr>
+            <a:spLocks noGrp="1"/>
+          </p:cNvSpPr>
+          <p:nvPr>
+            <p:ph type="ftr" sz="quarter" idx="11"/>
+          </p:nvPr>
+        </p:nvSpPr>
+        <p:spPr/>
+        <p:txBody>
+          <a:bodyPr/>
+          <a:lstStyle/>
+          <a:p>
+            <a:r>
+              <a:rPr lang="de-DE" smtClean="0"/>
+              <a:t>http://dev.heuristiclab.com</a:t>
+            </a:r>
+            <a:endParaRPr lang="de-DE"/>
+          </a:p>
+        </p:txBody>
+      </p:sp>
+      <p:sp>
+        <p:nvSpPr>
+          <p:cNvPr id="6" name="Slide Number Placeholder 5"/>
+          <p:cNvSpPr>
+            <a:spLocks noGrp="1"/>
+          </p:cNvSpPr>
+          <p:nvPr>
+            <p:ph type="sldNum" sz="quarter" idx="12"/>
+          </p:nvPr>
+        </p:nvSpPr>
+        <p:spPr/>
+        <p:txBody>
+          <a:bodyPr/>
+          <a:lstStyle/>
+          <a:p>
+            <a:fld id="{6C6AE60A-B69C-4790-82F7-3882EDF23186}" type="slidenum">
+              <a:rPr lang="de-DE" smtClean="0"/>
+              <a:pPr/>
+              <a:t>63</a:t>
+            </a:fld>
+            <a:endParaRPr lang="de-DE"/>
+          </a:p>
+        </p:txBody>
+      </p:sp>
+    </p:spTree>
+    <p:extLst>
+      <p:ext uri="{BB962C8B-B14F-4D97-AF65-F5344CB8AC3E}">
+        <p14:creationId xmlns:p14="http://schemas.microsoft.com/office/powerpoint/2010/main" val="3966285301"/>
+      </p:ext>
+    </p:extLst>
+  </p:cSld>
+  <p:clrMapOvr>
+    <a:masterClrMapping/>
+  </p:clrMapOvr>
+  <p:timing>
+    <p:tnLst>
+      <p:par>
+        <p:cTn id="1" dur="indefinite" restart="never" nodeType="tmRoot"/>
+      </p:par>
+    </p:tnLst>
+  </p:timing>
+</p:sld>
+</file>
+
+<file path=ppt/slides/slide64.xml><?xml version="1.0" encoding="utf-8"?>
+<p:sld xmlns:a="http://schemas.openxmlformats.org/drawingml/2006/main" xmlns:r="http://schemas.openxmlformats.org/officeDocument/2006/relationships" xmlns:p="http://schemas.openxmlformats.org/presentationml/2006/main">
+  <p:cSld>
+    <p:spTree>
+      <p:nvGrpSpPr>
+        <p:cNvPr id="1" name=""/>
+        <p:cNvGrpSpPr/>
+        <p:nvPr/>
+      </p:nvGrpSpPr>
+      <p:grpSpPr>
+        <a:xfrm>
+          <a:off x="0" y="0"/>
+          <a:ext cx="0" cy="0"/>
+          <a:chOff x="0" y="0"/>
+          <a:chExt cx="0" cy="0"/>
+        </a:xfrm>
+      </p:grpSpPr>
+      <p:sp>
+        <p:nvSpPr>
+          <p:cNvPr id="2" name="Title 1"/>
+          <p:cNvSpPr>
+            <a:spLocks noGrp="1"/>
+          </p:cNvSpPr>
+          <p:nvPr>
+            <p:ph type="title"/>
+          </p:nvPr>
+        </p:nvSpPr>
+        <p:spPr/>
+        <p:txBody>
+          <a:bodyPr/>
+          <a:lstStyle/>
+          <a:p>
+            <a:r>
+              <a:rPr lang="de-DE" dirty="0"/>
+              <a:t>Parameter </a:t>
+            </a:r>
+            <a:r>
+              <a:rPr lang="de-DE" dirty="0" err="1"/>
+              <a:t>Optimization</a:t>
+            </a:r>
+            <a:endParaRPr lang="en-US" dirty="0"/>
+          </a:p>
+        </p:txBody>
+      </p:sp>
+      <p:sp>
+        <p:nvSpPr>
+          <p:cNvPr id="3" name="Content Placeholder 2"/>
+          <p:cNvSpPr>
+            <a:spLocks noGrp="1"/>
+          </p:cNvSpPr>
+          <p:nvPr>
+            <p:ph idx="1"/>
+          </p:nvPr>
+        </p:nvSpPr>
+        <p:spPr/>
+        <p:txBody>
+          <a:bodyPr/>
+          <a:lstStyle/>
+          <a:p>
+            <a:r>
+              <a:rPr lang="en-US" dirty="0" smtClean="0"/>
+              <a:t>Specify path</a:t>
+            </a:r>
+            <a:br>
+              <a:rPr lang="en-US" dirty="0" smtClean="0"/>
+            </a:br>
+            <a:r>
+              <a:rPr lang="en-US" dirty="0" smtClean="0"/>
+              <a:t>to Scilab scripts</a:t>
+            </a:r>
+          </a:p>
+          <a:p>
+            <a:r>
+              <a:rPr lang="en-US" dirty="0" smtClean="0"/>
+              <a:t>Initialization script</a:t>
+            </a:r>
+          </a:p>
+          <a:p>
+            <a:r>
+              <a:rPr lang="en-US" dirty="0" smtClean="0"/>
+              <a:t>Evaluation script</a:t>
+            </a:r>
+          </a:p>
+          <a:p>
+            <a:endParaRPr lang="en-US" dirty="0" smtClean="0"/>
+          </a:p>
+        </p:txBody>
+      </p:sp>
+      <p:sp>
+        <p:nvSpPr>
+          <p:cNvPr id="4" name="Date Placeholder 3"/>
+          <p:cNvSpPr>
+            <a:spLocks noGrp="1"/>
+          </p:cNvSpPr>
+          <p:nvPr>
+            <p:ph type="dt" sz="half" idx="10"/>
+          </p:nvPr>
+        </p:nvSpPr>
+        <p:spPr/>
+        <p:txBody>
+          <a:bodyPr/>
+          <a:lstStyle/>
+          <a:p>
+            <a:r>
+              <a:rPr lang="de-DE" smtClean="0"/>
+              <a:t>HeuristicLab Tutorial</a:t>
+            </a:r>
+            <a:endParaRPr lang="de-DE"/>
+          </a:p>
+        </p:txBody>
+      </p:sp>
+      <p:sp>
+        <p:nvSpPr>
+          <p:cNvPr id="5" name="Footer Placeholder 4"/>
+          <p:cNvSpPr>
+            <a:spLocks noGrp="1"/>
+          </p:cNvSpPr>
+          <p:nvPr>
+            <p:ph type="ftr" sz="quarter" idx="11"/>
+          </p:nvPr>
+        </p:nvSpPr>
+        <p:spPr/>
+        <p:txBody>
+          <a:bodyPr/>
+          <a:lstStyle/>
+          <a:p>
+            <a:r>
+              <a:rPr lang="de-DE" smtClean="0"/>
+              <a:t>http://dev.heuristiclab.com</a:t>
+            </a:r>
+            <a:endParaRPr lang="de-DE"/>
+          </a:p>
+        </p:txBody>
+      </p:sp>
+      <p:sp>
+        <p:nvSpPr>
+          <p:cNvPr id="6" name="Slide Number Placeholder 5"/>
+          <p:cNvSpPr>
+            <a:spLocks noGrp="1"/>
+          </p:cNvSpPr>
+          <p:nvPr>
+            <p:ph type="sldNum" sz="quarter" idx="12"/>
+          </p:nvPr>
+        </p:nvSpPr>
+        <p:spPr/>
+        <p:txBody>
+          <a:bodyPr/>
+          <a:lstStyle/>
+          <a:p>
+            <a:fld id="{6C6AE60A-B69C-4790-82F7-3882EDF23186}" type="slidenum">
+              <a:rPr lang="de-DE" smtClean="0"/>
+              <a:pPr/>
+              <a:t>64</a:t>
+            </a:fld>
+            <a:endParaRPr lang="de-DE"/>
+          </a:p>
+        </p:txBody>
+      </p:sp>
+      <p:pic>
+        <p:nvPicPr>
+          <p:cNvPr id="7" name="Picture 6"/>
+          <p:cNvPicPr>
+            <a:picLocks noChangeAspect="1"/>
+          </p:cNvPicPr>
+          <p:nvPr/>
+        </p:nvPicPr>
+        <p:blipFill rotWithShape="1">
+          <a:blip r:embed="rId2"/>
+          <a:srcRect r="45590" b="26244"/>
+          <a:stretch/>
+        </p:blipFill>
+        <p:spPr>
+          <a:xfrm>
+            <a:off x="4620242" y="1647825"/>
+            <a:ext cx="4059662" cy="4262900"/>
+          </a:xfrm>
+          <a:prstGeom prst="rect">
+            <a:avLst/>
+          </a:prstGeom>
+          <a:ln>
+            <a:noFill/>
+          </a:ln>
+          <a:effectLst>
+            <a:outerShdw blurRad="292100" dist="139700" dir="2700000" algn="tl" rotWithShape="0">
+              <a:srgbClr val="333333">
+                <a:alpha val="65000"/>
+              </a:srgbClr>
+            </a:outerShdw>
+          </a:effectLst>
+        </p:spPr>
+      </p:pic>
+      <p:sp>
+        <p:nvSpPr>
+          <p:cNvPr id="8" name="Abgerundetes Rechteck 7"/>
+          <p:cNvSpPr/>
+          <p:nvPr/>
+        </p:nvSpPr>
+        <p:spPr>
+          <a:xfrm>
+            <a:off x="5201072" y="4749800"/>
+            <a:ext cx="1390228" cy="419100"/>
+          </a:xfrm>
+          <a:prstGeom prst="roundRect">
+            <a:avLst>
+              <a:gd name="adj" fmla="val 3967"/>
+            </a:avLst>
+          </a:prstGeom>
+          <a:noFill/>
+          <a:ln w="50800">
+            <a:solidFill>
+              <a:srgbClr val="FF0000"/>
+            </a:solidFill>
+          </a:ln>
+        </p:spPr>
+        <p:style>
+          <a:lnRef idx="2">
+            <a:schemeClr val="accent1">
+              <a:shade val="50000"/>
+            </a:schemeClr>
+          </a:lnRef>
+          <a:fillRef idx="1">
+            <a:schemeClr val="accent1"/>
+          </a:fillRef>
+          <a:effectRef idx="0">
+            <a:schemeClr val="accent1"/>
+          </a:effectRef>
+          <a:fontRef idx="minor">
+            <a:schemeClr val="lt1"/>
+          </a:fontRef>
+        </p:style>
+        <p:txBody>
+          <a:bodyPr rtlCol="0" anchor="ctr"/>
+          <a:lstStyle/>
+          <a:p>
+            <a:pPr algn="ctr"/>
+            <a:endParaRPr lang="en-US" sz="2400" b="1" dirty="0">
+              <a:solidFill>
+                <a:srgbClr val="FF0000"/>
+              </a:solidFill>
+            </a:endParaRPr>
+          </a:p>
+        </p:txBody>
+      </p:sp>
+    </p:spTree>
+    <p:extLst>
+      <p:ext uri="{BB962C8B-B14F-4D97-AF65-F5344CB8AC3E}">
+        <p14:creationId xmlns:p14="http://schemas.microsoft.com/office/powerpoint/2010/main" val="2242842723"/>
+      </p:ext>
+    </p:extLst>
+  </p:cSld>
+  <p:clrMapOvr>
+    <a:masterClrMapping/>
+  </p:clrMapOvr>
+  <p:timing>
+    <p:tnLst>
+      <p:par>
+        <p:cTn id="1" dur="indefinite" restart="never" nodeType="tmRoot"/>
+      </p:par>
+    </p:tnLst>
+  </p:timing>
+</p:sld>
+</file>
+
+<file path=ppt/slides/slide65.xml><?xml version="1.0" encoding="utf-8"?>
+<p:sld xmlns:a="http://schemas.openxmlformats.org/drawingml/2006/main" xmlns:r="http://schemas.openxmlformats.org/officeDocument/2006/relationships" xmlns:p="http://schemas.openxmlformats.org/presentationml/2006/main">
+  <p:cSld>
+    <p:spTree>
+      <p:nvGrpSpPr>
+        <p:cNvPr id="1" name=""/>
+        <p:cNvGrpSpPr/>
+        <p:nvPr/>
+      </p:nvGrpSpPr>
+      <p:grpSpPr>
+        <a:xfrm>
+          <a:off x="0" y="0"/>
+          <a:ext cx="0" cy="0"/>
+          <a:chOff x="0" y="0"/>
+          <a:chExt cx="0" cy="0"/>
+        </a:xfrm>
+      </p:grpSpPr>
+      <p:sp>
+        <p:nvSpPr>
+          <p:cNvPr id="2" name="Title 1"/>
+          <p:cNvSpPr>
+            <a:spLocks noGrp="1"/>
+          </p:cNvSpPr>
+          <p:nvPr>
+            <p:ph type="title"/>
+          </p:nvPr>
+        </p:nvSpPr>
+        <p:spPr/>
+        <p:txBody>
+          <a:bodyPr/>
+          <a:lstStyle/>
+          <a:p>
+            <a:r>
+              <a:rPr lang="en-US" dirty="0" smtClean="0"/>
+              <a:t>Initialization Script</a:t>
+            </a:r>
+            <a:endParaRPr lang="en-US" dirty="0"/>
+          </a:p>
+        </p:txBody>
+      </p:sp>
+      <p:sp>
+        <p:nvSpPr>
+          <p:cNvPr id="3" name="Content Placeholder 2"/>
+          <p:cNvSpPr>
+            <a:spLocks noGrp="1"/>
+          </p:cNvSpPr>
+          <p:nvPr>
+            <p:ph idx="1"/>
+          </p:nvPr>
+        </p:nvSpPr>
+        <p:spPr/>
+        <p:txBody>
+          <a:bodyPr/>
+          <a:lstStyle/>
+          <a:p>
+            <a:r>
+              <a:rPr lang="en-US" dirty="0" smtClean="0"/>
+              <a:t>Sets constants and time intervals</a:t>
+            </a:r>
+          </a:p>
+          <a:p>
+            <a:r>
+              <a:rPr lang="en-US" dirty="0" smtClean="0"/>
+              <a:t>Loads the simulation model</a:t>
+            </a:r>
+          </a:p>
+          <a:p>
+            <a:r>
+              <a:rPr lang="en-US" dirty="0" smtClean="0"/>
+              <a:t>Reads the measured values from a csv file</a:t>
+            </a:r>
+            <a:endParaRPr lang="en-US" dirty="0"/>
+          </a:p>
+        </p:txBody>
+      </p:sp>
+      <p:sp>
+        <p:nvSpPr>
+          <p:cNvPr id="4" name="Date Placeholder 3"/>
+          <p:cNvSpPr>
+            <a:spLocks noGrp="1"/>
+          </p:cNvSpPr>
+          <p:nvPr>
+            <p:ph type="dt" sz="half" idx="10"/>
+          </p:nvPr>
+        </p:nvSpPr>
+        <p:spPr/>
+        <p:txBody>
+          <a:bodyPr/>
+          <a:lstStyle/>
+          <a:p>
+            <a:r>
+              <a:rPr lang="de-DE" smtClean="0"/>
+              <a:t>HeuristicLab Tutorial</a:t>
+            </a:r>
+            <a:endParaRPr lang="de-DE"/>
+          </a:p>
+        </p:txBody>
+      </p:sp>
+      <p:sp>
+        <p:nvSpPr>
+          <p:cNvPr id="5" name="Footer Placeholder 4"/>
+          <p:cNvSpPr>
+            <a:spLocks noGrp="1"/>
+          </p:cNvSpPr>
+          <p:nvPr>
+            <p:ph type="ftr" sz="quarter" idx="11"/>
+          </p:nvPr>
+        </p:nvSpPr>
+        <p:spPr/>
+        <p:txBody>
+          <a:bodyPr/>
+          <a:lstStyle/>
+          <a:p>
+            <a:r>
+              <a:rPr lang="de-DE" smtClean="0"/>
+              <a:t>http://dev.heuristiclab.com</a:t>
+            </a:r>
+            <a:endParaRPr lang="de-DE"/>
+          </a:p>
+        </p:txBody>
+      </p:sp>
+      <p:sp>
+        <p:nvSpPr>
+          <p:cNvPr id="6" name="Slide Number Placeholder 5"/>
+          <p:cNvSpPr>
+            <a:spLocks noGrp="1"/>
+          </p:cNvSpPr>
+          <p:nvPr>
+            <p:ph type="sldNum" sz="quarter" idx="12"/>
+          </p:nvPr>
+        </p:nvSpPr>
+        <p:spPr/>
+        <p:txBody>
+          <a:bodyPr/>
+          <a:lstStyle/>
+          <a:p>
+            <a:fld id="{6C6AE60A-B69C-4790-82F7-3882EDF23186}" type="slidenum">
+              <a:rPr lang="de-DE" smtClean="0"/>
+              <a:pPr/>
+              <a:t>65</a:t>
+            </a:fld>
+            <a:endParaRPr lang="de-DE"/>
+          </a:p>
+        </p:txBody>
+      </p:sp>
+      <p:pic>
+        <p:nvPicPr>
+          <p:cNvPr id="7" name="Picture 6"/>
+          <p:cNvPicPr>
+            <a:picLocks noChangeAspect="1"/>
+          </p:cNvPicPr>
+          <p:nvPr/>
+        </p:nvPicPr>
+        <p:blipFill rotWithShape="1">
+          <a:blip r:embed="rId2"/>
+          <a:srcRect l="442"/>
+          <a:stretch/>
+        </p:blipFill>
+        <p:spPr>
+          <a:xfrm>
+            <a:off x="2051720" y="3604380"/>
+            <a:ext cx="5406752" cy="2509680"/>
+          </a:xfrm>
+          <a:prstGeom prst="rect">
+            <a:avLst/>
+          </a:prstGeom>
+        </p:spPr>
+      </p:pic>
+    </p:spTree>
+    <p:extLst>
+      <p:ext uri="{BB962C8B-B14F-4D97-AF65-F5344CB8AC3E}">
+        <p14:creationId xmlns:p14="http://schemas.microsoft.com/office/powerpoint/2010/main" val="4240766458"/>
+      </p:ext>
+    </p:extLst>
+  </p:cSld>
+  <p:clrMapOvr>
+    <a:masterClrMapping/>
+  </p:clrMapOvr>
+  <p:timing>
+    <p:tnLst>
+      <p:par>
+        <p:cTn id="1" dur="indefinite" restart="never" nodeType="tmRoot"/>
+      </p:par>
+    </p:tnLst>
+  </p:timing>
+</p:sld>
+</file>
+
+<file path=ppt/slides/slide66.xml><?xml version="1.0" encoding="utf-8"?>
+<p:sld xmlns:a="http://schemas.openxmlformats.org/drawingml/2006/main" xmlns:r="http://schemas.openxmlformats.org/officeDocument/2006/relationships" xmlns:p="http://schemas.openxmlformats.org/presentationml/2006/main">
+  <p:cSld>
+    <p:spTree>
+      <p:nvGrpSpPr>
+        <p:cNvPr id="1" name=""/>
+        <p:cNvGrpSpPr/>
+        <p:nvPr/>
+      </p:nvGrpSpPr>
+      <p:grpSpPr>
+        <a:xfrm>
+          <a:off x="0" y="0"/>
+          <a:ext cx="0" cy="0"/>
+          <a:chOff x="0" y="0"/>
+          <a:chExt cx="0" cy="0"/>
+        </a:xfrm>
+      </p:grpSpPr>
+      <p:sp>
+        <p:nvSpPr>
+          <p:cNvPr id="2" name="Title 1"/>
+          <p:cNvSpPr>
+            <a:spLocks noGrp="1"/>
+          </p:cNvSpPr>
+          <p:nvPr>
+            <p:ph type="title"/>
+          </p:nvPr>
+        </p:nvSpPr>
+        <p:spPr/>
+        <p:txBody>
+          <a:bodyPr/>
+          <a:lstStyle/>
+          <a:p>
+            <a:r>
+              <a:rPr lang="en-US" dirty="0" smtClean="0"/>
+              <a:t>Evaluation Script</a:t>
+            </a:r>
+            <a:endParaRPr lang="en-US" dirty="0"/>
+          </a:p>
+        </p:txBody>
+      </p:sp>
+      <p:sp>
+        <p:nvSpPr>
+          <p:cNvPr id="3" name="Content Placeholder 2"/>
+          <p:cNvSpPr>
+            <a:spLocks noGrp="1"/>
+          </p:cNvSpPr>
+          <p:nvPr>
+            <p:ph idx="1"/>
+          </p:nvPr>
+        </p:nvSpPr>
+        <p:spPr/>
+        <p:txBody>
+          <a:bodyPr/>
+          <a:lstStyle/>
+          <a:p>
+            <a:r>
+              <a:rPr lang="en-US" dirty="0" smtClean="0"/>
+              <a:t>Configures and runs the simulation with values from HeuristicLab</a:t>
+            </a:r>
+            <a:endParaRPr lang="en-US" dirty="0"/>
+          </a:p>
+          <a:p>
+            <a:r>
+              <a:rPr lang="en-US" dirty="0" smtClean="0"/>
+              <a:t>Calculates quality as sum of absolute errors between simulated and measured values</a:t>
+            </a:r>
+            <a:endParaRPr lang="en-US" dirty="0"/>
+          </a:p>
+        </p:txBody>
+      </p:sp>
+      <p:sp>
+        <p:nvSpPr>
+          <p:cNvPr id="4" name="Date Placeholder 3"/>
+          <p:cNvSpPr>
+            <a:spLocks noGrp="1"/>
+          </p:cNvSpPr>
+          <p:nvPr>
+            <p:ph type="dt" sz="half" idx="10"/>
+          </p:nvPr>
+        </p:nvSpPr>
+        <p:spPr/>
+        <p:txBody>
+          <a:bodyPr/>
+          <a:lstStyle/>
+          <a:p>
+            <a:r>
+              <a:rPr lang="de-DE" smtClean="0"/>
+              <a:t>HeuristicLab Tutorial</a:t>
+            </a:r>
+            <a:endParaRPr lang="de-DE"/>
+          </a:p>
+        </p:txBody>
+      </p:sp>
+      <p:sp>
+        <p:nvSpPr>
+          <p:cNvPr id="5" name="Footer Placeholder 4"/>
+          <p:cNvSpPr>
+            <a:spLocks noGrp="1"/>
+          </p:cNvSpPr>
+          <p:nvPr>
+            <p:ph type="ftr" sz="quarter" idx="11"/>
+          </p:nvPr>
+        </p:nvSpPr>
+        <p:spPr/>
+        <p:txBody>
+          <a:bodyPr/>
+          <a:lstStyle/>
+          <a:p>
+            <a:r>
+              <a:rPr lang="de-DE" smtClean="0"/>
+              <a:t>http://dev.heuristiclab.com</a:t>
+            </a:r>
+            <a:endParaRPr lang="de-DE"/>
+          </a:p>
+        </p:txBody>
+      </p:sp>
+      <p:sp>
+        <p:nvSpPr>
+          <p:cNvPr id="6" name="Slide Number Placeholder 5"/>
+          <p:cNvSpPr>
+            <a:spLocks noGrp="1"/>
+          </p:cNvSpPr>
+          <p:nvPr>
+            <p:ph type="sldNum" sz="quarter" idx="12"/>
+          </p:nvPr>
+        </p:nvSpPr>
+        <p:spPr/>
+        <p:txBody>
+          <a:bodyPr/>
+          <a:lstStyle/>
+          <a:p>
+            <a:fld id="{6C6AE60A-B69C-4790-82F7-3882EDF23186}" type="slidenum">
+              <a:rPr lang="de-DE" smtClean="0"/>
+              <a:pPr/>
+              <a:t>66</a:t>
+            </a:fld>
+            <a:endParaRPr lang="de-DE"/>
+          </a:p>
+        </p:txBody>
+      </p:sp>
+      <p:pic>
+        <p:nvPicPr>
+          <p:cNvPr id="7" name="Picture 6"/>
+          <p:cNvPicPr>
+            <a:picLocks noChangeAspect="1"/>
+          </p:cNvPicPr>
+          <p:nvPr/>
+        </p:nvPicPr>
+        <p:blipFill>
+          <a:blip r:embed="rId2"/>
+          <a:stretch>
+            <a:fillRect/>
+          </a:stretch>
+        </p:blipFill>
+        <p:spPr>
+          <a:xfrm>
+            <a:off x="1907704" y="3902322"/>
+            <a:ext cx="5192735" cy="2262982"/>
+          </a:xfrm>
+          <a:prstGeom prst="rect">
+            <a:avLst/>
+          </a:prstGeom>
+        </p:spPr>
+      </p:pic>
+    </p:spTree>
+    <p:extLst>
+      <p:ext uri="{BB962C8B-B14F-4D97-AF65-F5344CB8AC3E}">
+        <p14:creationId xmlns:p14="http://schemas.microsoft.com/office/powerpoint/2010/main" val="2208649360"/>
+      </p:ext>
+    </p:extLst>
+  </p:cSld>
+  <p:clrMapOvr>
+    <a:masterClrMapping/>
+  </p:clrMapOvr>
+  <p:timing>
+    <p:tnLst>
+      <p:par>
+        <p:cTn id="1" dur="indefinite" restart="never" nodeType="tmRoot"/>
+      </p:par>
+    </p:tnLst>
+  </p:timing>
+</p:sld>
+</file>
+
+<file path=ppt/slides/slide67.xml><?xml version="1.0" encoding="utf-8"?>
+<p:sld xmlns:a="http://schemas.openxmlformats.org/drawingml/2006/main" xmlns:r="http://schemas.openxmlformats.org/officeDocument/2006/relationships" xmlns:p="http://schemas.openxmlformats.org/presentationml/2006/main">
+  <p:cSld>
+    <p:spTree>
+      <p:nvGrpSpPr>
+        <p:cNvPr id="1" name=""/>
+        <p:cNvGrpSpPr/>
+        <p:nvPr/>
+      </p:nvGrpSpPr>
+      <p:grpSpPr>
+        <a:xfrm>
+          <a:off x="0" y="0"/>
+          <a:ext cx="0" cy="0"/>
+          <a:chOff x="0" y="0"/>
+          <a:chExt cx="0" cy="0"/>
+        </a:xfrm>
+      </p:grpSpPr>
+      <p:pic>
+        <p:nvPicPr>
+          <p:cNvPr id="10" name="Picture 9"/>
+          <p:cNvPicPr>
+            <a:picLocks noChangeAspect="1"/>
+          </p:cNvPicPr>
+          <p:nvPr/>
+        </p:nvPicPr>
+        <p:blipFill>
+          <a:blip r:embed="rId2"/>
+          <a:stretch>
+            <a:fillRect/>
+          </a:stretch>
+        </p:blipFill>
+        <p:spPr>
+          <a:xfrm>
+            <a:off x="3995936" y="3346475"/>
+            <a:ext cx="4680520" cy="2818829"/>
+          </a:xfrm>
+          <a:prstGeom prst="rect">
+            <a:avLst/>
+          </a:prstGeom>
+          <a:ln>
+            <a:noFill/>
+          </a:ln>
+          <a:effectLst>
+            <a:outerShdw blurRad="292100" dist="139700" dir="2700000" algn="tl" rotWithShape="0">
+              <a:srgbClr val="333333">
+                <a:alpha val="65000"/>
+              </a:srgbClr>
+            </a:outerShdw>
+          </a:effectLst>
+        </p:spPr>
+      </p:pic>
+      <p:sp>
+        <p:nvSpPr>
+          <p:cNvPr id="2" name="Title 1"/>
+          <p:cNvSpPr>
+            <a:spLocks noGrp="1"/>
+          </p:cNvSpPr>
+          <p:nvPr>
+            <p:ph type="title"/>
+          </p:nvPr>
+        </p:nvSpPr>
+        <p:spPr/>
+        <p:txBody>
+          <a:bodyPr/>
+          <a:lstStyle/>
+          <a:p>
+            <a:r>
+              <a:rPr lang="de-DE" dirty="0"/>
+              <a:t>Parameter </a:t>
+            </a:r>
+            <a:r>
+              <a:rPr lang="de-DE" dirty="0" err="1"/>
+              <a:t>Optimization</a:t>
+            </a:r>
+            <a:endParaRPr lang="en-US" dirty="0"/>
+          </a:p>
+        </p:txBody>
+      </p:sp>
+      <p:sp>
+        <p:nvSpPr>
+          <p:cNvPr id="3" name="Content Placeholder 2"/>
+          <p:cNvSpPr>
+            <a:spLocks noGrp="1"/>
+          </p:cNvSpPr>
+          <p:nvPr>
+            <p:ph idx="1"/>
+          </p:nvPr>
+        </p:nvSpPr>
+        <p:spPr/>
+        <p:txBody>
+          <a:bodyPr/>
+          <a:lstStyle/>
+          <a:p>
+            <a:r>
+              <a:rPr lang="en-US" dirty="0" smtClean="0"/>
+              <a:t>Configure problem size</a:t>
+            </a:r>
+          </a:p>
+          <a:p>
+            <a:r>
+              <a:rPr lang="en-US" dirty="0" smtClean="0"/>
+              <a:t>Configure parameter names</a:t>
+            </a:r>
+          </a:p>
+          <a:p>
+            <a:r>
+              <a:rPr lang="en-US" dirty="0" smtClean="0"/>
+              <a:t>Parameter names are created as variables in Scilab</a:t>
+            </a:r>
+          </a:p>
+          <a:p>
+            <a:r>
+              <a:rPr lang="en-US" dirty="0" smtClean="0"/>
+              <a:t>Adapt bounds</a:t>
+            </a:r>
+          </a:p>
+          <a:p>
+            <a:endParaRPr lang="en-US" dirty="0"/>
+          </a:p>
+        </p:txBody>
+      </p:sp>
+      <p:sp>
+        <p:nvSpPr>
+          <p:cNvPr id="4" name="Date Placeholder 3"/>
+          <p:cNvSpPr>
+            <a:spLocks noGrp="1"/>
+          </p:cNvSpPr>
+          <p:nvPr>
+            <p:ph type="dt" sz="half" idx="10"/>
+          </p:nvPr>
+        </p:nvSpPr>
+        <p:spPr/>
+        <p:txBody>
+          <a:bodyPr/>
+          <a:lstStyle/>
+          <a:p>
+            <a:r>
+              <a:rPr lang="de-DE" smtClean="0"/>
+              <a:t>HeuristicLab Tutorial</a:t>
+            </a:r>
+            <a:endParaRPr lang="de-DE"/>
+          </a:p>
+        </p:txBody>
+      </p:sp>
+      <p:sp>
+        <p:nvSpPr>
+          <p:cNvPr id="5" name="Footer Placeholder 4"/>
+          <p:cNvSpPr>
+            <a:spLocks noGrp="1"/>
+          </p:cNvSpPr>
+          <p:nvPr>
+            <p:ph type="ftr" sz="quarter" idx="11"/>
+          </p:nvPr>
+        </p:nvSpPr>
+        <p:spPr/>
+        <p:txBody>
+          <a:bodyPr/>
+          <a:lstStyle/>
+          <a:p>
+            <a:r>
+              <a:rPr lang="de-DE" smtClean="0"/>
+              <a:t>http://dev.heuristiclab.com</a:t>
+            </a:r>
+            <a:endParaRPr lang="de-DE"/>
+          </a:p>
+        </p:txBody>
+      </p:sp>
+      <p:sp>
+        <p:nvSpPr>
+          <p:cNvPr id="6" name="Slide Number Placeholder 5"/>
+          <p:cNvSpPr>
+            <a:spLocks noGrp="1"/>
+          </p:cNvSpPr>
+          <p:nvPr>
+            <p:ph type="sldNum" sz="quarter" idx="12"/>
+          </p:nvPr>
+        </p:nvSpPr>
+        <p:spPr/>
+        <p:txBody>
+          <a:bodyPr/>
+          <a:lstStyle/>
+          <a:p>
+            <a:fld id="{6C6AE60A-B69C-4790-82F7-3882EDF23186}" type="slidenum">
+              <a:rPr lang="de-DE" smtClean="0"/>
+              <a:pPr/>
+              <a:t>67</a:t>
+            </a:fld>
+            <a:endParaRPr lang="de-DE"/>
+          </a:p>
+        </p:txBody>
+      </p:sp>
+      <p:sp>
+        <p:nvSpPr>
+          <p:cNvPr id="8" name="Abgerundetes Rechteck 7"/>
+          <p:cNvSpPr/>
+          <p:nvPr/>
+        </p:nvSpPr>
+        <p:spPr>
+          <a:xfrm>
+            <a:off x="4149067" y="4589635"/>
+            <a:ext cx="1723096" cy="399181"/>
+          </a:xfrm>
+          <a:prstGeom prst="roundRect">
+            <a:avLst>
+              <a:gd name="adj" fmla="val 3967"/>
+            </a:avLst>
+          </a:prstGeom>
+          <a:noFill/>
+          <a:ln w="50800">
+            <a:solidFill>
+              <a:srgbClr val="FF0000"/>
+            </a:solidFill>
+          </a:ln>
+        </p:spPr>
+        <p:style>
+          <a:lnRef idx="2">
+            <a:schemeClr val="accent1">
+              <a:shade val="50000"/>
+            </a:schemeClr>
+          </a:lnRef>
+          <a:fillRef idx="1">
+            <a:schemeClr val="accent1"/>
+          </a:fillRef>
+          <a:effectRef idx="0">
+            <a:schemeClr val="accent1"/>
+          </a:effectRef>
+          <a:fontRef idx="minor">
+            <a:schemeClr val="lt1"/>
+          </a:fontRef>
+        </p:style>
+        <p:txBody>
+          <a:bodyPr rtlCol="0" anchor="ctr"/>
+          <a:lstStyle/>
+          <a:p>
+            <a:pPr algn="ctr"/>
+            <a:endParaRPr lang="en-US" sz="2400" b="1" dirty="0">
+              <a:solidFill>
+                <a:srgbClr val="FF0000"/>
+              </a:solidFill>
+            </a:endParaRPr>
+          </a:p>
+        </p:txBody>
+      </p:sp>
+      <p:sp>
+        <p:nvSpPr>
+          <p:cNvPr id="11" name="Abgerundetes Rechteck 7"/>
+          <p:cNvSpPr/>
+          <p:nvPr/>
+        </p:nvSpPr>
+        <p:spPr>
+          <a:xfrm>
+            <a:off x="4149067" y="4074477"/>
+            <a:ext cx="1723096" cy="226061"/>
+          </a:xfrm>
+          <a:prstGeom prst="roundRect">
+            <a:avLst>
+              <a:gd name="adj" fmla="val 3967"/>
+            </a:avLst>
+          </a:prstGeom>
+          <a:noFill/>
+          <a:ln w="50800">
+            <a:solidFill>
+              <a:srgbClr val="FF0000"/>
+            </a:solidFill>
+          </a:ln>
+        </p:spPr>
+        <p:style>
+          <a:lnRef idx="2">
+            <a:schemeClr val="accent1">
+              <a:shade val="50000"/>
+            </a:schemeClr>
+          </a:lnRef>
+          <a:fillRef idx="1">
+            <a:schemeClr val="accent1"/>
+          </a:fillRef>
+          <a:effectRef idx="0">
+            <a:schemeClr val="accent1"/>
+          </a:effectRef>
+          <a:fontRef idx="minor">
+            <a:schemeClr val="lt1"/>
+          </a:fontRef>
+        </p:style>
+        <p:txBody>
+          <a:bodyPr rtlCol="0" anchor="ctr"/>
+          <a:lstStyle/>
+          <a:p>
+            <a:pPr algn="ctr"/>
+            <a:endParaRPr lang="en-US" sz="2400" b="1" dirty="0">
+              <a:solidFill>
+                <a:srgbClr val="FF0000"/>
+              </a:solidFill>
+            </a:endParaRPr>
+          </a:p>
+        </p:txBody>
+      </p:sp>
+    </p:spTree>
+    <p:extLst>
+      <p:ext uri="{BB962C8B-B14F-4D97-AF65-F5344CB8AC3E}">
+        <p14:creationId xmlns:p14="http://schemas.microsoft.com/office/powerpoint/2010/main" val="2121626344"/>
+      </p:ext>
+    </p:extLst>
+  </p:cSld>
+  <p:clrMapOvr>
+    <a:masterClrMapping/>
+  </p:clrMapOvr>
+  <p:timing>
+    <p:tnLst>
+      <p:par>
+        <p:cTn id="1" dur="indefinite" restart="never" nodeType="tmRoot"/>
+      </p:par>
+    </p:tnLst>
+  </p:timing>
+</p:sld>
+</file>
+
+<file path=ppt/slides/slide68.xml><?xml version="1.0" encoding="utf-8"?>
+<p:sld xmlns:a="http://schemas.openxmlformats.org/drawingml/2006/main" xmlns:r="http://schemas.openxmlformats.org/officeDocument/2006/relationships" xmlns:p="http://schemas.openxmlformats.org/presentationml/2006/main">
+  <p:cSld>
+    <p:spTree>
+      <p:nvGrpSpPr>
+        <p:cNvPr id="1" name=""/>
+        <p:cNvGrpSpPr/>
+        <p:nvPr/>
+      </p:nvGrpSpPr>
+      <p:grpSpPr>
+        <a:xfrm>
+          <a:off x="0" y="0"/>
+          <a:ext cx="0" cy="0"/>
+          <a:chOff x="0" y="0"/>
+          <a:chExt cx="0" cy="0"/>
+        </a:xfrm>
+      </p:grpSpPr>
+      <p:sp>
+        <p:nvSpPr>
+          <p:cNvPr id="2" name="Title 1"/>
+          <p:cNvSpPr>
+            <a:spLocks noGrp="1"/>
+          </p:cNvSpPr>
+          <p:nvPr>
+            <p:ph type="title"/>
+          </p:nvPr>
+        </p:nvSpPr>
+        <p:spPr/>
+        <p:txBody>
+          <a:bodyPr/>
+          <a:lstStyle/>
+          <a:p>
+            <a:r>
+              <a:rPr lang="de-DE" dirty="0"/>
+              <a:t>Parameter </a:t>
+            </a:r>
+            <a:r>
+              <a:rPr lang="de-DE" dirty="0" err="1"/>
+              <a:t>Optimization</a:t>
+            </a:r>
+            <a:endParaRPr lang="en-US" dirty="0"/>
+          </a:p>
+        </p:txBody>
+      </p:sp>
+      <p:sp>
+        <p:nvSpPr>
+          <p:cNvPr id="3" name="Content Placeholder 2"/>
+          <p:cNvSpPr>
+            <a:spLocks noGrp="1"/>
+          </p:cNvSpPr>
+          <p:nvPr>
+            <p:ph idx="1"/>
+          </p:nvPr>
+        </p:nvSpPr>
+        <p:spPr/>
+        <p:txBody>
+          <a:bodyPr/>
+          <a:lstStyle/>
+          <a:p>
+            <a:r>
+              <a:rPr lang="en-US" dirty="0" smtClean="0"/>
+              <a:t>Create CMA-ES</a:t>
+            </a:r>
+          </a:p>
+          <a:p>
+            <a:r>
+              <a:rPr lang="en-US" dirty="0" smtClean="0"/>
+              <a:t>Drop problem </a:t>
+            </a:r>
+            <a:br>
+              <a:rPr lang="en-US" dirty="0" smtClean="0"/>
+            </a:br>
+            <a:r>
+              <a:rPr lang="en-US" dirty="0" smtClean="0"/>
+              <a:t>on algorithm</a:t>
+            </a:r>
+          </a:p>
+        </p:txBody>
+      </p:sp>
+      <p:sp>
+        <p:nvSpPr>
+          <p:cNvPr id="4" name="Date Placeholder 3"/>
+          <p:cNvSpPr>
+            <a:spLocks noGrp="1"/>
+          </p:cNvSpPr>
+          <p:nvPr>
+            <p:ph type="dt" sz="half" idx="10"/>
+          </p:nvPr>
+        </p:nvSpPr>
+        <p:spPr/>
+        <p:txBody>
+          <a:bodyPr/>
+          <a:lstStyle/>
+          <a:p>
+            <a:r>
+              <a:rPr lang="de-DE" dirty="0" smtClean="0"/>
+              <a:t>HeuristicLab Tutorial</a:t>
+            </a:r>
+            <a:endParaRPr lang="de-DE" dirty="0"/>
+          </a:p>
+        </p:txBody>
+      </p:sp>
+      <p:sp>
+        <p:nvSpPr>
+          <p:cNvPr id="5" name="Footer Placeholder 4"/>
+          <p:cNvSpPr>
+            <a:spLocks noGrp="1"/>
+          </p:cNvSpPr>
+          <p:nvPr>
+            <p:ph type="ftr" sz="quarter" idx="11"/>
+          </p:nvPr>
+        </p:nvSpPr>
+        <p:spPr/>
+        <p:txBody>
+          <a:bodyPr/>
+          <a:lstStyle/>
+          <a:p>
+            <a:r>
+              <a:rPr lang="de-DE" smtClean="0"/>
+              <a:t>http://dev.heuristiclab.com</a:t>
+            </a:r>
+            <a:endParaRPr lang="de-DE"/>
+          </a:p>
+        </p:txBody>
+      </p:sp>
+      <p:sp>
+        <p:nvSpPr>
+          <p:cNvPr id="6" name="Slide Number Placeholder 5"/>
+          <p:cNvSpPr>
+            <a:spLocks noGrp="1"/>
+          </p:cNvSpPr>
+          <p:nvPr>
+            <p:ph type="sldNum" sz="quarter" idx="12"/>
+          </p:nvPr>
+        </p:nvSpPr>
+        <p:spPr/>
+        <p:txBody>
+          <a:bodyPr/>
+          <a:lstStyle/>
+          <a:p>
+            <a:fld id="{6C6AE60A-B69C-4790-82F7-3882EDF23186}" type="slidenum">
+              <a:rPr lang="de-DE" smtClean="0"/>
+              <a:pPr/>
+              <a:t>68</a:t>
+            </a:fld>
+            <a:endParaRPr lang="de-DE"/>
+          </a:p>
+        </p:txBody>
+      </p:sp>
+      <p:pic>
+        <p:nvPicPr>
+          <p:cNvPr id="7" name="Picture 6"/>
+          <p:cNvPicPr>
+            <a:picLocks noChangeAspect="1"/>
+          </p:cNvPicPr>
+          <p:nvPr/>
+        </p:nvPicPr>
+        <p:blipFill>
+          <a:blip r:embed="rId2"/>
+          <a:stretch>
+            <a:fillRect/>
+          </a:stretch>
+        </p:blipFill>
+        <p:spPr>
+          <a:xfrm>
+            <a:off x="3692729" y="1625667"/>
+            <a:ext cx="5127743" cy="4500496"/>
+          </a:xfrm>
+          <a:prstGeom prst="rect">
+            <a:avLst/>
+          </a:prstGeom>
+          <a:ln>
+            <a:noFill/>
+          </a:ln>
+          <a:effectLst>
+            <a:outerShdw blurRad="292100" dist="139700" dir="2700000" algn="tl" rotWithShape="0">
+              <a:srgbClr val="333333">
+                <a:alpha val="65000"/>
+              </a:srgbClr>
+            </a:outerShdw>
+          </a:effectLst>
+        </p:spPr>
+      </p:pic>
+    </p:spTree>
+    <p:extLst>
+      <p:ext uri="{BB962C8B-B14F-4D97-AF65-F5344CB8AC3E}">
+        <p14:creationId xmlns:p14="http://schemas.microsoft.com/office/powerpoint/2010/main" val="1069188881"/>
+      </p:ext>
+    </p:extLst>
+  </p:cSld>
+  <p:clrMapOvr>
+    <a:masterClrMapping/>
+  </p:clrMapOvr>
+  <p:timing>
+    <p:tnLst>
+      <p:par>
+        <p:cTn id="1" dur="indefinite" restart="never" nodeType="tmRoot"/>
+      </p:par>
+    </p:tnLst>
+  </p:timing>
+</p:sld>
+</file>
+
+<file path=ppt/slides/slide69.xml><?xml version="1.0" encoding="utf-8"?>
+<p:sld xmlns:a="http://schemas.openxmlformats.org/drawingml/2006/main" xmlns:r="http://schemas.openxmlformats.org/officeDocument/2006/relationships" xmlns:p="http://schemas.openxmlformats.org/presentationml/2006/main">
+  <p:cSld>
+    <p:spTree>
+      <p:nvGrpSpPr>
+        <p:cNvPr id="1" name=""/>
+        <p:cNvGrpSpPr/>
+        <p:nvPr/>
+      </p:nvGrpSpPr>
+      <p:grpSpPr>
+        <a:xfrm>
+          <a:off x="0" y="0"/>
+          <a:ext cx="0" cy="0"/>
+          <a:chOff x="0" y="0"/>
+          <a:chExt cx="0" cy="0"/>
+        </a:xfrm>
+      </p:grpSpPr>
+      <p:sp>
+        <p:nvSpPr>
+          <p:cNvPr id="2" name="Title 1"/>
+          <p:cNvSpPr>
+            <a:spLocks noGrp="1"/>
+          </p:cNvSpPr>
+          <p:nvPr>
+            <p:ph type="title"/>
+          </p:nvPr>
+        </p:nvSpPr>
+        <p:spPr/>
+        <p:txBody>
+          <a:bodyPr/>
+          <a:lstStyle/>
+          <a:p>
+            <a:r>
+              <a:rPr lang="de-DE" dirty="0"/>
+              <a:t>Parameter </a:t>
+            </a:r>
+            <a:r>
+              <a:rPr lang="de-DE" dirty="0" err="1"/>
+              <a:t>Optimization</a:t>
+            </a:r>
+            <a:endParaRPr lang="en-US" dirty="0"/>
+          </a:p>
+        </p:txBody>
+      </p:sp>
+      <p:sp>
+        <p:nvSpPr>
+          <p:cNvPr id="3" name="Content Placeholder 2"/>
+          <p:cNvSpPr>
+            <a:spLocks noGrp="1"/>
+          </p:cNvSpPr>
+          <p:nvPr>
+            <p:ph idx="1"/>
+          </p:nvPr>
+        </p:nvSpPr>
+        <p:spPr/>
+        <p:txBody>
+          <a:bodyPr/>
+          <a:lstStyle/>
+          <a:p>
+            <a:r>
+              <a:rPr lang="en-US" dirty="0"/>
+              <a:t>Configure algorithm</a:t>
+            </a:r>
+          </a:p>
+          <a:p>
+            <a:pPr lvl="1"/>
+            <a:r>
+              <a:rPr lang="en-US" dirty="0"/>
+              <a:t>Initial Sigma 1.0</a:t>
+            </a:r>
+          </a:p>
+          <a:p>
+            <a:pPr lvl="1"/>
+            <a:r>
+              <a:rPr lang="en-US" dirty="0"/>
+              <a:t>Maximum Generations </a:t>
+            </a:r>
+            <a:r>
+              <a:rPr lang="en-US" dirty="0" smtClean="0"/>
+              <a:t>50</a:t>
+            </a:r>
+          </a:p>
+          <a:p>
+            <a:r>
+              <a:rPr lang="en-US" dirty="0" smtClean="0"/>
+              <a:t>Enable </a:t>
+            </a:r>
+            <a:r>
+              <a:rPr lang="en-US" dirty="0" err="1" smtClean="0"/>
+              <a:t>CMAAnalzer</a:t>
+            </a:r>
+            <a:endParaRPr lang="en-US" dirty="0"/>
+          </a:p>
+          <a:p>
+            <a:endParaRPr lang="en-US" dirty="0"/>
+          </a:p>
+        </p:txBody>
+      </p:sp>
+      <p:sp>
+        <p:nvSpPr>
+          <p:cNvPr id="4" name="Date Placeholder 3"/>
+          <p:cNvSpPr>
+            <a:spLocks noGrp="1"/>
+          </p:cNvSpPr>
+          <p:nvPr>
+            <p:ph type="dt" sz="half" idx="10"/>
+          </p:nvPr>
+        </p:nvSpPr>
+        <p:spPr/>
+        <p:txBody>
+          <a:bodyPr/>
+          <a:lstStyle/>
+          <a:p>
+            <a:r>
+              <a:rPr lang="de-DE" smtClean="0"/>
+              <a:t>HeuristicLab Tutorial</a:t>
+            </a:r>
+            <a:endParaRPr lang="de-DE"/>
+          </a:p>
+        </p:txBody>
+      </p:sp>
+      <p:sp>
+        <p:nvSpPr>
+          <p:cNvPr id="5" name="Footer Placeholder 4"/>
+          <p:cNvSpPr>
+            <a:spLocks noGrp="1"/>
+          </p:cNvSpPr>
+          <p:nvPr>
+            <p:ph type="ftr" sz="quarter" idx="11"/>
+          </p:nvPr>
+        </p:nvSpPr>
+        <p:spPr/>
+        <p:txBody>
+          <a:bodyPr/>
+          <a:lstStyle/>
+          <a:p>
+            <a:r>
+              <a:rPr lang="de-DE" smtClean="0"/>
+              <a:t>http://dev.heuristiclab.com</a:t>
+            </a:r>
+            <a:endParaRPr lang="de-DE"/>
+          </a:p>
+        </p:txBody>
+      </p:sp>
+      <p:sp>
+        <p:nvSpPr>
+          <p:cNvPr id="6" name="Slide Number Placeholder 5"/>
+          <p:cNvSpPr>
+            <a:spLocks noGrp="1"/>
+          </p:cNvSpPr>
+          <p:nvPr>
+            <p:ph type="sldNum" sz="quarter" idx="12"/>
+          </p:nvPr>
+        </p:nvSpPr>
+        <p:spPr/>
+        <p:txBody>
+          <a:bodyPr/>
+          <a:lstStyle/>
+          <a:p>
+            <a:fld id="{6C6AE60A-B69C-4790-82F7-3882EDF23186}" type="slidenum">
+              <a:rPr lang="de-DE" smtClean="0"/>
+              <a:pPr/>
+              <a:t>69</a:t>
+            </a:fld>
+            <a:endParaRPr lang="de-DE"/>
+          </a:p>
+        </p:txBody>
+      </p:sp>
+      <p:pic>
+        <p:nvPicPr>
+          <p:cNvPr id="7" name="Picture 6"/>
+          <p:cNvPicPr>
+            <a:picLocks noChangeAspect="1"/>
+          </p:cNvPicPr>
+          <p:nvPr/>
+        </p:nvPicPr>
+        <p:blipFill rotWithShape="1">
+          <a:blip r:embed="rId2"/>
+          <a:srcRect l="1162"/>
+          <a:stretch/>
+        </p:blipFill>
+        <p:spPr>
+          <a:xfrm>
+            <a:off x="5476050" y="1916832"/>
+            <a:ext cx="3210750" cy="3724795"/>
+          </a:xfrm>
+          <a:prstGeom prst="rect">
+            <a:avLst/>
+          </a:prstGeom>
+          <a:ln>
+            <a:noFill/>
+          </a:ln>
+          <a:effectLst>
+            <a:outerShdw blurRad="292100" dist="139700" dir="2700000" algn="tl" rotWithShape="0">
+              <a:srgbClr val="333333">
+                <a:alpha val="65000"/>
+              </a:srgbClr>
+            </a:outerShdw>
+          </a:effectLst>
+        </p:spPr>
+      </p:pic>
+    </p:spTree>
+    <p:extLst>
+      <p:ext uri="{BB962C8B-B14F-4D97-AF65-F5344CB8AC3E}">
+        <p14:creationId xmlns:p14="http://schemas.microsoft.com/office/powerpoint/2010/main" val="2341544693"/>
+      </p:ext>
+    </p:extLst>
+  </p:cSld>
+  <p:clrMapOvr>
+    <a:masterClrMapping/>
+  </p:clrMapOvr>
+  <p:timing>
+    <p:tnLst>
+      <p:par>
+        <p:cTn id="1" dur="indefinite" restart="never" nodeType="tmRoot"/>
+      </p:par>
+    </p:tnLst>
+  </p:timing>
+</p:sld>
+</file>
+
+<file path=ppt/slides/slide7.xml><?xml version="1.0" encoding="utf-8"?>
+<p:sld xmlns:a="http://schemas.openxmlformats.org/drawingml/2006/main" xmlns:r="http://schemas.openxmlformats.org/officeDocument/2006/relationships" xmlns:p="http://schemas.openxmlformats.org/presentationml/2006/main">
+  <p:cSld>
+    <p:spTree>
+      <p:nvGrpSpPr>
+        <p:cNvPr id="1" name=""/>
+        <p:cNvGrpSpPr/>
+        <p:nvPr/>
+      </p:nvGrpSpPr>
+      <p:grpSpPr>
+        <a:xfrm>
+          <a:off x="0" y="0"/>
+          <a:ext cx="0" cy="0"/>
+          <a:chOff x="0" y="0"/>
+          <a:chExt cx="0" cy="0"/>
+        </a:xfrm>
+      </p:grpSpPr>
+      <p:pic>
+        <p:nvPicPr>
+          <p:cNvPr id="9" name="Picture 2"/>
+          <p:cNvPicPr>
+            <a:picLocks noChangeAspect="1" noChangeArrowheads="1"/>
+          </p:cNvPicPr>
+          <p:nvPr/>
+        </p:nvPicPr>
+        <p:blipFill>
+          <a:blip r:embed="rId2" cstate="print">
+            <a:extLst>
+              <a:ext uri="{28A0092B-C50C-407E-A947-70E740481C1C}">
+                <a14:useLocalDpi xmlns:a14="http://schemas.microsoft.com/office/drawing/2010/main" val="0"/>
+              </a:ext>
+            </a:extLst>
+          </a:blip>
+          <a:srcRect/>
+          <a:stretch>
+            <a:fillRect/>
+          </a:stretch>
+        </p:blipFill>
+        <p:spPr bwMode="auto">
+          <a:xfrm>
+            <a:off x="5106555" y="1628800"/>
+            <a:ext cx="3785925" cy="4464495"/>
+          </a:xfrm>
+          <a:prstGeom prst="rect">
+            <a:avLst/>
+          </a:prstGeom>
+          <a:noFill/>
+          <a:ln w="9525">
+            <a:noFill/>
+            <a:miter lim="800000"/>
+            <a:headEnd/>
+            <a:tailEnd/>
+          </a:ln>
+          <a:effectLst>
+            <a:outerShdw blurRad="292100" dist="139700" dir="2700000" algn="tl" rotWithShape="0">
+              <a:prstClr val="black">
+                <a:alpha val="65000"/>
+              </a:prstClr>
+            </a:outerShdw>
+          </a:effectLst>
+          <a:extLst>
+            <a:ext uri="{909E8E84-426E-40DD-AFC4-6F175D3DCCD1}">
+              <a14:hiddenFill xmlns:a14="http://schemas.microsoft.com/office/drawing/2010/main">
+                <a:solidFill>
+                  <a:schemeClr val="accent1"/>
+                </a:solidFill>
+              </a14:hiddenFill>
+            </a:ext>
+          </a:extLst>
+        </p:spPr>
+      </p:pic>
+      <p:sp>
+        <p:nvSpPr>
+          <p:cNvPr id="2" name="Titel 1"/>
+          <p:cNvSpPr>
+            <a:spLocks noGrp="1"/>
+          </p:cNvSpPr>
+          <p:nvPr>
+            <p:ph type="title"/>
+          </p:nvPr>
+        </p:nvSpPr>
+        <p:spPr/>
+        <p:txBody>
+          <a:bodyPr/>
+          <a:lstStyle/>
+          <a:p>
+            <a:r>
+              <a:rPr lang="en-US" smtClean="0"/>
+              <a:t>Where to get HeuristicLab?</a:t>
+            </a:r>
+            <a:endParaRPr lang="en-US"/>
+          </a:p>
+        </p:txBody>
+      </p:sp>
+      <p:sp>
+        <p:nvSpPr>
+          <p:cNvPr id="3" name="Inhaltsplatzhalter 2"/>
+          <p:cNvSpPr>
+            <a:spLocks noGrp="1"/>
+          </p:cNvSpPr>
+          <p:nvPr>
+            <p:ph idx="1"/>
+          </p:nvPr>
+        </p:nvSpPr>
+        <p:spPr>
+          <a:xfrm>
+            <a:off x="457200" y="1600201"/>
+            <a:ext cx="4834880" cy="4565103"/>
+          </a:xfrm>
+        </p:spPr>
+        <p:txBody>
+          <a:bodyPr>
+            <a:normAutofit fontScale="55000" lnSpcReduction="20000"/>
+          </a:bodyPr>
+          <a:lstStyle/>
+          <a:p>
+            <a:r>
+              <a:rPr lang="en-US" dirty="0" smtClean="0"/>
+              <a:t>Download binaries</a:t>
+            </a:r>
+          </a:p>
+          <a:p>
+            <a:pPr lvl="1"/>
+            <a:r>
+              <a:rPr lang="en-US" dirty="0" smtClean="0"/>
+              <a:t>deployed as ZIP archives</a:t>
+            </a:r>
+          </a:p>
+          <a:p>
+            <a:pPr lvl="1"/>
+            <a:r>
+              <a:rPr lang="en-US" dirty="0" smtClean="0"/>
+              <a:t>latest stable version 3.3.10 "Vancouver"</a:t>
+            </a:r>
+          </a:p>
+          <a:p>
+            <a:pPr lvl="2"/>
+            <a:r>
+              <a:rPr lang="en-US" dirty="0" smtClean="0"/>
+              <a:t>released on July 10th, 2014</a:t>
+            </a:r>
+          </a:p>
+          <a:p>
+            <a:pPr lvl="1"/>
+            <a:r>
+              <a:rPr lang="en-US" dirty="0" smtClean="0"/>
+              <a:t>daily trunk builds</a:t>
+            </a:r>
+          </a:p>
+          <a:p>
+            <a:pPr lvl="1"/>
+            <a:r>
+              <a:rPr lang="en-US" dirty="0" smtClean="0">
+                <a:hlinkClick r:id="rId3"/>
+              </a:rPr>
+              <a:t>http://dev.heuristiclab.com/download</a:t>
+            </a:r>
+            <a:endParaRPr lang="en-US" dirty="0" smtClean="0"/>
+          </a:p>
+          <a:p>
+            <a:pPr lvl="3"/>
+            <a:endParaRPr lang="en-US" dirty="0" smtClean="0"/>
+          </a:p>
+          <a:p>
+            <a:r>
+              <a:rPr lang="en-US" dirty="0" smtClean="0"/>
+              <a:t>Check out sources</a:t>
+            </a:r>
+          </a:p>
+          <a:p>
+            <a:pPr lvl="1"/>
+            <a:r>
+              <a:rPr lang="en-US" dirty="0" smtClean="0"/>
+              <a:t>SVN repository</a:t>
+            </a:r>
+          </a:p>
+          <a:p>
+            <a:pPr lvl="1"/>
+            <a:r>
+              <a:rPr lang="en-US" dirty="0" smtClean="0"/>
+              <a:t>HeuristicLab 3.3.10 tag</a:t>
+            </a:r>
+          </a:p>
+          <a:p>
+            <a:pPr lvl="2"/>
+            <a:r>
+              <a:rPr lang="en-US" dirty="0" smtClean="0">
+                <a:hlinkClick r:id="rId4"/>
+              </a:rPr>
+              <a:t>http://svn.heuristiclab.com/svn/core/tags/3.3.10</a:t>
+            </a:r>
+            <a:endParaRPr lang="en-US" dirty="0" smtClean="0"/>
+          </a:p>
+          <a:p>
+            <a:pPr lvl="1"/>
+            <a:r>
+              <a:rPr lang="en-US" dirty="0" smtClean="0"/>
+              <a:t>Stable development version</a:t>
+            </a:r>
+          </a:p>
+          <a:p>
+            <a:pPr lvl="2"/>
+            <a:r>
+              <a:rPr lang="en-US" dirty="0" smtClean="0">
+                <a:hlinkClick r:id="rId5"/>
+              </a:rPr>
+              <a:t>http://svn.heuristiclab.com/svn/core/stable</a:t>
+            </a:r>
+            <a:endParaRPr lang="en-US" dirty="0" smtClean="0"/>
+          </a:p>
+          <a:p>
+            <a:pPr lvl="3"/>
+            <a:endParaRPr lang="en-US" dirty="0" smtClean="0"/>
+          </a:p>
+          <a:p>
+            <a:r>
+              <a:rPr lang="en-US" dirty="0" smtClean="0"/>
+              <a:t>License</a:t>
+            </a:r>
+          </a:p>
+          <a:p>
+            <a:pPr lvl="1"/>
+            <a:r>
+              <a:rPr lang="en-US" dirty="0" smtClean="0"/>
+              <a:t>GNU General Public License (Version 3)</a:t>
+            </a:r>
+          </a:p>
+          <a:p>
+            <a:pPr lvl="3"/>
+            <a:endParaRPr lang="en-US" dirty="0" smtClean="0"/>
+          </a:p>
+          <a:p>
+            <a:r>
+              <a:rPr lang="en-US" dirty="0" smtClean="0"/>
+              <a:t>System requirements</a:t>
+            </a:r>
+          </a:p>
+          <a:p>
+            <a:pPr lvl="1"/>
+            <a:r>
+              <a:rPr lang="en-US" dirty="0" smtClean="0"/>
+              <a:t>Microsoft .NET Framework 4.0 Full Version</a:t>
+            </a:r>
+          </a:p>
+          <a:p>
+            <a:pPr lvl="1"/>
+            <a:r>
+              <a:rPr lang="en-US" dirty="0" smtClean="0"/>
+              <a:t>enough RAM and CPU power ;-)</a:t>
+            </a:r>
+            <a:endParaRPr lang="en-US" dirty="0"/>
+          </a:p>
+        </p:txBody>
+      </p:sp>
+      <p:sp>
+        <p:nvSpPr>
+          <p:cNvPr id="4" name="Datumsplatzhalter 3"/>
+          <p:cNvSpPr>
+            <a:spLocks noGrp="1"/>
+          </p:cNvSpPr>
+          <p:nvPr>
+            <p:ph type="dt" sz="half" idx="10"/>
+          </p:nvPr>
+        </p:nvSpPr>
+        <p:spPr/>
+        <p:txBody>
+          <a:bodyPr/>
+          <a:lstStyle/>
+          <a:p>
+            <a:r>
+              <a:rPr lang="de-DE" smtClean="0"/>
+              <a:t>HeuristicLab Tutorial</a:t>
+            </a:r>
+            <a:endParaRPr lang="en-US"/>
+          </a:p>
+        </p:txBody>
+      </p:sp>
+      <p:sp>
+        <p:nvSpPr>
+          <p:cNvPr id="5" name="Fußzeilenplatzhalter 4"/>
+          <p:cNvSpPr>
+            <a:spLocks noGrp="1"/>
+          </p:cNvSpPr>
+          <p:nvPr>
+            <p:ph type="ftr" sz="quarter" idx="11"/>
+          </p:nvPr>
+        </p:nvSpPr>
+        <p:spPr/>
+        <p:txBody>
+          <a:bodyPr/>
+          <a:lstStyle/>
+          <a:p>
+            <a:r>
+              <a:rPr lang="en-US" smtClean="0"/>
+              <a:t>http://dev.heuristiclab.com</a:t>
+            </a:r>
+            <a:endParaRPr lang="en-US"/>
+          </a:p>
+        </p:txBody>
+      </p:sp>
+      <p:sp>
+        <p:nvSpPr>
+          <p:cNvPr id="6" name="Foliennummernplatzhalter 5"/>
+          <p:cNvSpPr>
+            <a:spLocks noGrp="1"/>
+          </p:cNvSpPr>
+          <p:nvPr>
+            <p:ph type="sldNum" sz="quarter" idx="12"/>
+          </p:nvPr>
+        </p:nvSpPr>
+        <p:spPr/>
+        <p:txBody>
+          <a:bodyPr/>
+          <a:lstStyle/>
+          <a:p>
+            <a:fld id="{6C6AE60A-B69C-4790-82F7-3882EDF23186}" type="slidenum">
+              <a:rPr lang="en-US" smtClean="0"/>
+              <a:pPr/>
+              <a:t>7</a:t>
+            </a:fld>
+            <a:endParaRPr lang="en-US"/>
+          </a:p>
+        </p:txBody>
+      </p:sp>
+    </p:spTree>
+  </p:cSld>
+  <p:clrMapOvr>
+    <a:masterClrMapping/>
+  </p:clrMapOvr>
+  <p:transition/>
+  <p:timing>
+    <p:tnLst>
+      <p:par>
+        <p:cTn id="1" dur="indefinite" restart="never" nodeType="tmRoot"/>
+      </p:par>
+    </p:tnLst>
+  </p:timing>
+</p:sld>
+</file>
+
+<file path=ppt/slides/slide70.xml><?xml version="1.0" encoding="utf-8"?>
+<p:sld xmlns:a="http://schemas.openxmlformats.org/drawingml/2006/main" xmlns:r="http://schemas.openxmlformats.org/officeDocument/2006/relationships" xmlns:p="http://schemas.openxmlformats.org/presentationml/2006/main">
+  <p:cSld>
+    <p:spTree>
+      <p:nvGrpSpPr>
+        <p:cNvPr id="1" name=""/>
+        <p:cNvGrpSpPr/>
+        <p:nvPr/>
+      </p:nvGrpSpPr>
+      <p:grpSpPr>
+        <a:xfrm>
+          <a:off x="0" y="0"/>
+          <a:ext cx="0" cy="0"/>
+          <a:chOff x="0" y="0"/>
+          <a:chExt cx="0" cy="0"/>
+        </a:xfrm>
+      </p:grpSpPr>
+      <p:sp>
+        <p:nvSpPr>
+          <p:cNvPr id="2" name="Title 1"/>
+          <p:cNvSpPr>
+            <a:spLocks noGrp="1"/>
+          </p:cNvSpPr>
+          <p:nvPr>
+            <p:ph type="title"/>
+          </p:nvPr>
+        </p:nvSpPr>
+        <p:spPr/>
+        <p:txBody>
+          <a:bodyPr/>
+          <a:lstStyle/>
+          <a:p>
+            <a:r>
+              <a:rPr lang="de-DE" dirty="0"/>
+              <a:t>Parameter </a:t>
+            </a:r>
+            <a:r>
+              <a:rPr lang="de-DE" dirty="0" err="1"/>
+              <a:t>Optimization</a:t>
+            </a:r>
+            <a:endParaRPr lang="en-US" dirty="0"/>
+          </a:p>
+        </p:txBody>
+      </p:sp>
+      <p:sp>
+        <p:nvSpPr>
+          <p:cNvPr id="3" name="Content Placeholder 2"/>
+          <p:cNvSpPr>
+            <a:spLocks noGrp="1"/>
+          </p:cNvSpPr>
+          <p:nvPr>
+            <p:ph idx="1"/>
+          </p:nvPr>
+        </p:nvSpPr>
+        <p:spPr/>
+        <p:txBody>
+          <a:bodyPr/>
+          <a:lstStyle/>
+          <a:p>
+            <a:r>
+              <a:rPr lang="en-US" dirty="0" smtClean="0"/>
+              <a:t>Optimal values (m = 1.5, d1 = 1, FC = 0.5)</a:t>
+            </a:r>
+            <a:endParaRPr lang="en-US" dirty="0"/>
+          </a:p>
+        </p:txBody>
+      </p:sp>
+      <p:sp>
+        <p:nvSpPr>
+          <p:cNvPr id="4" name="Date Placeholder 3"/>
+          <p:cNvSpPr>
+            <a:spLocks noGrp="1"/>
+          </p:cNvSpPr>
+          <p:nvPr>
+            <p:ph type="dt" sz="half" idx="10"/>
+          </p:nvPr>
+        </p:nvSpPr>
+        <p:spPr/>
+        <p:txBody>
+          <a:bodyPr/>
+          <a:lstStyle/>
+          <a:p>
+            <a:r>
+              <a:rPr lang="de-DE" smtClean="0"/>
+              <a:t>HeuristicLab Tutorial</a:t>
+            </a:r>
+            <a:endParaRPr lang="de-DE"/>
+          </a:p>
+        </p:txBody>
+      </p:sp>
+      <p:sp>
+        <p:nvSpPr>
+          <p:cNvPr id="5" name="Footer Placeholder 4"/>
+          <p:cNvSpPr>
+            <a:spLocks noGrp="1"/>
+          </p:cNvSpPr>
+          <p:nvPr>
+            <p:ph type="ftr" sz="quarter" idx="11"/>
+          </p:nvPr>
+        </p:nvSpPr>
+        <p:spPr/>
+        <p:txBody>
+          <a:bodyPr/>
+          <a:lstStyle/>
+          <a:p>
+            <a:r>
+              <a:rPr lang="de-DE" smtClean="0"/>
+              <a:t>http://dev.heuristiclab.com</a:t>
+            </a:r>
+            <a:endParaRPr lang="de-DE"/>
+          </a:p>
+        </p:txBody>
+      </p:sp>
+      <p:sp>
+        <p:nvSpPr>
+          <p:cNvPr id="6" name="Slide Number Placeholder 5"/>
+          <p:cNvSpPr>
+            <a:spLocks noGrp="1"/>
+          </p:cNvSpPr>
+          <p:nvPr>
+            <p:ph type="sldNum" sz="quarter" idx="12"/>
+          </p:nvPr>
+        </p:nvSpPr>
+        <p:spPr/>
+        <p:txBody>
+          <a:bodyPr/>
+          <a:lstStyle/>
+          <a:p>
+            <a:fld id="{6C6AE60A-B69C-4790-82F7-3882EDF23186}" type="slidenum">
+              <a:rPr lang="de-DE" smtClean="0"/>
+              <a:pPr/>
+              <a:t>70</a:t>
+            </a:fld>
+            <a:endParaRPr lang="de-DE"/>
+          </a:p>
+        </p:txBody>
+      </p:sp>
+      <p:pic>
+        <p:nvPicPr>
+          <p:cNvPr id="9" name="Picture 8"/>
+          <p:cNvPicPr>
+            <a:picLocks noChangeAspect="1"/>
+          </p:cNvPicPr>
+          <p:nvPr/>
+        </p:nvPicPr>
+        <p:blipFill>
+          <a:blip r:embed="rId2"/>
+          <a:stretch>
+            <a:fillRect/>
+          </a:stretch>
+        </p:blipFill>
+        <p:spPr>
+          <a:xfrm>
+            <a:off x="1766280" y="2303921"/>
+            <a:ext cx="5611439" cy="3795467"/>
+          </a:xfrm>
+          <a:prstGeom prst="rect">
+            <a:avLst/>
+          </a:prstGeom>
+          <a:ln>
+            <a:noFill/>
+          </a:ln>
+          <a:effectLst>
+            <a:outerShdw blurRad="292100" dist="139700" dir="2700000" algn="tl" rotWithShape="0">
+              <a:srgbClr val="333333">
+                <a:alpha val="65000"/>
+              </a:srgbClr>
+            </a:outerShdw>
+          </a:effectLst>
+        </p:spPr>
+      </p:pic>
+    </p:spTree>
+    <p:extLst>
+      <p:ext uri="{BB962C8B-B14F-4D97-AF65-F5344CB8AC3E}">
+        <p14:creationId xmlns:p14="http://schemas.microsoft.com/office/powerpoint/2010/main" val="2014067011"/>
+      </p:ext>
+    </p:extLst>
+  </p:cSld>
+  <p:clrMapOvr>
+    <a:masterClrMapping/>
+  </p:clrMapOvr>
+  <p:timing>
+    <p:tnLst>
+      <p:par>
+        <p:cTn id="1" dur="indefinite" restart="never" nodeType="tmRoot"/>
+      </p:par>
+    </p:tnLst>
+  </p:timing>
+</p:sld>
+</file>
+
+<file path=ppt/slides/slide71.xml><?xml version="1.0" encoding="utf-8"?>
+<p:sld xmlns:a="http://schemas.openxmlformats.org/drawingml/2006/main" xmlns:r="http://schemas.openxmlformats.org/officeDocument/2006/relationships" xmlns:p="http://schemas.openxmlformats.org/presentationml/2006/main">
+  <p:cSld>
+    <p:spTree>
+      <p:nvGrpSpPr>
+        <p:cNvPr id="1" name=""/>
+        <p:cNvGrpSpPr/>
+        <p:nvPr/>
+      </p:nvGrpSpPr>
+      <p:grpSpPr>
+        <a:xfrm>
+          <a:off x="0" y="0"/>
+          <a:ext cx="0" cy="0"/>
+          <a:chOff x="0" y="0"/>
+          <a:chExt cx="0" cy="0"/>
+        </a:xfrm>
+      </p:grpSpPr>
+      <p:sp>
+        <p:nvSpPr>
+          <p:cNvPr id="2" name="Title 1"/>
+          <p:cNvSpPr>
+            <a:spLocks noGrp="1"/>
+          </p:cNvSpPr>
+          <p:nvPr>
+            <p:ph type="title"/>
+          </p:nvPr>
+        </p:nvSpPr>
+        <p:spPr/>
+        <p:txBody>
+          <a:bodyPr/>
+          <a:lstStyle/>
+          <a:p>
+            <a:r>
+              <a:rPr lang="de-DE" dirty="0"/>
+              <a:t>Parameter </a:t>
+            </a:r>
+            <a:r>
+              <a:rPr lang="de-DE" dirty="0" err="1"/>
+              <a:t>Optimization</a:t>
+            </a:r>
+            <a:endParaRPr lang="en-US" dirty="0"/>
+          </a:p>
+        </p:txBody>
+      </p:sp>
+      <p:sp>
+        <p:nvSpPr>
+          <p:cNvPr id="3" name="Content Placeholder 2"/>
+          <p:cNvSpPr>
+            <a:spLocks noGrp="1"/>
+          </p:cNvSpPr>
+          <p:nvPr>
+            <p:ph idx="1"/>
+          </p:nvPr>
+        </p:nvSpPr>
+        <p:spPr/>
+        <p:txBody>
+          <a:bodyPr/>
+          <a:lstStyle/>
+          <a:p>
+            <a:endParaRPr lang="en-US" dirty="0"/>
+          </a:p>
+        </p:txBody>
+      </p:sp>
+      <p:sp>
+        <p:nvSpPr>
+          <p:cNvPr id="4" name="Date Placeholder 3"/>
+          <p:cNvSpPr>
+            <a:spLocks noGrp="1"/>
+          </p:cNvSpPr>
+          <p:nvPr>
+            <p:ph type="dt" sz="half" idx="10"/>
+          </p:nvPr>
+        </p:nvSpPr>
+        <p:spPr/>
+        <p:txBody>
+          <a:bodyPr/>
+          <a:lstStyle/>
+          <a:p>
+            <a:r>
+              <a:rPr lang="de-DE" smtClean="0"/>
+              <a:t>HeuristicLab Tutorial</a:t>
+            </a:r>
+            <a:endParaRPr lang="de-DE"/>
+          </a:p>
+        </p:txBody>
+      </p:sp>
+      <p:sp>
+        <p:nvSpPr>
+          <p:cNvPr id="5" name="Footer Placeholder 4"/>
+          <p:cNvSpPr>
+            <a:spLocks noGrp="1"/>
+          </p:cNvSpPr>
+          <p:nvPr>
+            <p:ph type="ftr" sz="quarter" idx="11"/>
+          </p:nvPr>
+        </p:nvSpPr>
+        <p:spPr/>
+        <p:txBody>
+          <a:bodyPr/>
+          <a:lstStyle/>
+          <a:p>
+            <a:r>
+              <a:rPr lang="de-DE" smtClean="0"/>
+              <a:t>http://dev.heuristiclab.com</a:t>
+            </a:r>
+            <a:endParaRPr lang="de-DE"/>
+          </a:p>
+        </p:txBody>
+      </p:sp>
+      <p:sp>
+        <p:nvSpPr>
+          <p:cNvPr id="6" name="Slide Number Placeholder 5"/>
+          <p:cNvSpPr>
+            <a:spLocks noGrp="1"/>
+          </p:cNvSpPr>
+          <p:nvPr>
+            <p:ph type="sldNum" sz="quarter" idx="12"/>
+          </p:nvPr>
+        </p:nvSpPr>
+        <p:spPr/>
+        <p:txBody>
+          <a:bodyPr/>
+          <a:lstStyle/>
+          <a:p>
+            <a:fld id="{6C6AE60A-B69C-4790-82F7-3882EDF23186}" type="slidenum">
+              <a:rPr lang="de-DE" smtClean="0"/>
+              <a:pPr/>
+              <a:t>71</a:t>
+            </a:fld>
+            <a:endParaRPr lang="de-DE" dirty="0"/>
+          </a:p>
+        </p:txBody>
+      </p:sp>
+      <p:pic>
+        <p:nvPicPr>
+          <p:cNvPr id="10" name="Picture 9"/>
+          <p:cNvPicPr>
+            <a:picLocks noChangeAspect="1"/>
+          </p:cNvPicPr>
+          <p:nvPr/>
+        </p:nvPicPr>
+        <p:blipFill>
+          <a:blip r:embed="rId2"/>
+          <a:stretch>
+            <a:fillRect/>
+          </a:stretch>
+        </p:blipFill>
+        <p:spPr>
+          <a:xfrm>
+            <a:off x="179512" y="1988840"/>
+            <a:ext cx="4402832" cy="3680179"/>
+          </a:xfrm>
+          <a:prstGeom prst="rect">
+            <a:avLst/>
+          </a:prstGeom>
+        </p:spPr>
+      </p:pic>
+      <p:pic>
+        <p:nvPicPr>
+          <p:cNvPr id="11" name="Picture 10"/>
+          <p:cNvPicPr>
+            <a:picLocks noChangeAspect="1"/>
+          </p:cNvPicPr>
+          <p:nvPr/>
+        </p:nvPicPr>
+        <p:blipFill>
+          <a:blip r:embed="rId3"/>
+          <a:stretch>
+            <a:fillRect/>
+          </a:stretch>
+        </p:blipFill>
+        <p:spPr>
+          <a:xfrm>
+            <a:off x="4569092" y="1988204"/>
+            <a:ext cx="4403593" cy="3680815"/>
+          </a:xfrm>
+          <a:prstGeom prst="rect">
+            <a:avLst/>
+          </a:prstGeom>
+        </p:spPr>
+      </p:pic>
+    </p:spTree>
+    <p:extLst>
+      <p:ext uri="{BB962C8B-B14F-4D97-AF65-F5344CB8AC3E}">
+        <p14:creationId xmlns:p14="http://schemas.microsoft.com/office/powerpoint/2010/main" val="1563642536"/>
+      </p:ext>
+    </p:extLst>
+  </p:cSld>
+  <p:clrMapOvr>
+    <a:masterClrMapping/>
+  </p:clrMapOvr>
+  <p:timing>
+    <p:tnLst>
+      <p:par>
+        <p:cTn id="1" dur="indefinite" restart="never" nodeType="tmRoot"/>
+      </p:par>
+    </p:tnLst>
+  </p:timing>
+</p:sld>
+</file>
+
+<file path=ppt/slides/slide72.xml><?xml version="1.0" encoding="utf-8"?>
+<p:sld xmlns:a="http://schemas.openxmlformats.org/drawingml/2006/main" xmlns:r="http://schemas.openxmlformats.org/officeDocument/2006/relationships" xmlns:p="http://schemas.openxmlformats.org/presentationml/2006/main">
+  <p:cSld>
+    <p:spTree>
+      <p:nvGrpSpPr>
+        <p:cNvPr id="1" name=""/>
+        <p:cNvGrpSpPr/>
+        <p:nvPr/>
+      </p:nvGrpSpPr>
+      <p:grpSpPr>
+        <a:xfrm>
+          <a:off x="0" y="0"/>
+          <a:ext cx="0" cy="0"/>
+          <a:chOff x="0" y="0"/>
+          <a:chExt cx="0" cy="0"/>
+        </a:xfrm>
+      </p:grpSpPr>
       <p:sp>
         <p:nvSpPr>
           <p:cNvPr id="2" name="Title 1"/>
@@ -29456,34 +34650,13 @@
                   </a:schemeClr>
                 </a:solidFill>
               </a:rPr>
-              <a:t>Demonstration Part I: </a:t>
-            </a:r>
-            <a:r>
-              <a:rPr lang="en-US" b="1" dirty="0" smtClean="0">
-                <a:solidFill>
-                  <a:schemeClr val="tx1">
-                    <a:alpha val="25000"/>
-                  </a:schemeClr>
-                </a:solidFill>
-              </a:rPr>
-              <a:t>External Evaluation Problem</a:t>
-            </a:r>
-            <a:endParaRPr lang="en-US" b="1" dirty="0" smtClean="0">
-              <a:solidFill>
-                <a:schemeClr val="tx1">
-                  <a:alpha val="25000"/>
-                </a:schemeClr>
-              </a:solidFill>
-            </a:endParaRPr>
+              <a:t>Demonstration Part I: External Evaluation Problem</a:t>
+            </a:r>
           </a:p>
           <a:p>
             <a:r>
               <a:rPr lang="en-US" b="1" dirty="0" smtClean="0"/>
-              <a:t>Demonstration Part II: </a:t>
-            </a:r>
-            <a:r>
-              <a:rPr lang="en-US" b="1" dirty="0" smtClean="0"/>
-              <a:t>MATLAB and </a:t>
+              <a:t>Demonstration Part II: MATLAB and </a:t>
             </a:r>
             <a:r>
               <a:rPr lang="en-US" b="1" dirty="0" err="1" smtClean="0"/>
@@ -29678,7 +34851,7 @@
             <a:fld id="{6C6AE60A-B69C-4790-82F7-3882EDF23186}" type="slidenum">
               <a:rPr lang="de-DE" smtClean="0"/>
               <a:pPr/>
-              <a:t>58</a:t>
+              <a:t>72</a:t>
             </a:fld>
             <a:endParaRPr lang="de-DE"/>
           </a:p>
@@ -29812,7 +34985,7 @@
 </p:sld>
 </file>
 
-<file path=ppt/slides/slide59.xml><?xml version="1.0" encoding="utf-8"?>
+<file path=ppt/slides/slide73.xml><?xml version="1.0" encoding="utf-8"?>
 <p:sld xmlns:a="http://schemas.openxmlformats.org/drawingml/2006/main" xmlns:r="http://schemas.openxmlformats.org/officeDocument/2006/relationships" xmlns:p="http://schemas.openxmlformats.org/presentationml/2006/main">
   <p:cSld>
     <p:spTree>
@@ -29848,15 +35021,7 @@
           <a:p>
             <a:r>
               <a:rPr lang="de-DE" dirty="0" smtClean="0"/>
-              <a:t>Demonstration Part </a:t>
-            </a:r>
-            <a:r>
-              <a:rPr lang="de-DE" dirty="0" smtClean="0"/>
-              <a:t>III:</a:t>
-            </a:r>
-            <a:r>
-              <a:rPr lang="de-DE" dirty="0" smtClean="0"/>
-              <a:t/>
+              <a:t>Demonstration Part III:</a:t>
             </a:r>
             <a:br>
               <a:rPr lang="de-DE" dirty="0" smtClean="0"/>
@@ -29942,19 +35107,6 @@
             </a:r>
             <a:endParaRPr lang="de-AT" dirty="0"/>
           </a:p>
-          <a:p>
-            <a:endParaRPr lang="de-AT" dirty="0" smtClean="0"/>
-          </a:p>
-          <a:p>
-            <a:r>
-              <a:rPr lang="de-AT" dirty="0" err="1" smtClean="0"/>
-              <a:t>Multiencoding</a:t>
-            </a:r>
-            <a:endParaRPr lang="de-AT" dirty="0" smtClean="0"/>
-          </a:p>
-          <a:p>
-            <a:endParaRPr lang="de-AT" dirty="0"/>
-          </a:p>
         </p:txBody>
       </p:sp>
       <p:sp>
@@ -30021,7 +35173,7 @@
             <a:fld id="{6C6AE60A-B69C-4790-82F7-3882EDF23186}" type="slidenum">
               <a:rPr lang="de-DE" smtClean="0"/>
               <a:pPr/>
-              <a:t>59</a:t>
+              <a:t>73</a:t>
             </a:fld>
             <a:endParaRPr lang="de-DE"/>
           </a:p>
@@ -30048,7 +35200,7 @@
 </p:sld>
 </file>
 
-<file path=ppt/slides/slide6.xml><?xml version="1.0" encoding="utf-8"?>
+<file path=ppt/slides/slide74.xml><?xml version="1.0" encoding="utf-8"?>
 <p:sld xmlns:a="http://schemas.openxmlformats.org/drawingml/2006/main" xmlns:r="http://schemas.openxmlformats.org/officeDocument/2006/relationships" xmlns:p="http://schemas.openxmlformats.org/presentationml/2006/main">
   <p:cSld>
     <p:spTree>
@@ -30065,433 +35217,6 @@
           <a:chExt cx="0" cy="0"/>
         </a:xfrm>
       </p:grpSpPr>
-      <p:pic>
-        <p:nvPicPr>
-          <p:cNvPr id="10" name="Picture 2" descr="C:\SVN\heal\documents\Publications\2011\GECCO\Wagner\HeuristicLab Tutorial\Screenshot 2.png"/>
-          <p:cNvPicPr>
-            <a:picLocks noChangeAspect="1" noChangeArrowheads="1"/>
-          </p:cNvPicPr>
-          <p:nvPr/>
-        </p:nvPicPr>
-        <p:blipFill>
-          <a:blip r:embed="rId2" cstate="print">
-            <a:extLst>
-              <a:ext uri="{28A0092B-C50C-407E-A947-70E740481C1C}">
-                <a14:useLocalDpi xmlns:a14="http://schemas.microsoft.com/office/drawing/2010/main" val="0"/>
-              </a:ext>
-            </a:extLst>
-          </a:blip>
-          <a:srcRect/>
-          <a:stretch>
-            <a:fillRect/>
-          </a:stretch>
-        </p:blipFill>
-        <p:spPr bwMode="auto">
-          <a:xfrm>
-            <a:off x="6324600" y="3068960"/>
-            <a:ext cx="2616200" cy="1773238"/>
-          </a:xfrm>
-          <a:prstGeom prst="rect">
-            <a:avLst/>
-          </a:prstGeom>
-          <a:noFill/>
-          <a:ln>
-            <a:noFill/>
-          </a:ln>
-          <a:extLst>
-            <a:ext uri="{909E8E84-426E-40DD-AFC4-6F175D3DCCD1}">
-              <a14:hiddenFill xmlns:a14="http://schemas.microsoft.com/office/drawing/2010/main">
-                <a:solidFill>
-                  <a:srgbClr val="FFFFFF"/>
-                </a:solidFill>
-              </a14:hiddenFill>
-            </a:ext>
-            <a:ext uri="{91240B29-F687-4F45-9708-019B960494DF}">
-              <a14:hiddenLine xmlns:a14="http://schemas.microsoft.com/office/drawing/2010/main" w="9525">
-                <a:solidFill>
-                  <a:srgbClr val="000000"/>
-                </a:solidFill>
-                <a:miter lim="800000"/>
-                <a:headEnd/>
-                <a:tailEnd/>
-              </a14:hiddenLine>
-            </a:ext>
-          </a:extLst>
-        </p:spPr>
-      </p:pic>
-      <p:sp>
-        <p:nvSpPr>
-          <p:cNvPr id="2" name="Titel 1"/>
-          <p:cNvSpPr>
-            <a:spLocks noGrp="1"/>
-          </p:cNvSpPr>
-          <p:nvPr>
-            <p:ph type="title"/>
-          </p:nvPr>
-        </p:nvSpPr>
-        <p:spPr/>
-        <p:txBody>
-          <a:bodyPr/>
-          <a:lstStyle/>
-          <a:p>
-            <a:r>
-              <a:rPr lang="en-US" dirty="0" smtClean="0"/>
-              <a:t>Introduction</a:t>
-            </a:r>
-            <a:endParaRPr lang="en-US" dirty="0"/>
-          </a:p>
-        </p:txBody>
-      </p:sp>
-      <p:sp>
-        <p:nvSpPr>
-          <p:cNvPr id="3" name="Inhaltsplatzhalter 2"/>
-          <p:cNvSpPr>
-            <a:spLocks noGrp="1"/>
-          </p:cNvSpPr>
-          <p:nvPr>
-            <p:ph idx="1"/>
-          </p:nvPr>
-        </p:nvSpPr>
-        <p:spPr/>
-        <p:txBody>
-          <a:bodyPr>
-            <a:normAutofit fontScale="55000" lnSpcReduction="20000"/>
-          </a:bodyPr>
-          <a:lstStyle/>
-          <a:p>
-            <a:r>
-              <a:rPr lang="en-US" dirty="0" smtClean="0"/>
-              <a:t>Motivation and Goals</a:t>
-            </a:r>
-          </a:p>
-          <a:p>
-            <a:pPr lvl="1"/>
-            <a:r>
-              <a:rPr lang="en-US" dirty="0" smtClean="0"/>
-              <a:t>graphical user interface</a:t>
-            </a:r>
-          </a:p>
-          <a:p>
-            <a:pPr lvl="1"/>
-            <a:r>
-              <a:rPr lang="en-US" dirty="0" smtClean="0"/>
-              <a:t>paradigm independence</a:t>
-            </a:r>
-          </a:p>
-          <a:p>
-            <a:pPr lvl="1"/>
-            <a:r>
-              <a:rPr lang="en-US" dirty="0" smtClean="0"/>
-              <a:t>multiple algorithms and problems</a:t>
-            </a:r>
-          </a:p>
-          <a:p>
-            <a:pPr lvl="1"/>
-            <a:r>
-              <a:rPr lang="en-US" dirty="0" smtClean="0"/>
-              <a:t>large scale experiments and analyses</a:t>
-            </a:r>
-          </a:p>
-          <a:p>
-            <a:pPr lvl="1"/>
-            <a:r>
-              <a:rPr lang="en-US" dirty="0" smtClean="0"/>
-              <a:t>parallelization</a:t>
-            </a:r>
-          </a:p>
-          <a:p>
-            <a:pPr lvl="1"/>
-            <a:r>
-              <a:rPr lang="en-US" dirty="0" smtClean="0"/>
-              <a:t>extensibility, flexibility and reusability</a:t>
-            </a:r>
-          </a:p>
-          <a:p>
-            <a:pPr lvl="1"/>
-            <a:r>
-              <a:rPr lang="en-US" dirty="0" smtClean="0"/>
-              <a:t>visual and interactive algorithm development</a:t>
-            </a:r>
-          </a:p>
-          <a:p>
-            <a:pPr lvl="1"/>
-            <a:r>
-              <a:rPr lang="en-US" dirty="0" smtClean="0"/>
-              <a:t>multiple layers of abstraction</a:t>
-            </a:r>
-          </a:p>
-          <a:p>
-            <a:endParaRPr lang="en-US" dirty="0" smtClean="0"/>
-          </a:p>
-          <a:p>
-            <a:pPr lvl="1"/>
-            <a:endParaRPr lang="en-US" dirty="0" smtClean="0"/>
-          </a:p>
-          <a:p>
-            <a:r>
-              <a:rPr lang="en-US" dirty="0" smtClean="0"/>
-              <a:t>Facts</a:t>
-            </a:r>
-          </a:p>
-          <a:p>
-            <a:pPr lvl="1"/>
-            <a:r>
-              <a:rPr lang="en-US" dirty="0" smtClean="0"/>
-              <a:t>development of </a:t>
-            </a:r>
-            <a:r>
-              <a:rPr lang="en-US" dirty="0" err="1" smtClean="0"/>
-              <a:t>HeuristicLab</a:t>
-            </a:r>
-            <a:r>
-              <a:rPr lang="en-US" dirty="0" smtClean="0"/>
-              <a:t> started in 2002</a:t>
-            </a:r>
-          </a:p>
-          <a:p>
-            <a:pPr lvl="1"/>
-            <a:r>
-              <a:rPr lang="en-US" dirty="0" smtClean="0"/>
-              <a:t>based on Microsoft .NET and C#</a:t>
-            </a:r>
-          </a:p>
-          <a:p>
-            <a:pPr lvl="1"/>
-            <a:r>
-              <a:rPr lang="en-US" dirty="0" smtClean="0"/>
-              <a:t>used in research and education</a:t>
-            </a:r>
-          </a:p>
-          <a:p>
-            <a:pPr lvl="1"/>
-            <a:r>
-              <a:rPr lang="en-US" dirty="0" smtClean="0"/>
-              <a:t>second place at the </a:t>
-            </a:r>
-            <a:r>
-              <a:rPr lang="en-US" i="1" dirty="0" smtClean="0"/>
-              <a:t>Microsoft Innovation Award 2009</a:t>
-            </a:r>
-          </a:p>
-          <a:p>
-            <a:pPr lvl="1"/>
-            <a:r>
-              <a:rPr lang="en-US" dirty="0" smtClean="0"/>
-              <a:t>open source (GNU General Public License)</a:t>
-            </a:r>
-          </a:p>
-          <a:p>
-            <a:pPr lvl="1"/>
-            <a:r>
-              <a:rPr lang="en-US" dirty="0" smtClean="0"/>
-              <a:t>version 3.3.0 released on May 18th, 2010</a:t>
-            </a:r>
-          </a:p>
-          <a:p>
-            <a:pPr lvl="1"/>
-            <a:r>
-              <a:rPr lang="en-US" dirty="0" smtClean="0"/>
-              <a:t>latest version 3.3.10 "Vancouver" released on July 10th, 2014</a:t>
-            </a:r>
-          </a:p>
-          <a:p>
-            <a:pPr lvl="1"/>
-            <a:endParaRPr lang="en-US" dirty="0"/>
-          </a:p>
-        </p:txBody>
-      </p:sp>
-      <p:sp>
-        <p:nvSpPr>
-          <p:cNvPr id="4" name="Datumsplatzhalter 3"/>
-          <p:cNvSpPr>
-            <a:spLocks noGrp="1"/>
-          </p:cNvSpPr>
-          <p:nvPr>
-            <p:ph type="dt" sz="half" idx="10"/>
-          </p:nvPr>
-        </p:nvSpPr>
-        <p:spPr/>
-        <p:txBody>
-          <a:bodyPr/>
-          <a:lstStyle/>
-          <a:p>
-            <a:r>
-              <a:rPr lang="de-DE" smtClean="0"/>
-              <a:t>HeuristicLab Tutorial</a:t>
-            </a:r>
-            <a:endParaRPr lang="en-US"/>
-          </a:p>
-        </p:txBody>
-      </p:sp>
-      <p:sp>
-        <p:nvSpPr>
-          <p:cNvPr id="5" name="Fußzeilenplatzhalter 4"/>
-          <p:cNvSpPr>
-            <a:spLocks noGrp="1"/>
-          </p:cNvSpPr>
-          <p:nvPr>
-            <p:ph type="ftr" sz="quarter" idx="11"/>
-          </p:nvPr>
-        </p:nvSpPr>
-        <p:spPr/>
-        <p:txBody>
-          <a:bodyPr/>
-          <a:lstStyle/>
-          <a:p>
-            <a:r>
-              <a:rPr lang="en-US" smtClean="0"/>
-              <a:t>http://dev.heuristiclab.com</a:t>
-            </a:r>
-            <a:endParaRPr lang="en-US"/>
-          </a:p>
-        </p:txBody>
-      </p:sp>
-      <p:sp>
-        <p:nvSpPr>
-          <p:cNvPr id="6" name="Foliennummernplatzhalter 5"/>
-          <p:cNvSpPr>
-            <a:spLocks noGrp="1"/>
-          </p:cNvSpPr>
-          <p:nvPr>
-            <p:ph type="sldNum" sz="quarter" idx="12"/>
-          </p:nvPr>
-        </p:nvSpPr>
-        <p:spPr/>
-        <p:txBody>
-          <a:bodyPr/>
-          <a:lstStyle/>
-          <a:p>
-            <a:fld id="{6C6AE60A-B69C-4790-82F7-3882EDF23186}" type="slidenum">
-              <a:rPr lang="en-US" smtClean="0"/>
-              <a:pPr/>
-              <a:t>6</a:t>
-            </a:fld>
-            <a:endParaRPr lang="en-US" dirty="0"/>
-          </a:p>
-        </p:txBody>
-      </p:sp>
-      <p:pic>
-        <p:nvPicPr>
-          <p:cNvPr id="8" name="Picture 2"/>
-          <p:cNvPicPr>
-            <a:picLocks noChangeAspect="1" noChangeArrowheads="1"/>
-          </p:cNvPicPr>
-          <p:nvPr/>
-        </p:nvPicPr>
-        <p:blipFill>
-          <a:blip r:embed="rId3" cstate="print"/>
-          <a:srcRect/>
-          <a:stretch>
-            <a:fillRect/>
-          </a:stretch>
-        </p:blipFill>
-        <p:spPr bwMode="auto">
-          <a:xfrm>
-            <a:off x="6530181" y="5013176"/>
-            <a:ext cx="2236788" cy="1049338"/>
-          </a:xfrm>
-          <a:prstGeom prst="rect">
-            <a:avLst/>
-          </a:prstGeom>
-          <a:ln>
-            <a:noFill/>
-          </a:ln>
-          <a:effectLst>
-            <a:outerShdw blurRad="292100" dist="139700" dir="2700000" algn="tl" rotWithShape="0">
-              <a:srgbClr val="333333">
-                <a:alpha val="65000"/>
-              </a:srgbClr>
-            </a:outerShdw>
-          </a:effectLst>
-        </p:spPr>
-      </p:pic>
-      <p:pic>
-        <p:nvPicPr>
-          <p:cNvPr id="9" name="Picture 2" descr="C:\SVN\heal\documents\Publications\2011\GECCO\Wagner\HeuristicLab Tutorial\Screenshot 1.png"/>
-          <p:cNvPicPr>
-            <a:picLocks noChangeAspect="1" noChangeArrowheads="1"/>
-          </p:cNvPicPr>
-          <p:nvPr/>
-        </p:nvPicPr>
-        <p:blipFill>
-          <a:blip r:embed="rId4" cstate="print">
-            <a:extLst>
-              <a:ext uri="{28A0092B-C50C-407E-A947-70E740481C1C}">
-                <a14:useLocalDpi xmlns:a14="http://schemas.microsoft.com/office/drawing/2010/main" val="0"/>
-              </a:ext>
-            </a:extLst>
-          </a:blip>
-          <a:srcRect/>
-          <a:stretch>
-            <a:fillRect/>
-          </a:stretch>
-        </p:blipFill>
-        <p:spPr bwMode="auto">
-          <a:xfrm>
-            <a:off x="6324600" y="1412776"/>
-            <a:ext cx="2647950" cy="1752600"/>
-          </a:xfrm>
-          <a:prstGeom prst="rect">
-            <a:avLst/>
-          </a:prstGeom>
-          <a:noFill/>
-          <a:ln>
-            <a:noFill/>
-          </a:ln>
-          <a:extLst>
-            <a:ext uri="{909E8E84-426E-40DD-AFC4-6F175D3DCCD1}">
-              <a14:hiddenFill xmlns:a14="http://schemas.microsoft.com/office/drawing/2010/main">
-                <a:solidFill>
-                  <a:srgbClr val="FFFFFF"/>
-                </a:solidFill>
-              </a14:hiddenFill>
-            </a:ext>
-            <a:ext uri="{91240B29-F687-4F45-9708-019B960494DF}">
-              <a14:hiddenLine xmlns:a14="http://schemas.microsoft.com/office/drawing/2010/main" w="9525">
-                <a:solidFill>
-                  <a:srgbClr val="000000"/>
-                </a:solidFill>
-                <a:miter lim="800000"/>
-                <a:headEnd/>
-                <a:tailEnd/>
-              </a14:hiddenLine>
-            </a:ext>
-          </a:extLst>
-        </p:spPr>
-      </p:pic>
-    </p:spTree>
-  </p:cSld>
-  <p:clrMapOvr>
-    <a:masterClrMapping/>
-  </p:clrMapOvr>
-  <p:transition/>
-  <p:timing>
-    <p:tnLst>
-      <p:par>
-        <p:cTn id="1" dur="indefinite" restart="never" nodeType="tmRoot"/>
-      </p:par>
-    </p:tnLst>
-  </p:timing>
-</p:sld>
-</file>
-
-<file path=ppt/slides/slide60.xml><?xml version="1.0" encoding="utf-8"?>
-<p:sld xmlns:a="http://schemas.openxmlformats.org/drawingml/2006/main" xmlns:r="http://schemas.openxmlformats.org/officeDocument/2006/relationships" xmlns:p="http://schemas.openxmlformats.org/presentationml/2006/main">
-  <p:cSld>
-    <p:spTree>
-      <p:nvGrpSpPr>
-        <p:cNvPr id="1" name=""/>
-        <p:cNvGrpSpPr/>
-        <p:nvPr/>
-      </p:nvGrpSpPr>
-      <p:grpSpPr>
-        <a:xfrm>
-          <a:off x="0" y="0"/>
-          <a:ext cx="0" cy="0"/>
-          <a:chOff x="0" y="0"/>
-          <a:chExt cx="0" cy="0"/>
-        </a:xfrm>
-      </p:grpSpPr>
       <p:sp>
         <p:nvSpPr>
           <p:cNvPr id="2" name="Titel 1"/>
@@ -30710,7 +35435,7 @@
             <a:fld id="{6C6AE60A-B69C-4790-82F7-3882EDF23186}" type="slidenum">
               <a:rPr lang="de-DE" smtClean="0"/>
               <a:pPr/>
-              <a:t>60</a:t>
+              <a:t>74</a:t>
             </a:fld>
             <a:endParaRPr lang="de-DE"/>
           </a:p>
@@ -30736,7 +35461,7 @@
 </p:sld>
 </file>
 
-<file path=ppt/slides/slide61.xml><?xml version="1.0" encoding="utf-8"?>
+<file path=ppt/slides/slide75.xml><?xml version="1.0" encoding="utf-8"?>
 <p:sld xmlns:a="http://schemas.openxmlformats.org/drawingml/2006/main" xmlns:r="http://schemas.openxmlformats.org/officeDocument/2006/relationships" xmlns:p="http://schemas.openxmlformats.org/presentationml/2006/main">
   <p:cSld>
     <p:spTree>
@@ -30989,7 +35714,7 @@
             <a:fld id="{6C6AE60A-B69C-4790-82F7-3882EDF23186}" type="slidenum">
               <a:rPr lang="de-DE" smtClean="0"/>
               <a:pPr/>
-              <a:t>61</a:t>
+              <a:t>75</a:t>
             </a:fld>
             <a:endParaRPr lang="de-DE"/>
           </a:p>
@@ -31141,7 +35866,7 @@
 </p:sld>
 </file>
 
-<file path=ppt/slides/slide62.xml><?xml version="1.0" encoding="utf-8"?>
+<file path=ppt/slides/slide76.xml><?xml version="1.0" encoding="utf-8"?>
 <p:sld xmlns:a="http://schemas.openxmlformats.org/drawingml/2006/main" xmlns:r="http://schemas.openxmlformats.org/officeDocument/2006/relationships" xmlns:p="http://schemas.openxmlformats.org/presentationml/2006/main">
   <p:cSld>
     <p:spTree>
@@ -31301,7 +36026,7 @@
             <a:fld id="{6C6AE60A-B69C-4790-82F7-3882EDF23186}" type="slidenum">
               <a:rPr lang="de-DE" smtClean="0"/>
               <a:pPr/>
-              <a:t>62</a:t>
+              <a:t>76</a:t>
             </a:fld>
             <a:endParaRPr lang="de-DE"/>
           </a:p>
@@ -31470,7 +36195,7 @@
 </p:sld>
 </file>
 
-<file path=ppt/slides/slide63.xml><?xml version="1.0" encoding="utf-8"?>
+<file path=ppt/slides/slide77.xml><?xml version="1.0" encoding="utf-8"?>
 <p:sld xmlns:a="http://schemas.openxmlformats.org/drawingml/2006/main" xmlns:r="http://schemas.openxmlformats.org/officeDocument/2006/relationships" xmlns:p="http://schemas.openxmlformats.org/presentationml/2006/main">
   <p:cSld>
     <p:spTree>
@@ -31581,8 +36306,8 @@
           </a:p>
         </p:txBody>
       </p:sp>
-      <mc:AlternateContent xmlns:mc="http://schemas.openxmlformats.org/markup-compatibility/2006">
-        <mc:Choice xmlns:a14="http://schemas.microsoft.com/office/drawing/2010/main" Requires="a14">
+      <mc:AlternateContent xmlns:mc="http://schemas.openxmlformats.org/markup-compatibility/2006" xmlns:a14="http://schemas.microsoft.com/office/drawing/2010/main">
+        <mc:Choice Requires="a14">
           <p:sp>
             <p:nvSpPr>
               <p:cNvPr id="3" name="Inhaltsplatzhalter 2"/>
@@ -31890,7 +36615,7 @@
             </p:txBody>
           </p:sp>
         </mc:Choice>
-        <mc:Fallback>
+        <mc:Fallback xmlns="">
           <p:sp>
             <p:nvSpPr>
               <p:cNvPr id="3" name="Inhaltsplatzhalter 2"/>
@@ -31988,7 +36713,7 @@
             <a:fld id="{6C6AE60A-B69C-4790-82F7-3882EDF23186}" type="slidenum">
               <a:rPr lang="de-DE" smtClean="0"/>
               <a:pPr/>
-              <a:t>63</a:t>
+              <a:t>77</a:t>
             </a:fld>
             <a:endParaRPr lang="de-DE"/>
           </a:p>
@@ -32014,7 +36739,7 @@
 </p:sld>
 </file>
 
-<file path=ppt/slides/slide64.xml><?xml version="1.0" encoding="utf-8"?>
+<file path=ppt/slides/slide78.xml><?xml version="1.0" encoding="utf-8"?>
 <p:sld xmlns:a="http://schemas.openxmlformats.org/drawingml/2006/main" xmlns:r="http://schemas.openxmlformats.org/officeDocument/2006/relationships" xmlns:p="http://schemas.openxmlformats.org/presentationml/2006/main">
   <p:cSld>
     <p:spTree>
@@ -32237,7 +36962,7 @@
             <a:fld id="{6C6AE60A-B69C-4790-82F7-3882EDF23186}" type="slidenum">
               <a:rPr lang="de-DE" smtClean="0"/>
               <a:pPr/>
-              <a:t>64</a:t>
+              <a:t>78</a:t>
             </a:fld>
             <a:endParaRPr lang="de-DE"/>
           </a:p>
@@ -33166,7 +37891,7 @@
 </p:sld>
 </file>
 
-<file path=ppt/slides/slide65.xml><?xml version="1.0" encoding="utf-8"?>
+<file path=ppt/slides/slide79.xml><?xml version="1.0" encoding="utf-8"?>
 <p:sld xmlns:a="http://schemas.openxmlformats.org/drawingml/2006/main" xmlns:r="http://schemas.openxmlformats.org/officeDocument/2006/relationships" xmlns:p="http://schemas.openxmlformats.org/presentationml/2006/main">
   <p:cSld>
     <p:spTree>
@@ -33337,7 +38062,7 @@
             <a:fld id="{6C6AE60A-B69C-4790-82F7-3882EDF23186}" type="slidenum">
               <a:rPr lang="de-DE" smtClean="0"/>
               <a:pPr/>
-              <a:t>65</a:t>
+              <a:t>79</a:t>
             </a:fld>
             <a:endParaRPr lang="de-DE"/>
           </a:p>
@@ -33937,7 +38662,7 @@
 </p:sld>
 </file>
 
-<file path=ppt/slides/slide66.xml><?xml version="1.0" encoding="utf-8"?>
+<file path=ppt/slides/slide8.xml><?xml version="1.0" encoding="utf-8"?>
 <p:sld xmlns:a="http://schemas.openxmlformats.org/drawingml/2006/main" xmlns:r="http://schemas.openxmlformats.org/officeDocument/2006/relationships" xmlns:p="http://schemas.openxmlformats.org/presentationml/2006/main">
   <p:cSld>
     <p:spTree>
@@ -33954,6 +38679,362 @@
           <a:chExt cx="0" cy="0"/>
         </a:xfrm>
       </p:grpSpPr>
+      <p:pic>
+        <p:nvPicPr>
+          <p:cNvPr id="10" name="Picture 5"/>
+          <p:cNvPicPr>
+            <a:picLocks noChangeAspect="1" noChangeArrowheads="1"/>
+          </p:cNvPicPr>
+          <p:nvPr/>
+        </p:nvPicPr>
+        <p:blipFill>
+          <a:blip r:embed="rId2">
+            <a:extLst>
+              <a:ext uri="{28A0092B-C50C-407E-A947-70E740481C1C}">
+                <a14:useLocalDpi xmlns:a14="http://schemas.microsoft.com/office/drawing/2010/main" val="0"/>
+              </a:ext>
+            </a:extLst>
+          </a:blip>
+          <a:srcRect/>
+          <a:stretch>
+            <a:fillRect/>
+          </a:stretch>
+        </p:blipFill>
+        <p:spPr bwMode="auto">
+          <a:xfrm>
+            <a:off x="6301120" y="4077072"/>
+            <a:ext cx="2539079" cy="2149793"/>
+          </a:xfrm>
+          <a:prstGeom prst="rect">
+            <a:avLst/>
+          </a:prstGeom>
+          <a:ln>
+            <a:noFill/>
+          </a:ln>
+          <a:effectLst>
+            <a:outerShdw blurRad="292100" dist="139700" dir="2700000" algn="tl" rotWithShape="0">
+              <a:srgbClr val="333333">
+                <a:alpha val="65000"/>
+              </a:srgbClr>
+            </a:outerShdw>
+          </a:effectLst>
+          <a:extLst>
+            <a:ext uri="{909E8E84-426E-40DD-AFC4-6F175D3DCCD1}">
+              <a14:hiddenFill xmlns:a14="http://schemas.microsoft.com/office/drawing/2010/main">
+                <a:solidFill>
+                  <a:schemeClr val="accent1"/>
+                </a:solidFill>
+              </a14:hiddenFill>
+            </a:ext>
+            <a:ext uri="{91240B29-F687-4F45-9708-019B960494DF}">
+              <a14:hiddenLine xmlns:a14="http://schemas.microsoft.com/office/drawing/2010/main" w="9525">
+                <a:solidFill>
+                  <a:schemeClr val="tx1"/>
+                </a:solidFill>
+                <a:miter lim="800000"/>
+                <a:headEnd/>
+                <a:tailEnd/>
+              </a14:hiddenLine>
+            </a:ext>
+          </a:extLst>
+        </p:spPr>
+      </p:pic>
+      <p:sp>
+        <p:nvSpPr>
+          <p:cNvPr id="2" name="Titel 1"/>
+          <p:cNvSpPr>
+            <a:spLocks noGrp="1"/>
+          </p:cNvSpPr>
+          <p:nvPr>
+            <p:ph type="title"/>
+          </p:nvPr>
+        </p:nvSpPr>
+        <p:spPr/>
+        <p:txBody>
+          <a:bodyPr/>
+          <a:lstStyle/>
+          <a:p>
+            <a:r>
+              <a:rPr lang="en-US" smtClean="0"/>
+              <a:t>Plugin Infrastructure</a:t>
+            </a:r>
+            <a:endParaRPr lang="en-US"/>
+          </a:p>
+        </p:txBody>
+      </p:sp>
+      <p:sp>
+        <p:nvSpPr>
+          <p:cNvPr id="3" name="Inhaltsplatzhalter 2"/>
+          <p:cNvSpPr>
+            <a:spLocks noGrp="1"/>
+          </p:cNvSpPr>
+          <p:nvPr>
+            <p:ph idx="1"/>
+          </p:nvPr>
+        </p:nvSpPr>
+        <p:spPr>
+          <a:xfrm>
+            <a:off x="457200" y="1600200"/>
+            <a:ext cx="5842992" cy="4525963"/>
+          </a:xfrm>
+        </p:spPr>
+        <p:txBody>
+          <a:bodyPr>
+            <a:normAutofit fontScale="70000" lnSpcReduction="20000"/>
+          </a:bodyPr>
+          <a:lstStyle/>
+          <a:p>
+            <a:r>
+              <a:rPr lang="en-US" dirty="0" err="1" smtClean="0"/>
+              <a:t>HeuristicLab</a:t>
+            </a:r>
+            <a:r>
+              <a:rPr lang="en-US" dirty="0" smtClean="0"/>
+              <a:t> consists of many assemblies</a:t>
+            </a:r>
+          </a:p>
+          <a:p>
+            <a:pPr lvl="1"/>
+            <a:r>
+              <a:rPr lang="en-US" dirty="0" smtClean="0"/>
+              <a:t>142 plugins in HeuristicLab 3.3.10</a:t>
+            </a:r>
+          </a:p>
+          <a:p>
+            <a:pPr lvl="1"/>
+            <a:r>
+              <a:rPr lang="en-US" dirty="0" smtClean="0"/>
+              <a:t>plugins can be loaded or unloaded at runtime</a:t>
+            </a:r>
+          </a:p>
+          <a:p>
+            <a:pPr lvl="1"/>
+            <a:r>
+              <a:rPr lang="en-US" dirty="0" smtClean="0"/>
+              <a:t>plugins can be updated via internet</a:t>
+            </a:r>
+          </a:p>
+          <a:p>
+            <a:pPr lvl="1"/>
+            <a:r>
+              <a:rPr lang="en-US" dirty="0" smtClean="0"/>
+              <a:t>application plugins provide GUI frontends</a:t>
+            </a:r>
+          </a:p>
+          <a:p>
+            <a:pPr lvl="3"/>
+            <a:endParaRPr lang="en-US" dirty="0" smtClean="0"/>
+          </a:p>
+          <a:p>
+            <a:r>
+              <a:rPr lang="en-US" dirty="0" smtClean="0"/>
+              <a:t>Extensibility</a:t>
+            </a:r>
+          </a:p>
+          <a:p>
+            <a:pPr lvl="1"/>
+            <a:r>
+              <a:rPr lang="en-US" dirty="0" smtClean="0"/>
+              <a:t>developing and deploying new plugins is easy</a:t>
+            </a:r>
+          </a:p>
+          <a:p>
+            <a:pPr lvl="1"/>
+            <a:r>
+              <a:rPr lang="en-US" dirty="0" smtClean="0"/>
+              <a:t>dependencies are explicitly defined, automatically checked and resolved</a:t>
+            </a:r>
+          </a:p>
+          <a:p>
+            <a:pPr lvl="1"/>
+            <a:r>
+              <a:rPr lang="en-US" dirty="0" smtClean="0"/>
+              <a:t>automatic discovery of interface implementations (service locator pattern)</a:t>
+            </a:r>
+          </a:p>
+          <a:p>
+            <a:pPr lvl="3"/>
+            <a:endParaRPr lang="en-US" dirty="0" smtClean="0"/>
+          </a:p>
+          <a:p>
+            <a:r>
+              <a:rPr lang="en-US" dirty="0" smtClean="0"/>
+              <a:t>Plugin Manager</a:t>
+            </a:r>
+          </a:p>
+          <a:p>
+            <a:pPr lvl="1"/>
+            <a:r>
+              <a:rPr lang="en-US" dirty="0" smtClean="0"/>
+              <a:t>GUI to check, install, update or delete plugins</a:t>
+            </a:r>
+            <a:endParaRPr lang="en-US" dirty="0"/>
+          </a:p>
+        </p:txBody>
+      </p:sp>
+      <p:sp>
+        <p:nvSpPr>
+          <p:cNvPr id="4" name="Datumsplatzhalter 3"/>
+          <p:cNvSpPr>
+            <a:spLocks noGrp="1"/>
+          </p:cNvSpPr>
+          <p:nvPr>
+            <p:ph type="dt" sz="half" idx="10"/>
+          </p:nvPr>
+        </p:nvSpPr>
+        <p:spPr/>
+        <p:txBody>
+          <a:bodyPr/>
+          <a:lstStyle/>
+          <a:p>
+            <a:r>
+              <a:rPr lang="de-DE" smtClean="0"/>
+              <a:t>HeuristicLab Tutorial</a:t>
+            </a:r>
+            <a:endParaRPr lang="en-US"/>
+          </a:p>
+        </p:txBody>
+      </p:sp>
+      <p:sp>
+        <p:nvSpPr>
+          <p:cNvPr id="5" name="Fußzeilenplatzhalter 4"/>
+          <p:cNvSpPr>
+            <a:spLocks noGrp="1"/>
+          </p:cNvSpPr>
+          <p:nvPr>
+            <p:ph type="ftr" sz="quarter" idx="11"/>
+          </p:nvPr>
+        </p:nvSpPr>
+        <p:spPr/>
+        <p:txBody>
+          <a:bodyPr/>
+          <a:lstStyle/>
+          <a:p>
+            <a:r>
+              <a:rPr lang="en-US" smtClean="0"/>
+              <a:t>http://dev.heuristiclab.com</a:t>
+            </a:r>
+            <a:endParaRPr lang="en-US"/>
+          </a:p>
+        </p:txBody>
+      </p:sp>
+      <p:sp>
+        <p:nvSpPr>
+          <p:cNvPr id="6" name="Foliennummernplatzhalter 5"/>
+          <p:cNvSpPr>
+            <a:spLocks noGrp="1"/>
+          </p:cNvSpPr>
+          <p:nvPr>
+            <p:ph type="sldNum" sz="quarter" idx="12"/>
+          </p:nvPr>
+        </p:nvSpPr>
+        <p:spPr/>
+        <p:txBody>
+          <a:bodyPr/>
+          <a:lstStyle/>
+          <a:p>
+            <a:fld id="{6C6AE60A-B69C-4790-82F7-3882EDF23186}" type="slidenum">
+              <a:rPr lang="en-US" smtClean="0"/>
+              <a:pPr/>
+              <a:t>8</a:t>
+            </a:fld>
+            <a:endParaRPr lang="en-US"/>
+          </a:p>
+        </p:txBody>
+      </p:sp>
+      <p:pic>
+        <p:nvPicPr>
+          <p:cNvPr id="9" name="Picture 6"/>
+          <p:cNvPicPr>
+            <a:picLocks noChangeAspect="1" noChangeArrowheads="1"/>
+          </p:cNvPicPr>
+          <p:nvPr/>
+        </p:nvPicPr>
+        <p:blipFill>
+          <a:blip r:embed="rId3">
+            <a:extLst>
+              <a:ext uri="{28A0092B-C50C-407E-A947-70E740481C1C}">
+                <a14:useLocalDpi xmlns:a14="http://schemas.microsoft.com/office/drawing/2010/main" val="0"/>
+              </a:ext>
+            </a:extLst>
+          </a:blip>
+          <a:srcRect/>
+          <a:stretch>
+            <a:fillRect/>
+          </a:stretch>
+        </p:blipFill>
+        <p:spPr bwMode="auto">
+          <a:xfrm>
+            <a:off x="6719457" y="1844824"/>
+            <a:ext cx="1702403" cy="1772126"/>
+          </a:xfrm>
+          <a:prstGeom prst="rect">
+            <a:avLst/>
+          </a:prstGeom>
+          <a:ln>
+            <a:noFill/>
+          </a:ln>
+          <a:effectLst>
+            <a:outerShdw blurRad="292100" dist="139700" dir="2700000" algn="tl" rotWithShape="0">
+              <a:srgbClr val="333333">
+                <a:alpha val="65000"/>
+              </a:srgbClr>
+            </a:outerShdw>
+          </a:effectLst>
+          <a:extLst>
+            <a:ext uri="{909E8E84-426E-40DD-AFC4-6F175D3DCCD1}">
+              <a14:hiddenFill xmlns:a14="http://schemas.microsoft.com/office/drawing/2010/main">
+                <a:solidFill>
+                  <a:schemeClr val="accent1"/>
+                </a:solidFill>
+              </a14:hiddenFill>
+            </a:ext>
+            <a:ext uri="{91240B29-F687-4F45-9708-019B960494DF}">
+              <a14:hiddenLine xmlns:a14="http://schemas.microsoft.com/office/drawing/2010/main" w="9525">
+                <a:solidFill>
+                  <a:schemeClr val="tx1"/>
+                </a:solidFill>
+                <a:miter lim="800000"/>
+                <a:headEnd/>
+                <a:tailEnd/>
+              </a14:hiddenLine>
+            </a:ext>
+          </a:extLst>
+        </p:spPr>
+      </p:pic>
+    </p:spTree>
+  </p:cSld>
+  <p:clrMapOvr>
+    <a:masterClrMapping/>
+  </p:clrMapOvr>
+  <p:transition/>
+  <p:timing>
+    <p:tnLst>
+      <p:par>
+        <p:cTn id="1" dur="indefinite" restart="never" nodeType="tmRoot"/>
+      </p:par>
+    </p:tnLst>
+  </p:timing>
+</p:sld>
+</file>
+
+<file path=ppt/slides/slide80.xml><?xml version="1.0" encoding="utf-8"?>
+<p:sld xmlns:a="http://schemas.openxmlformats.org/drawingml/2006/main" xmlns:r="http://schemas.openxmlformats.org/officeDocument/2006/relationships" xmlns:p="http://schemas.openxmlformats.org/presentationml/2006/main">
+  <p:cSld>
+    <p:spTree>
+      <p:nvGrpSpPr>
+        <p:cNvPr id="1" name=""/>
+        <p:cNvGrpSpPr/>
+        <p:nvPr/>
+      </p:nvGrpSpPr>
+      <p:grpSpPr>
+        <a:xfrm>
+          <a:off x="0" y="0"/>
+          <a:ext cx="0" cy="0"/>
+          <a:chOff x="0" y="0"/>
+          <a:chExt cx="0" cy="0"/>
+        </a:xfrm>
+      </p:grpSpPr>
       <p:sp>
         <p:nvSpPr>
           <p:cNvPr id="2" name="Titel 1"/>
@@ -34108,7 +39189,7 @@
             <a:fld id="{6C6AE60A-B69C-4790-82F7-3882EDF23186}" type="slidenum">
               <a:rPr lang="de-DE" smtClean="0"/>
               <a:pPr/>
-              <a:t>66</a:t>
+              <a:t>80</a:t>
             </a:fld>
             <a:endParaRPr lang="de-DE"/>
           </a:p>
@@ -34220,7 +39301,7 @@
 </p:sld>
 </file>
 
-<file path=ppt/slides/slide67.xml><?xml version="1.0" encoding="utf-8"?>
+<file path=ppt/slides/slide81.xml><?xml version="1.0" encoding="utf-8"?>
 <p:sld xmlns:a="http://schemas.openxmlformats.org/drawingml/2006/main" xmlns:r="http://schemas.openxmlformats.org/officeDocument/2006/relationships" xmlns:p="http://schemas.openxmlformats.org/presentationml/2006/main">
   <p:cSld>
     <p:spTree>
@@ -34424,7 +39505,7 @@
             <a:fld id="{6C6AE60A-B69C-4790-82F7-3882EDF23186}" type="slidenum">
               <a:rPr lang="de-DE" smtClean="0"/>
               <a:pPr/>
-              <a:t>67</a:t>
+              <a:t>81</a:t>
             </a:fld>
             <a:endParaRPr lang="de-DE"/>
           </a:p>
@@ -34484,7 +39565,7 @@
 </p:sld>
 </file>
 
-<file path=ppt/slides/slide68.xml><?xml version="1.0" encoding="utf-8"?>
+<file path=ppt/slides/slide82.xml><?xml version="1.0" encoding="utf-8"?>
 <p:sld xmlns:a="http://schemas.openxmlformats.org/drawingml/2006/main" xmlns:r="http://schemas.openxmlformats.org/officeDocument/2006/relationships" xmlns:p="http://schemas.openxmlformats.org/presentationml/2006/main">
   <p:cSld>
     <p:spTree>
@@ -34640,7 +39721,7 @@
             <a:fld id="{6C6AE60A-B69C-4790-82F7-3882EDF23186}" type="slidenum">
               <a:rPr lang="de-DE" smtClean="0"/>
               <a:pPr/>
-              <a:t>68</a:t>
+              <a:t>82</a:t>
             </a:fld>
             <a:endParaRPr lang="de-DE"/>
           </a:p>
@@ -34752,7 +39833,7 @@
 </p:sld>
 </file>
 
-<file path=ppt/slides/slide69.xml><?xml version="1.0" encoding="utf-8"?>
+<file path=ppt/slides/slide83.xml><?xml version="1.0" encoding="utf-8"?>
 <p:sld xmlns:a="http://schemas.openxmlformats.org/drawingml/2006/main" xmlns:r="http://schemas.openxmlformats.org/officeDocument/2006/relationships" xmlns:p="http://schemas.openxmlformats.org/presentationml/2006/main">
   <p:cSld>
     <p:spTree>
@@ -35008,7 +40089,7 @@
             <a:fld id="{6C6AE60A-B69C-4790-82F7-3882EDF23186}" type="slidenum">
               <a:rPr lang="de-DE" smtClean="0"/>
               <a:pPr/>
-              <a:t>69</a:t>
+              <a:t>83</a:t>
             </a:fld>
             <a:endParaRPr lang="de-DE"/>
           </a:p>
@@ -35276,7 +40357,7 @@
 </p:sld>
 </file>
 
-<file path=ppt/slides/slide7.xml><?xml version="1.0" encoding="utf-8"?>
+<file path=ppt/slides/slide84.xml><?xml version="1.0" encoding="utf-8"?>
 <p:sld xmlns:a="http://schemas.openxmlformats.org/drawingml/2006/main" xmlns:r="http://schemas.openxmlformats.org/officeDocument/2006/relationships" xmlns:p="http://schemas.openxmlformats.org/presentationml/2006/main">
   <p:cSld>
     <p:spTree>
@@ -35293,346 +40374,6 @@
           <a:chExt cx="0" cy="0"/>
         </a:xfrm>
       </p:grpSpPr>
-      <p:pic>
-        <p:nvPicPr>
-          <p:cNvPr id="9" name="Picture 2"/>
-          <p:cNvPicPr>
-            <a:picLocks noChangeAspect="1" noChangeArrowheads="1"/>
-          </p:cNvPicPr>
-          <p:nvPr/>
-        </p:nvPicPr>
-        <p:blipFill>
-          <a:blip r:embed="rId2" cstate="print">
-            <a:extLst>
-              <a:ext uri="{28A0092B-C50C-407E-A947-70E740481C1C}">
-                <a14:useLocalDpi xmlns:a14="http://schemas.microsoft.com/office/drawing/2010/main" val="0"/>
-              </a:ext>
-            </a:extLst>
-          </a:blip>
-          <a:srcRect/>
-          <a:stretch>
-            <a:fillRect/>
-          </a:stretch>
-        </p:blipFill>
-        <p:spPr bwMode="auto">
-          <a:xfrm>
-            <a:off x="5106555" y="1628800"/>
-            <a:ext cx="3785925" cy="4464495"/>
-          </a:xfrm>
-          <a:prstGeom prst="rect">
-            <a:avLst/>
-          </a:prstGeom>
-          <a:noFill/>
-          <a:ln w="9525">
-            <a:noFill/>
-            <a:miter lim="800000"/>
-            <a:headEnd/>
-            <a:tailEnd/>
-          </a:ln>
-          <a:effectLst>
-            <a:outerShdw blurRad="292100" dist="139700" dir="2700000" algn="tl" rotWithShape="0">
-              <a:prstClr val="black">
-                <a:alpha val="65000"/>
-              </a:prstClr>
-            </a:outerShdw>
-          </a:effectLst>
-          <a:extLst>
-            <a:ext uri="{909E8E84-426E-40DD-AFC4-6F175D3DCCD1}">
-              <a14:hiddenFill xmlns:a14="http://schemas.microsoft.com/office/drawing/2010/main">
-                <a:solidFill>
-                  <a:schemeClr val="accent1"/>
-                </a:solidFill>
-              </a14:hiddenFill>
-            </a:ext>
-          </a:extLst>
-        </p:spPr>
-      </p:pic>
-      <p:sp>
-        <p:nvSpPr>
-          <p:cNvPr id="2" name="Titel 1"/>
-          <p:cNvSpPr>
-            <a:spLocks noGrp="1"/>
-          </p:cNvSpPr>
-          <p:nvPr>
-            <p:ph type="title"/>
-          </p:nvPr>
-        </p:nvSpPr>
-        <p:spPr/>
-        <p:txBody>
-          <a:bodyPr/>
-          <a:lstStyle/>
-          <a:p>
-            <a:r>
-              <a:rPr lang="en-US" smtClean="0"/>
-              <a:t>Where to get HeuristicLab?</a:t>
-            </a:r>
-            <a:endParaRPr lang="en-US"/>
-          </a:p>
-        </p:txBody>
-      </p:sp>
-      <p:sp>
-        <p:nvSpPr>
-          <p:cNvPr id="3" name="Inhaltsplatzhalter 2"/>
-          <p:cNvSpPr>
-            <a:spLocks noGrp="1"/>
-          </p:cNvSpPr>
-          <p:nvPr>
-            <p:ph idx="1"/>
-          </p:nvPr>
-        </p:nvSpPr>
-        <p:spPr>
-          <a:xfrm>
-            <a:off x="457200" y="1600201"/>
-            <a:ext cx="4834880" cy="4565103"/>
-          </a:xfrm>
-        </p:spPr>
-        <p:txBody>
-          <a:bodyPr>
-            <a:normAutofit fontScale="55000" lnSpcReduction="20000"/>
-          </a:bodyPr>
-          <a:lstStyle/>
-          <a:p>
-            <a:r>
-              <a:rPr lang="en-US" dirty="0" smtClean="0"/>
-              <a:t>Download binaries</a:t>
-            </a:r>
-          </a:p>
-          <a:p>
-            <a:pPr lvl="1"/>
-            <a:r>
-              <a:rPr lang="en-US" dirty="0" smtClean="0"/>
-              <a:t>deployed as ZIP archives</a:t>
-            </a:r>
-          </a:p>
-          <a:p>
-            <a:pPr lvl="1"/>
-            <a:r>
-              <a:rPr lang="en-US" dirty="0" smtClean="0"/>
-              <a:t>latest stable version 3.3.10 "Vancouver"</a:t>
-            </a:r>
-          </a:p>
-          <a:p>
-            <a:pPr lvl="2"/>
-            <a:r>
-              <a:rPr lang="en-US" dirty="0" smtClean="0"/>
-              <a:t>released on July 10th, 2014</a:t>
-            </a:r>
-          </a:p>
-          <a:p>
-            <a:pPr lvl="1"/>
-            <a:r>
-              <a:rPr lang="en-US" dirty="0" smtClean="0"/>
-              <a:t>daily trunk builds</a:t>
-            </a:r>
-          </a:p>
-          <a:p>
-            <a:pPr lvl="1"/>
-            <a:r>
-              <a:rPr lang="en-US" dirty="0" smtClean="0">
-                <a:hlinkClick r:id="rId3"/>
-              </a:rPr>
-              <a:t>http://dev.heuristiclab.com/download</a:t>
-            </a:r>
-            <a:endParaRPr lang="en-US" dirty="0" smtClean="0"/>
-          </a:p>
-          <a:p>
-            <a:pPr lvl="3"/>
-            <a:endParaRPr lang="en-US" dirty="0" smtClean="0"/>
-          </a:p>
-          <a:p>
-            <a:r>
-              <a:rPr lang="en-US" dirty="0" smtClean="0"/>
-              <a:t>Check out sources</a:t>
-            </a:r>
-          </a:p>
-          <a:p>
-            <a:pPr lvl="1"/>
-            <a:r>
-              <a:rPr lang="en-US" dirty="0" smtClean="0"/>
-              <a:t>SVN repository</a:t>
-            </a:r>
-          </a:p>
-          <a:p>
-            <a:pPr lvl="1"/>
-            <a:r>
-              <a:rPr lang="en-US" dirty="0" smtClean="0"/>
-              <a:t>HeuristicLab 3.3.10 tag</a:t>
-            </a:r>
-          </a:p>
-          <a:p>
-            <a:pPr lvl="2"/>
-            <a:r>
-              <a:rPr lang="en-US" dirty="0" smtClean="0">
-                <a:hlinkClick r:id="rId4"/>
-              </a:rPr>
-              <a:t>http://svn.heuristiclab.com/svn/core/tags/3.3.10</a:t>
-            </a:r>
-            <a:endParaRPr lang="en-US" dirty="0" smtClean="0"/>
-          </a:p>
-          <a:p>
-            <a:pPr lvl="1"/>
-            <a:r>
-              <a:rPr lang="en-US" dirty="0" smtClean="0"/>
-              <a:t>Stable development version</a:t>
-            </a:r>
-          </a:p>
-          <a:p>
-            <a:pPr lvl="2"/>
-            <a:r>
-              <a:rPr lang="en-US" dirty="0" smtClean="0">
-                <a:hlinkClick r:id="rId5"/>
-              </a:rPr>
-              <a:t>http://svn.heuristiclab.com/svn/core/stable</a:t>
-            </a:r>
-            <a:endParaRPr lang="en-US" dirty="0" smtClean="0"/>
-          </a:p>
-          <a:p>
-            <a:pPr lvl="3"/>
-            <a:endParaRPr lang="en-US" dirty="0" smtClean="0"/>
-          </a:p>
-          <a:p>
-            <a:r>
-              <a:rPr lang="en-US" dirty="0" smtClean="0"/>
-              <a:t>License</a:t>
-            </a:r>
-          </a:p>
-          <a:p>
-            <a:pPr lvl="1"/>
-            <a:r>
-              <a:rPr lang="en-US" dirty="0" smtClean="0"/>
-              <a:t>GNU General Public License (Version 3)</a:t>
-            </a:r>
-          </a:p>
-          <a:p>
-            <a:pPr lvl="3"/>
-            <a:endParaRPr lang="en-US" dirty="0" smtClean="0"/>
-          </a:p>
-          <a:p>
-            <a:r>
-              <a:rPr lang="en-US" dirty="0" smtClean="0"/>
-              <a:t>System requirements</a:t>
-            </a:r>
-          </a:p>
-          <a:p>
-            <a:pPr lvl="1"/>
-            <a:r>
-              <a:rPr lang="en-US" dirty="0" smtClean="0"/>
-              <a:t>Microsoft .NET Framework 4.0 Full Version</a:t>
-            </a:r>
-          </a:p>
-          <a:p>
-            <a:pPr lvl="1"/>
-            <a:r>
-              <a:rPr lang="en-US" dirty="0" smtClean="0"/>
-              <a:t>enough RAM and CPU power ;-)</a:t>
-            </a:r>
-            <a:endParaRPr lang="en-US" dirty="0"/>
-          </a:p>
-        </p:txBody>
-      </p:sp>
-      <p:sp>
-        <p:nvSpPr>
-          <p:cNvPr id="4" name="Datumsplatzhalter 3"/>
-          <p:cNvSpPr>
-            <a:spLocks noGrp="1"/>
-          </p:cNvSpPr>
-          <p:nvPr>
-            <p:ph type="dt" sz="half" idx="10"/>
-          </p:nvPr>
-        </p:nvSpPr>
-        <p:spPr/>
-        <p:txBody>
-          <a:bodyPr/>
-          <a:lstStyle/>
-          <a:p>
-            <a:r>
-              <a:rPr lang="de-DE" smtClean="0"/>
-              <a:t>HeuristicLab Tutorial</a:t>
-            </a:r>
-            <a:endParaRPr lang="en-US"/>
-          </a:p>
-        </p:txBody>
-      </p:sp>
-      <p:sp>
-        <p:nvSpPr>
-          <p:cNvPr id="5" name="Fußzeilenplatzhalter 4"/>
-          <p:cNvSpPr>
-            <a:spLocks noGrp="1"/>
-          </p:cNvSpPr>
-          <p:nvPr>
-            <p:ph type="ftr" sz="quarter" idx="11"/>
-          </p:nvPr>
-        </p:nvSpPr>
-        <p:spPr/>
-        <p:txBody>
-          <a:bodyPr/>
-          <a:lstStyle/>
-          <a:p>
-            <a:r>
-              <a:rPr lang="en-US" smtClean="0"/>
-              <a:t>http://dev.heuristiclab.com</a:t>
-            </a:r>
-            <a:endParaRPr lang="en-US"/>
-          </a:p>
-        </p:txBody>
-      </p:sp>
-      <p:sp>
-        <p:nvSpPr>
-          <p:cNvPr id="6" name="Foliennummernplatzhalter 5"/>
-          <p:cNvSpPr>
-            <a:spLocks noGrp="1"/>
-          </p:cNvSpPr>
-          <p:nvPr>
-            <p:ph type="sldNum" sz="quarter" idx="12"/>
-          </p:nvPr>
-        </p:nvSpPr>
-        <p:spPr/>
-        <p:txBody>
-          <a:bodyPr/>
-          <a:lstStyle/>
-          <a:p>
-            <a:fld id="{6C6AE60A-B69C-4790-82F7-3882EDF23186}" type="slidenum">
-              <a:rPr lang="en-US" smtClean="0"/>
-              <a:pPr/>
-              <a:t>7</a:t>
-            </a:fld>
-            <a:endParaRPr lang="en-US"/>
-          </a:p>
-        </p:txBody>
-      </p:sp>
-    </p:spTree>
-  </p:cSld>
-  <p:clrMapOvr>
-    <a:masterClrMapping/>
-  </p:clrMapOvr>
-  <p:transition/>
-  <p:timing>
-    <p:tnLst>
-      <p:par>
-        <p:cTn id="1" dur="indefinite" restart="never" nodeType="tmRoot"/>
-      </p:par>
-    </p:tnLst>
-  </p:timing>
-</p:sld>
-</file>
-
-<file path=ppt/slides/slide70.xml><?xml version="1.0" encoding="utf-8"?>
-<p:sld xmlns:a="http://schemas.openxmlformats.org/drawingml/2006/main" xmlns:r="http://schemas.openxmlformats.org/officeDocument/2006/relationships" xmlns:p="http://schemas.openxmlformats.org/presentationml/2006/main">
-  <p:cSld>
-    <p:spTree>
-      <p:nvGrpSpPr>
-        <p:cNvPr id="1" name=""/>
-        <p:cNvGrpSpPr/>
-        <p:nvPr/>
-      </p:nvGrpSpPr>
-      <p:grpSpPr>
-        <a:xfrm>
-          <a:off x="0" y="0"/>
-          <a:ext cx="0" cy="0"/>
-          <a:chOff x="0" y="0"/>
-          <a:chExt cx="0" cy="0"/>
-        </a:xfrm>
-      </p:grpSpPr>
       <p:sp>
         <p:nvSpPr>
           <p:cNvPr id="2" name="Titel 1"/>
@@ -35832,7 +40573,7 @@
             <a:fld id="{6C6AE60A-B69C-4790-82F7-3882EDF23186}" type="slidenum">
               <a:rPr lang="de-DE" smtClean="0"/>
               <a:pPr/>
-              <a:t>70</a:t>
+              <a:t>84</a:t>
             </a:fld>
             <a:endParaRPr lang="de-DE"/>
           </a:p>
@@ -36048,7 +40789,7 @@
 </p:sld>
 </file>
 
-<file path=ppt/slides/slide71.xml><?xml version="1.0" encoding="utf-8"?>
+<file path=ppt/slides/slide85.xml><?xml version="1.0" encoding="utf-8"?>
 <p:sld xmlns:a="http://schemas.openxmlformats.org/drawingml/2006/main" xmlns:r="http://schemas.openxmlformats.org/officeDocument/2006/relationships" xmlns:p="http://schemas.openxmlformats.org/presentationml/2006/main">
   <p:cSld>
     <p:spTree>
@@ -36208,7 +40949,7 @@
             <a:fld id="{6C6AE60A-B69C-4790-82F7-3882EDF23186}" type="slidenum">
               <a:rPr lang="de-DE" smtClean="0"/>
               <a:pPr/>
-              <a:t>71</a:t>
+              <a:t>85</a:t>
             </a:fld>
             <a:endParaRPr lang="de-DE"/>
           </a:p>
@@ -36286,7 +41027,7 @@
 </p:sld>
 </file>
 
-<file path=ppt/slides/slide72.xml><?xml version="1.0" encoding="utf-8"?>
+<file path=ppt/slides/slide86.xml><?xml version="1.0" encoding="utf-8"?>
 <p:sld xmlns:a="http://schemas.openxmlformats.org/drawingml/2006/main" xmlns:r="http://schemas.openxmlformats.org/officeDocument/2006/relationships" xmlns:p="http://schemas.openxmlformats.org/presentationml/2006/main">
   <p:cSld>
     <p:spTree>
@@ -36387,8 +41128,8 @@
           </a:p>
         </p:txBody>
       </p:sp>
-      <mc:AlternateContent xmlns:mc="http://schemas.openxmlformats.org/markup-compatibility/2006">
-        <mc:Choice xmlns:a14="http://schemas.microsoft.com/office/drawing/2010/main" Requires="a14">
+      <mc:AlternateContent xmlns:mc="http://schemas.openxmlformats.org/markup-compatibility/2006" xmlns:a14="http://schemas.microsoft.com/office/drawing/2010/main">
+        <mc:Choice Requires="a14">
           <p:sp>
             <p:nvSpPr>
               <p:cNvPr id="3" name="Inhaltsplatzhalter 2"/>
@@ -36999,7 +41740,7 @@
             </p:txBody>
           </p:sp>
         </mc:Choice>
-        <mc:Fallback>
+        <mc:Fallback xmlns="">
           <p:sp>
             <p:nvSpPr>
               <p:cNvPr id="3" name="Inhaltsplatzhalter 2"/>
@@ -37097,7 +41838,7 @@
             <a:fld id="{6C6AE60A-B69C-4790-82F7-3882EDF23186}" type="slidenum">
               <a:rPr lang="de-DE" smtClean="0"/>
               <a:pPr/>
-              <a:t>72</a:t>
+              <a:t>86</a:t>
             </a:fld>
             <a:endParaRPr lang="de-DE"/>
           </a:p>
@@ -37123,7 +41864,7 @@
 </p:sld>
 </file>
 
-<file path=ppt/slides/slide73.xml><?xml version="1.0" encoding="utf-8"?>
+<file path=ppt/slides/slide87.xml><?xml version="1.0" encoding="utf-8"?>
 <p:sld xmlns:a="http://schemas.openxmlformats.org/drawingml/2006/main" xmlns:r="http://schemas.openxmlformats.org/officeDocument/2006/relationships" xmlns:p="http://schemas.openxmlformats.org/presentationml/2006/main">
   <p:cSld>
     <p:spTree>
@@ -37376,7 +42117,7 @@
             <a:fld id="{6C6AE60A-B69C-4790-82F7-3882EDF23186}" type="slidenum">
               <a:rPr lang="de-DE" smtClean="0"/>
               <a:pPr/>
-              <a:t>73</a:t>
+              <a:t>87</a:t>
             </a:fld>
             <a:endParaRPr lang="de-DE"/>
           </a:p>
@@ -37528,7 +42269,7 @@
 </p:sld>
 </file>
 
-<file path=ppt/slides/slide74.xml><?xml version="1.0" encoding="utf-8"?>
+<file path=ppt/slides/slide88.xml><?xml version="1.0" encoding="utf-8"?>
 <p:sld xmlns:a="http://schemas.openxmlformats.org/drawingml/2006/main" xmlns:r="http://schemas.openxmlformats.org/officeDocument/2006/relationships" xmlns:p="http://schemas.openxmlformats.org/presentationml/2006/main">
   <p:cSld>
     <p:spTree>
@@ -37754,7 +42495,7 @@
             <a:fld id="{6C6AE60A-B69C-4790-82F7-3882EDF23186}" type="slidenum">
               <a:rPr lang="de-DE" smtClean="0"/>
               <a:pPr/>
-              <a:t>74</a:t>
+              <a:t>88</a:t>
             </a:fld>
             <a:endParaRPr lang="de-DE"/>
           </a:p>
@@ -38727,7 +43468,7 @@
 </p:sld>
 </file>
 
-<file path=ppt/slides/slide75.xml><?xml version="1.0" encoding="utf-8"?>
+<file path=ppt/slides/slide89.xml><?xml version="1.0" encoding="utf-8"?>
 <p:sld xmlns:a="http://schemas.openxmlformats.org/drawingml/2006/main" xmlns:r="http://schemas.openxmlformats.org/officeDocument/2006/relationships" xmlns:p="http://schemas.openxmlformats.org/presentationml/2006/main">
   <p:cSld>
     <p:spTree>
@@ -38898,7 +43639,7 @@
             <a:fld id="{6C6AE60A-B69C-4790-82F7-3882EDF23186}" type="slidenum">
               <a:rPr lang="de-DE" smtClean="0"/>
               <a:pPr/>
-              <a:t>75</a:t>
+              <a:t>89</a:t>
             </a:fld>
             <a:endParaRPr lang="de-DE"/>
           </a:p>
@@ -40156,7 +44897,209 @@
 </p:sld>
 </file>
 
-<file path=ppt/slides/slide76.xml><?xml version="1.0" encoding="utf-8"?>
+<file path=ppt/slides/slide9.xml><?xml version="1.0" encoding="utf-8"?>
+<p:sld xmlns:a="http://schemas.openxmlformats.org/drawingml/2006/main" xmlns:r="http://schemas.openxmlformats.org/officeDocument/2006/relationships" xmlns:p="http://schemas.openxmlformats.org/presentationml/2006/main">
+  <p:cSld>
+    <p:spTree>
+      <p:nvGrpSpPr>
+        <p:cNvPr id="1" name=""/>
+        <p:cNvGrpSpPr/>
+        <p:nvPr/>
+      </p:nvGrpSpPr>
+      <p:grpSpPr>
+        <a:xfrm>
+          <a:off x="0" y="0"/>
+          <a:ext cx="0" cy="0"/>
+          <a:chOff x="0" y="0"/>
+          <a:chExt cx="0" cy="0"/>
+        </a:xfrm>
+      </p:grpSpPr>
+      <p:sp>
+        <p:nvSpPr>
+          <p:cNvPr id="2" name="Title 1"/>
+          <p:cNvSpPr>
+            <a:spLocks noGrp="1"/>
+          </p:cNvSpPr>
+          <p:nvPr>
+            <p:ph type="title"/>
+          </p:nvPr>
+        </p:nvSpPr>
+        <p:spPr/>
+        <p:txBody>
+          <a:bodyPr/>
+          <a:lstStyle/>
+          <a:p>
+            <a:r>
+              <a:rPr lang="de-AT" dirty="0" err="1" smtClean="0"/>
+              <a:t>Plugin</a:t>
+            </a:r>
+            <a:r>
+              <a:rPr lang="de-AT" dirty="0" smtClean="0"/>
+              <a:t> </a:t>
+            </a:r>
+            <a:r>
+              <a:rPr lang="de-AT" dirty="0" err="1" smtClean="0"/>
+              <a:t>Architecture</a:t>
+            </a:r>
+            <a:endParaRPr lang="de-AT" dirty="0"/>
+          </a:p>
+        </p:txBody>
+      </p:sp>
+      <p:sp>
+        <p:nvSpPr>
+          <p:cNvPr id="4" name="Date Placeholder 3"/>
+          <p:cNvSpPr>
+            <a:spLocks noGrp="1"/>
+          </p:cNvSpPr>
+          <p:nvPr>
+            <p:ph type="dt" sz="half" idx="10"/>
+          </p:nvPr>
+        </p:nvSpPr>
+        <p:spPr/>
+        <p:txBody>
+          <a:bodyPr/>
+          <a:lstStyle/>
+          <a:p>
+            <a:r>
+              <a:rPr lang="de-DE" smtClean="0"/>
+              <a:t>HeuristicLab Tutorial</a:t>
+            </a:r>
+            <a:endParaRPr lang="de-DE"/>
+          </a:p>
+        </p:txBody>
+      </p:sp>
+      <p:sp>
+        <p:nvSpPr>
+          <p:cNvPr id="5" name="Footer Placeholder 4"/>
+          <p:cNvSpPr>
+            <a:spLocks noGrp="1"/>
+          </p:cNvSpPr>
+          <p:nvPr>
+            <p:ph type="ftr" sz="quarter" idx="11"/>
+          </p:nvPr>
+        </p:nvSpPr>
+        <p:spPr/>
+        <p:txBody>
+          <a:bodyPr/>
+          <a:lstStyle/>
+          <a:p>
+            <a:r>
+              <a:rPr lang="de-DE" smtClean="0"/>
+              <a:t>http://dev.heuristiclab.com</a:t>
+            </a:r>
+            <a:endParaRPr lang="de-DE"/>
+          </a:p>
+        </p:txBody>
+      </p:sp>
+      <p:sp>
+        <p:nvSpPr>
+          <p:cNvPr id="6" name="Slide Number Placeholder 5"/>
+          <p:cNvSpPr>
+            <a:spLocks noGrp="1"/>
+          </p:cNvSpPr>
+          <p:nvPr>
+            <p:ph type="sldNum" sz="quarter" idx="12"/>
+          </p:nvPr>
+        </p:nvSpPr>
+        <p:spPr/>
+        <p:txBody>
+          <a:bodyPr/>
+          <a:lstStyle/>
+          <a:p>
+            <a:fld id="{6C6AE60A-B69C-4790-82F7-3882EDF23186}" type="slidenum">
+              <a:rPr lang="de-DE" smtClean="0"/>
+              <a:pPr/>
+              <a:t>9</a:t>
+            </a:fld>
+            <a:endParaRPr lang="de-DE"/>
+          </a:p>
+        </p:txBody>
+      </p:sp>
+      <p:pic>
+        <p:nvPicPr>
+          <p:cNvPr id="1026" name="Picture 2"/>
+          <p:cNvPicPr>
+            <a:picLocks noChangeAspect="1" noChangeArrowheads="1"/>
+          </p:cNvPicPr>
+          <p:nvPr/>
+        </p:nvPicPr>
+        <p:blipFill>
+          <a:blip r:embed="rId2">
+            <a:extLst>
+              <a:ext uri="{28A0092B-C50C-407E-A947-70E740481C1C}">
+                <a14:useLocalDpi xmlns:a14="http://schemas.microsoft.com/office/drawing/2010/main" val="0"/>
+              </a:ext>
+            </a:extLst>
+          </a:blip>
+          <a:srcRect/>
+          <a:stretch>
+            <a:fillRect/>
+          </a:stretch>
+        </p:blipFill>
+        <p:spPr bwMode="auto">
+          <a:xfrm>
+            <a:off x="107504" y="1708910"/>
+            <a:ext cx="8928992" cy="4168362"/>
+          </a:xfrm>
+          <a:prstGeom prst="rect">
+            <a:avLst/>
+          </a:prstGeom>
+          <a:noFill/>
+          <a:ln>
+            <a:noFill/>
+          </a:ln>
+          <a:effectLst/>
+          <a:extLst>
+            <a:ext uri="{909E8E84-426E-40DD-AFC4-6F175D3DCCD1}">
+              <a14:hiddenFill xmlns:a14="http://schemas.microsoft.com/office/drawing/2010/main">
+                <a:solidFill>
+                  <a:schemeClr val="accent1"/>
+                </a:solidFill>
+              </a14:hiddenFill>
+            </a:ext>
+            <a:ext uri="{91240B29-F687-4F45-9708-019B960494DF}">
+              <a14:hiddenLine xmlns:a14="http://schemas.microsoft.com/office/drawing/2010/main" w="9525">
+                <a:solidFill>
+                  <a:schemeClr val="tx1"/>
+                </a:solidFill>
+                <a:miter lim="800000"/>
+                <a:headEnd/>
+                <a:tailEnd/>
+              </a14:hiddenLine>
+            </a:ext>
+            <a:ext uri="{AF507438-7753-43E0-B8FC-AC1667EBCBE1}">
+              <a14:hiddenEffects xmlns:a14="http://schemas.microsoft.com/office/drawing/2010/main">
+                <a:effectLst>
+                  <a:outerShdw dist="35921" dir="2700000" algn="ctr" rotWithShape="0">
+                    <a:schemeClr val="bg2"/>
+                  </a:outerShdw>
+                </a:effectLst>
+              </a14:hiddenEffects>
+            </a:ext>
+          </a:extLst>
+        </p:spPr>
+      </p:pic>
+    </p:spTree>
+    <p:extLst>
+      <p:ext uri="{BB962C8B-B14F-4D97-AF65-F5344CB8AC3E}">
+        <p14:creationId xmlns:p14="http://schemas.microsoft.com/office/powerpoint/2010/main" val="122129282"/>
+      </p:ext>
+    </p:extLst>
+  </p:cSld>
+  <p:clrMapOvr>
+    <a:masterClrMapping/>
+  </p:clrMapOvr>
+  <p:timing>
+    <p:tnLst>
+      <p:par>
+        <p:cTn id="1" dur="indefinite" restart="never" nodeType="tmRoot"/>
+      </p:par>
+    </p:tnLst>
+  </p:timing>
+</p:sld>
+</file>
+
+<file path=ppt/slides/slide90.xml><?xml version="1.0" encoding="utf-8"?>
 <p:sld xmlns:a="http://schemas.openxmlformats.org/drawingml/2006/main" xmlns:r="http://schemas.openxmlformats.org/officeDocument/2006/relationships" xmlns:p="http://schemas.openxmlformats.org/presentationml/2006/main">
   <p:cSld>
     <p:spTree>
@@ -40361,7 +45304,7 @@
             <a:fld id="{6C6AE60A-B69C-4790-82F7-3882EDF23186}" type="slidenum">
               <a:rPr lang="de-DE" smtClean="0"/>
               <a:pPr/>
-              <a:t>76</a:t>
+              <a:t>90</a:t>
             </a:fld>
             <a:endParaRPr lang="de-DE"/>
           </a:p>
@@ -40439,7 +45382,7 @@
 </p:sld>
 </file>
 
-<file path=ppt/slides/slide77.xml><?xml version="1.0" encoding="utf-8"?>
+<file path=ppt/slides/slide91.xml><?xml version="1.0" encoding="utf-8"?>
 <p:sld xmlns:a="http://schemas.openxmlformats.org/drawingml/2006/main" xmlns:r="http://schemas.openxmlformats.org/officeDocument/2006/relationships" xmlns:p="http://schemas.openxmlformats.org/presentationml/2006/main">
   <p:cSld>
     <p:spTree>
@@ -40638,7 +45581,7 @@
             <a:fld id="{6C6AE60A-B69C-4790-82F7-3882EDF23186}" type="slidenum">
               <a:rPr lang="de-DE" smtClean="0"/>
               <a:pPr/>
-              <a:t>77</a:t>
+              <a:t>91</a:t>
             </a:fld>
             <a:endParaRPr lang="de-DE"/>
           </a:p>
@@ -40698,7 +45641,7 @@
 </p:sld>
 </file>
 
-<file path=ppt/slides/slide78.xml><?xml version="1.0" encoding="utf-8"?>
+<file path=ppt/slides/slide92.xml><?xml version="1.0" encoding="utf-8"?>
 <p:sld xmlns:a="http://schemas.openxmlformats.org/drawingml/2006/main" xmlns:r="http://schemas.openxmlformats.org/officeDocument/2006/relationships" xmlns:p="http://schemas.openxmlformats.org/presentationml/2006/main">
   <p:cSld>
     <p:spTree>
@@ -40858,7 +45801,7 @@
             <a:fld id="{6C6AE60A-B69C-4790-82F7-3882EDF23186}" type="slidenum">
               <a:rPr lang="de-DE" smtClean="0"/>
               <a:pPr/>
-              <a:t>78</a:t>
+              <a:t>92</a:t>
             </a:fld>
             <a:endParaRPr lang="de-DE"/>
           </a:p>
@@ -40970,7 +45913,7 @@
 </p:sld>
 </file>
 
-<file path=ppt/slides/slide79.xml><?xml version="1.0" encoding="utf-8"?>
+<file path=ppt/slides/slide93.xml><?xml version="1.0" encoding="utf-8"?>
 <p:sld xmlns:a="http://schemas.openxmlformats.org/drawingml/2006/main" xmlns:r="http://schemas.openxmlformats.org/officeDocument/2006/relationships" xmlns:p="http://schemas.openxmlformats.org/presentationml/2006/main">
   <p:cSld>
     <p:spTree>
@@ -41177,7 +46120,7 @@
             <a:fld id="{6C6AE60A-B69C-4790-82F7-3882EDF23186}" type="slidenum">
               <a:rPr lang="de-DE" smtClean="0"/>
               <a:pPr/>
-              <a:t>79</a:t>
+              <a:t>93</a:t>
             </a:fld>
             <a:endParaRPr lang="de-DE"/>
           </a:p>
@@ -41341,363 +46284,7 @@
 </p:sld>
 </file>
 
-<file path=ppt/slides/slide8.xml><?xml version="1.0" encoding="utf-8"?>
-<p:sld xmlns:a="http://schemas.openxmlformats.org/drawingml/2006/main" xmlns:r="http://schemas.openxmlformats.org/officeDocument/2006/relationships" xmlns:p="http://schemas.openxmlformats.org/presentationml/2006/main">
-  <p:cSld>
-    <p:spTree>
-      <p:nvGrpSpPr>
-        <p:cNvPr id="1" name=""/>
-        <p:cNvGrpSpPr/>
-        <p:nvPr/>
-      </p:nvGrpSpPr>
-      <p:grpSpPr>
-        <a:xfrm>
-          <a:off x="0" y="0"/>
-          <a:ext cx="0" cy="0"/>
-          <a:chOff x="0" y="0"/>
-          <a:chExt cx="0" cy="0"/>
-        </a:xfrm>
-      </p:grpSpPr>
-      <p:pic>
-        <p:nvPicPr>
-          <p:cNvPr id="10" name="Picture 5"/>
-          <p:cNvPicPr>
-            <a:picLocks noChangeAspect="1" noChangeArrowheads="1"/>
-          </p:cNvPicPr>
-          <p:nvPr/>
-        </p:nvPicPr>
-        <p:blipFill>
-          <a:blip r:embed="rId2">
-            <a:extLst>
-              <a:ext uri="{28A0092B-C50C-407E-A947-70E740481C1C}">
-                <a14:useLocalDpi xmlns:a14="http://schemas.microsoft.com/office/drawing/2010/main" val="0"/>
-              </a:ext>
-            </a:extLst>
-          </a:blip>
-          <a:srcRect/>
-          <a:stretch>
-            <a:fillRect/>
-          </a:stretch>
-        </p:blipFill>
-        <p:spPr bwMode="auto">
-          <a:xfrm>
-            <a:off x="6301120" y="4077072"/>
-            <a:ext cx="2539079" cy="2149793"/>
-          </a:xfrm>
-          <a:prstGeom prst="rect">
-            <a:avLst/>
-          </a:prstGeom>
-          <a:ln>
-            <a:noFill/>
-          </a:ln>
-          <a:effectLst>
-            <a:outerShdw blurRad="292100" dist="139700" dir="2700000" algn="tl" rotWithShape="0">
-              <a:srgbClr val="333333">
-                <a:alpha val="65000"/>
-              </a:srgbClr>
-            </a:outerShdw>
-          </a:effectLst>
-          <a:extLst>
-            <a:ext uri="{909E8E84-426E-40DD-AFC4-6F175D3DCCD1}">
-              <a14:hiddenFill xmlns:a14="http://schemas.microsoft.com/office/drawing/2010/main">
-                <a:solidFill>
-                  <a:schemeClr val="accent1"/>
-                </a:solidFill>
-              </a14:hiddenFill>
-            </a:ext>
-            <a:ext uri="{91240B29-F687-4F45-9708-019B960494DF}">
-              <a14:hiddenLine xmlns:a14="http://schemas.microsoft.com/office/drawing/2010/main" w="9525">
-                <a:solidFill>
-                  <a:schemeClr val="tx1"/>
-                </a:solidFill>
-                <a:miter lim="800000"/>
-                <a:headEnd/>
-                <a:tailEnd/>
-              </a14:hiddenLine>
-            </a:ext>
-          </a:extLst>
-        </p:spPr>
-      </p:pic>
-      <p:sp>
-        <p:nvSpPr>
-          <p:cNvPr id="2" name="Titel 1"/>
-          <p:cNvSpPr>
-            <a:spLocks noGrp="1"/>
-          </p:cNvSpPr>
-          <p:nvPr>
-            <p:ph type="title"/>
-          </p:nvPr>
-        </p:nvSpPr>
-        <p:spPr/>
-        <p:txBody>
-          <a:bodyPr/>
-          <a:lstStyle/>
-          <a:p>
-            <a:r>
-              <a:rPr lang="en-US" smtClean="0"/>
-              <a:t>Plugin Infrastructure</a:t>
-            </a:r>
-            <a:endParaRPr lang="en-US"/>
-          </a:p>
-        </p:txBody>
-      </p:sp>
-      <p:sp>
-        <p:nvSpPr>
-          <p:cNvPr id="3" name="Inhaltsplatzhalter 2"/>
-          <p:cNvSpPr>
-            <a:spLocks noGrp="1"/>
-          </p:cNvSpPr>
-          <p:nvPr>
-            <p:ph idx="1"/>
-          </p:nvPr>
-        </p:nvSpPr>
-        <p:spPr>
-          <a:xfrm>
-            <a:off x="457200" y="1600200"/>
-            <a:ext cx="5842992" cy="4525963"/>
-          </a:xfrm>
-        </p:spPr>
-        <p:txBody>
-          <a:bodyPr>
-            <a:normAutofit fontScale="70000" lnSpcReduction="20000"/>
-          </a:bodyPr>
-          <a:lstStyle/>
-          <a:p>
-            <a:r>
-              <a:rPr lang="en-US" dirty="0" err="1" smtClean="0"/>
-              <a:t>HeuristicLab</a:t>
-            </a:r>
-            <a:r>
-              <a:rPr lang="en-US" dirty="0" smtClean="0"/>
-              <a:t> consists of many assemblies</a:t>
-            </a:r>
-          </a:p>
-          <a:p>
-            <a:pPr lvl="1"/>
-            <a:r>
-              <a:rPr lang="en-US" dirty="0" smtClean="0"/>
-              <a:t>142 plugins in HeuristicLab 3.3.10</a:t>
-            </a:r>
-          </a:p>
-          <a:p>
-            <a:pPr lvl="1"/>
-            <a:r>
-              <a:rPr lang="en-US" dirty="0" smtClean="0"/>
-              <a:t>plugins can be loaded or unloaded at runtime</a:t>
-            </a:r>
-          </a:p>
-          <a:p>
-            <a:pPr lvl="1"/>
-            <a:r>
-              <a:rPr lang="en-US" dirty="0" smtClean="0"/>
-              <a:t>plugins can be updated via internet</a:t>
-            </a:r>
-          </a:p>
-          <a:p>
-            <a:pPr lvl="1"/>
-            <a:r>
-              <a:rPr lang="en-US" dirty="0" smtClean="0"/>
-              <a:t>application plugins provide GUI frontends</a:t>
-            </a:r>
-          </a:p>
-          <a:p>
-            <a:pPr lvl="3"/>
-            <a:endParaRPr lang="en-US" dirty="0" smtClean="0"/>
-          </a:p>
-          <a:p>
-            <a:r>
-              <a:rPr lang="en-US" dirty="0" smtClean="0"/>
-              <a:t>Extensibility</a:t>
-            </a:r>
-          </a:p>
-          <a:p>
-            <a:pPr lvl="1"/>
-            <a:r>
-              <a:rPr lang="en-US" dirty="0" smtClean="0"/>
-              <a:t>developing and deploying new plugins is easy</a:t>
-            </a:r>
-          </a:p>
-          <a:p>
-            <a:pPr lvl="1"/>
-            <a:r>
-              <a:rPr lang="en-US" dirty="0" smtClean="0"/>
-              <a:t>dependencies are explicitly defined, automatically checked and resolved</a:t>
-            </a:r>
-          </a:p>
-          <a:p>
-            <a:pPr lvl="1"/>
-            <a:r>
-              <a:rPr lang="en-US" dirty="0" smtClean="0"/>
-              <a:t>automatic discovery of interface implementations (service locator pattern)</a:t>
-            </a:r>
-          </a:p>
-          <a:p>
-            <a:pPr lvl="3"/>
-            <a:endParaRPr lang="en-US" dirty="0" smtClean="0"/>
-          </a:p>
-          <a:p>
-            <a:r>
-              <a:rPr lang="en-US" dirty="0" smtClean="0"/>
-              <a:t>Plugin Manager</a:t>
-            </a:r>
-          </a:p>
-          <a:p>
-            <a:pPr lvl="1"/>
-            <a:r>
-              <a:rPr lang="en-US" dirty="0" smtClean="0"/>
-              <a:t>GUI to check, install, update or delete plugins</a:t>
-            </a:r>
-            <a:endParaRPr lang="en-US" dirty="0"/>
-          </a:p>
-        </p:txBody>
-      </p:sp>
-      <p:sp>
-        <p:nvSpPr>
-          <p:cNvPr id="4" name="Datumsplatzhalter 3"/>
-          <p:cNvSpPr>
-            <a:spLocks noGrp="1"/>
-          </p:cNvSpPr>
-          <p:nvPr>
-            <p:ph type="dt" sz="half" idx="10"/>
-          </p:nvPr>
-        </p:nvSpPr>
-        <p:spPr/>
-        <p:txBody>
-          <a:bodyPr/>
-          <a:lstStyle/>
-          <a:p>
-            <a:r>
-              <a:rPr lang="de-DE" smtClean="0"/>
-              <a:t>HeuristicLab Tutorial</a:t>
-            </a:r>
-            <a:endParaRPr lang="en-US"/>
-          </a:p>
-        </p:txBody>
-      </p:sp>
-      <p:sp>
-        <p:nvSpPr>
-          <p:cNvPr id="5" name="Fußzeilenplatzhalter 4"/>
-          <p:cNvSpPr>
-            <a:spLocks noGrp="1"/>
-          </p:cNvSpPr>
-          <p:nvPr>
-            <p:ph type="ftr" sz="quarter" idx="11"/>
-          </p:nvPr>
-        </p:nvSpPr>
-        <p:spPr/>
-        <p:txBody>
-          <a:bodyPr/>
-          <a:lstStyle/>
-          <a:p>
-            <a:r>
-              <a:rPr lang="en-US" smtClean="0"/>
-              <a:t>http://dev.heuristiclab.com</a:t>
-            </a:r>
-            <a:endParaRPr lang="en-US"/>
-          </a:p>
-        </p:txBody>
-      </p:sp>
-      <p:sp>
-        <p:nvSpPr>
-          <p:cNvPr id="6" name="Foliennummernplatzhalter 5"/>
-          <p:cNvSpPr>
-            <a:spLocks noGrp="1"/>
-          </p:cNvSpPr>
-          <p:nvPr>
-            <p:ph type="sldNum" sz="quarter" idx="12"/>
-          </p:nvPr>
-        </p:nvSpPr>
-        <p:spPr/>
-        <p:txBody>
-          <a:bodyPr/>
-          <a:lstStyle/>
-          <a:p>
-            <a:fld id="{6C6AE60A-B69C-4790-82F7-3882EDF23186}" type="slidenum">
-              <a:rPr lang="en-US" smtClean="0"/>
-              <a:pPr/>
-              <a:t>8</a:t>
-            </a:fld>
-            <a:endParaRPr lang="en-US"/>
-          </a:p>
-        </p:txBody>
-      </p:sp>
-      <p:pic>
-        <p:nvPicPr>
-          <p:cNvPr id="9" name="Picture 6"/>
-          <p:cNvPicPr>
-            <a:picLocks noChangeAspect="1" noChangeArrowheads="1"/>
-          </p:cNvPicPr>
-          <p:nvPr/>
-        </p:nvPicPr>
-        <p:blipFill>
-          <a:blip r:embed="rId3">
-            <a:extLst>
-              <a:ext uri="{28A0092B-C50C-407E-A947-70E740481C1C}">
-                <a14:useLocalDpi xmlns:a14="http://schemas.microsoft.com/office/drawing/2010/main" val="0"/>
-              </a:ext>
-            </a:extLst>
-          </a:blip>
-          <a:srcRect/>
-          <a:stretch>
-            <a:fillRect/>
-          </a:stretch>
-        </p:blipFill>
-        <p:spPr bwMode="auto">
-          <a:xfrm>
-            <a:off x="6719457" y="1844824"/>
-            <a:ext cx="1702403" cy="1772126"/>
-          </a:xfrm>
-          <a:prstGeom prst="rect">
-            <a:avLst/>
-          </a:prstGeom>
-          <a:ln>
-            <a:noFill/>
-          </a:ln>
-          <a:effectLst>
-            <a:outerShdw blurRad="292100" dist="139700" dir="2700000" algn="tl" rotWithShape="0">
-              <a:srgbClr val="333333">
-                <a:alpha val="65000"/>
-              </a:srgbClr>
-            </a:outerShdw>
-          </a:effectLst>
-          <a:extLst>
-            <a:ext uri="{909E8E84-426E-40DD-AFC4-6F175D3DCCD1}">
-              <a14:hiddenFill xmlns:a14="http://schemas.microsoft.com/office/drawing/2010/main">
-                <a:solidFill>
-                  <a:schemeClr val="accent1"/>
-                </a:solidFill>
-              </a14:hiddenFill>
-            </a:ext>
-            <a:ext uri="{91240B29-F687-4F45-9708-019B960494DF}">
-              <a14:hiddenLine xmlns:a14="http://schemas.microsoft.com/office/drawing/2010/main" w="9525">
-                <a:solidFill>
-                  <a:schemeClr val="tx1"/>
-                </a:solidFill>
-                <a:miter lim="800000"/>
-                <a:headEnd/>
-                <a:tailEnd/>
-              </a14:hiddenLine>
-            </a:ext>
-          </a:extLst>
-        </p:spPr>
-      </p:pic>
-    </p:spTree>
-  </p:cSld>
-  <p:clrMapOvr>
-    <a:masterClrMapping/>
-  </p:clrMapOvr>
-  <p:transition/>
-  <p:timing>
-    <p:tnLst>
-      <p:par>
-        <p:cTn id="1" dur="indefinite" restart="never" nodeType="tmRoot"/>
-      </p:par>
-    </p:tnLst>
-  </p:timing>
-</p:sld>
-</file>
-
-<file path=ppt/slides/slide80.xml><?xml version="1.0" encoding="utf-8"?>
+<file path=ppt/slides/slide94.xml><?xml version="1.0" encoding="utf-8"?>
 <p:sld xmlns:a="http://schemas.openxmlformats.org/drawingml/2006/main" xmlns:r="http://schemas.openxmlformats.org/officeDocument/2006/relationships" xmlns:p="http://schemas.openxmlformats.org/presentationml/2006/main">
   <p:cSld>
     <p:spTree>
@@ -41857,7 +46444,7 @@
             <a:fld id="{6C6AE60A-B69C-4790-82F7-3882EDF23186}" type="slidenum">
               <a:rPr lang="de-DE" smtClean="0"/>
               <a:pPr/>
-              <a:t>80</a:t>
+              <a:t>94</a:t>
             </a:fld>
             <a:endParaRPr lang="de-DE"/>
           </a:p>
@@ -42037,7 +46624,7 @@
 </p:sld>
 </file>
 
-<file path=ppt/slides/slide81.xml><?xml version="1.0" encoding="utf-8"?>
+<file path=ppt/slides/slide95.xml><?xml version="1.0" encoding="utf-8"?>
 <p:sld xmlns:a="http://schemas.openxmlformats.org/drawingml/2006/main" xmlns:r="http://schemas.openxmlformats.org/officeDocument/2006/relationships" xmlns:p="http://schemas.openxmlformats.org/presentationml/2006/main">
   <p:cSld>
     <p:spTree>
@@ -42056,159 +46643,6 @@
       </p:grpSpPr>
       <p:sp>
         <p:nvSpPr>
-          <p:cNvPr id="2" name="Titel 1"/>
-          <p:cNvSpPr>
-            <a:spLocks noGrp="1"/>
-          </p:cNvSpPr>
-          <p:nvPr>
-            <p:ph type="title"/>
-          </p:nvPr>
-        </p:nvSpPr>
-        <p:spPr/>
-        <p:txBody>
-          <a:bodyPr/>
-          <a:lstStyle/>
-          <a:p>
-            <a:r>
-              <a:rPr lang="de-DE" dirty="0" err="1" smtClean="0"/>
-              <a:t>Multiencoding</a:t>
-            </a:r>
-            <a:endParaRPr lang="de-DE" dirty="0"/>
-          </a:p>
-        </p:txBody>
-      </p:sp>
-      <p:sp>
-        <p:nvSpPr>
-          <p:cNvPr id="3" name="Inhaltsplatzhalter 2"/>
-          <p:cNvSpPr>
-            <a:spLocks noGrp="1"/>
-          </p:cNvSpPr>
-          <p:nvPr>
-            <p:ph idx="1"/>
-          </p:nvPr>
-        </p:nvSpPr>
-        <p:spPr/>
-        <p:txBody>
-          <a:bodyPr/>
-          <a:lstStyle/>
-          <a:p>
-            <a:r>
-              <a:rPr lang="de-DE" dirty="0" smtClean="0"/>
-              <a:t>TODO</a:t>
-            </a:r>
-            <a:endParaRPr lang="de-DE" dirty="0"/>
-          </a:p>
-        </p:txBody>
-      </p:sp>
-      <p:sp>
-        <p:nvSpPr>
-          <p:cNvPr id="4" name="Datumsplatzhalter 3"/>
-          <p:cNvSpPr>
-            <a:spLocks noGrp="1"/>
-          </p:cNvSpPr>
-          <p:nvPr>
-            <p:ph type="dt" sz="half" idx="10"/>
-          </p:nvPr>
-        </p:nvSpPr>
-        <p:spPr/>
-        <p:txBody>
-          <a:bodyPr/>
-          <a:lstStyle/>
-          <a:p>
-            <a:r>
-              <a:rPr lang="de-DE" smtClean="0"/>
-              <a:t>HeuristicLab Tutorial</a:t>
-            </a:r>
-            <a:endParaRPr lang="de-DE"/>
-          </a:p>
-        </p:txBody>
-      </p:sp>
-      <p:sp>
-        <p:nvSpPr>
-          <p:cNvPr id="5" name="Fußzeilenplatzhalter 4"/>
-          <p:cNvSpPr>
-            <a:spLocks noGrp="1"/>
-          </p:cNvSpPr>
-          <p:nvPr>
-            <p:ph type="ftr" sz="quarter" idx="11"/>
-          </p:nvPr>
-        </p:nvSpPr>
-        <p:spPr/>
-        <p:txBody>
-          <a:bodyPr/>
-          <a:lstStyle/>
-          <a:p>
-            <a:r>
-              <a:rPr lang="de-DE" smtClean="0"/>
-              <a:t>http://dev.heuristiclab.com</a:t>
-            </a:r>
-            <a:endParaRPr lang="de-DE"/>
-          </a:p>
-        </p:txBody>
-      </p:sp>
-      <p:sp>
-        <p:nvSpPr>
-          <p:cNvPr id="6" name="Foliennummernplatzhalter 5"/>
-          <p:cNvSpPr>
-            <a:spLocks noGrp="1"/>
-          </p:cNvSpPr>
-          <p:nvPr>
-            <p:ph type="sldNum" sz="quarter" idx="12"/>
-          </p:nvPr>
-        </p:nvSpPr>
-        <p:spPr/>
-        <p:txBody>
-          <a:bodyPr/>
-          <a:lstStyle/>
-          <a:p>
-            <a:fld id="{6C6AE60A-B69C-4790-82F7-3882EDF23186}" type="slidenum">
-              <a:rPr lang="de-DE" smtClean="0"/>
-              <a:pPr/>
-              <a:t>81</a:t>
-            </a:fld>
-            <a:endParaRPr lang="de-DE"/>
-          </a:p>
-        </p:txBody>
-      </p:sp>
-    </p:spTree>
-    <p:extLst>
-      <p:ext uri="{BB962C8B-B14F-4D97-AF65-F5344CB8AC3E}">
-        <p14:creationId xmlns:p14="http://schemas.microsoft.com/office/powerpoint/2010/main" val="2554114942"/>
-      </p:ext>
-    </p:extLst>
-  </p:cSld>
-  <p:clrMapOvr>
-    <a:masterClrMapping/>
-  </p:clrMapOvr>
-  <p:timing>
-    <p:tnLst>
-      <p:par>
-        <p:cTn id="1" dur="indefinite" restart="never" nodeType="tmRoot"/>
-      </p:par>
-    </p:tnLst>
-  </p:timing>
-</p:sld>
-</file>
-
-<file path=ppt/slides/slide82.xml><?xml version="1.0" encoding="utf-8"?>
-<p:sld xmlns:a="http://schemas.openxmlformats.org/drawingml/2006/main" xmlns:r="http://schemas.openxmlformats.org/officeDocument/2006/relationships" xmlns:p="http://schemas.openxmlformats.org/presentationml/2006/main">
-  <p:cSld>
-    <p:spTree>
-      <p:nvGrpSpPr>
-        <p:cNvPr id="1" name=""/>
-        <p:cNvGrpSpPr/>
-        <p:nvPr/>
-      </p:nvGrpSpPr>
-      <p:grpSpPr>
-        <a:xfrm>
-          <a:off x="0" y="0"/>
-          <a:ext cx="0" cy="0"/>
-          <a:chOff x="0" y="0"/>
-          <a:chExt cx="0" cy="0"/>
-        </a:xfrm>
-      </p:grpSpPr>
-      <p:sp>
-        <p:nvSpPr>
           <p:cNvPr id="2" name="Title 1"/>
           <p:cNvSpPr>
             <a:spLocks noGrp="1"/>
@@ -42377,8 +46811,10 @@
                   </a:schemeClr>
                 </a:solidFill>
               </a:rPr>
-              <a:t>Demonstration Part I: </a:t>
-            </a:r>
+              <a:t>Demonstration Part I: External Evaluation Problem</a:t>
+            </a:r>
+          </a:p>
+          <a:p>
             <a:r>
               <a:rPr lang="en-US" b="1" dirty="0" smtClean="0">
                 <a:solidFill>
@@ -42387,36 +46823,7 @@
                   </a:schemeClr>
                 </a:solidFill>
               </a:rPr>
-              <a:t>External Evaluation Problem</a:t>
-            </a:r>
-            <a:endParaRPr lang="en-US" b="1" dirty="0" smtClean="0">
-              <a:solidFill>
-                <a:schemeClr val="tx1">
-                  <a:alpha val="25000"/>
-                </a:schemeClr>
-              </a:solidFill>
-            </a:endParaRPr>
-          </a:p>
-          <a:p>
-            <a:r>
-              <a:rPr lang="en-US" b="1" dirty="0" smtClean="0">
-                <a:solidFill>
-                  <a:schemeClr val="tx1">
-                    <a:alpha val="25000"/>
-                  </a:schemeClr>
-                </a:solidFill>
-              </a:rPr>
-              <a:t>Demonstration Part II: </a:t>
-            </a:r>
-            <a:r>
-              <a:rPr lang="en-US" b="1" dirty="0" smtClean="0">
-                <a:solidFill>
-                  <a:schemeClr val="tx1">
-                    <a:alpha val="25000"/>
-                  </a:schemeClr>
-                </a:solidFill>
-              </a:rPr>
-              <a:t>MATLAB and </a:t>
+              <a:t>Demonstration Part II: MATLAB and </a:t>
             </a:r>
             <a:r>
               <a:rPr lang="en-US" b="1" dirty="0" err="1" smtClean="0">
@@ -42605,7 +47012,7 @@
             <a:fld id="{6C6AE60A-B69C-4790-82F7-3882EDF23186}" type="slidenum">
               <a:rPr lang="de-DE" smtClean="0"/>
               <a:pPr/>
-              <a:t>82</a:t>
+              <a:t>95</a:t>
             </a:fld>
             <a:endParaRPr lang="de-DE"/>
           </a:p>
@@ -42874,7 +47281,7 @@
 </p:sld>
 </file>
 
-<file path=ppt/slides/slide83.xml><?xml version="1.0" encoding="utf-8"?>
+<file path=ppt/slides/slide96.xml><?xml version="1.0" encoding="utf-8"?>
 <p:sld xmlns:a="http://schemas.openxmlformats.org/drawingml/2006/main" xmlns:r="http://schemas.openxmlformats.org/officeDocument/2006/relationships" xmlns:p="http://schemas.openxmlformats.org/presentationml/2006/main">
   <p:cSld>
     <p:spTree>
@@ -43141,7 +47548,7 @@
             <a:fld id="{6C6AE60A-B69C-4790-82F7-3882EDF23186}" type="slidenum">
               <a:rPr lang="de-DE" smtClean="0"/>
               <a:pPr/>
-              <a:t>83</a:t>
+              <a:t>96</a:t>
             </a:fld>
             <a:endParaRPr lang="de-DE"/>
           </a:p>
@@ -43222,7 +47629,7 @@
 </p:sld>
 </file>
 
-<file path=ppt/slides/slide84.xml><?xml version="1.0" encoding="utf-8"?>
+<file path=ppt/slides/slide97.xml><?xml version="1.0" encoding="utf-8"?>
 <p:sld xmlns:a="http://schemas.openxmlformats.org/drawingml/2006/main" xmlns:r="http://schemas.openxmlformats.org/officeDocument/2006/relationships" xmlns:p="http://schemas.openxmlformats.org/presentationml/2006/main">
   <p:cSld>
     <p:spTree>
@@ -43792,7 +48199,7 @@
             <a:fld id="{6C6AE60A-B69C-4790-82F7-3882EDF23186}" type="slidenum">
               <a:rPr lang="de-DE" smtClean="0"/>
               <a:pPr/>
-              <a:t>84</a:t>
+              <a:t>97</a:t>
             </a:fld>
             <a:endParaRPr lang="de-DE"/>
           </a:p>
@@ -43819,7 +48226,7 @@
 </p:sld>
 </file>
 
-<file path=ppt/slides/slide85.xml><?xml version="1.0" encoding="utf-8"?>
+<file path=ppt/slides/slide98.xml><?xml version="1.0" encoding="utf-8"?>
 <p:sld xmlns:a="http://schemas.openxmlformats.org/drawingml/2006/main" xmlns:r="http://schemas.openxmlformats.org/officeDocument/2006/relationships" xmlns:p="http://schemas.openxmlformats.org/presentationml/2006/main">
   <p:cSld>
     <p:spTree>
@@ -43927,7 +48334,7 @@
             <a:fld id="{6C6AE60A-B69C-4790-82F7-3882EDF23186}" type="slidenum">
               <a:rPr lang="en-US" smtClean="0"/>
               <a:pPr/>
-              <a:t>85</a:t>
+              <a:t>98</a:t>
             </a:fld>
             <a:endParaRPr lang="en-US"/>
           </a:p>
@@ -44143,7 +48550,7 @@
 </p:sld>
 </file>
 
-<file path=ppt/slides/slide86.xml><?xml version="1.0" encoding="utf-8"?>
+<file path=ppt/slides/slide99.xml><?xml version="1.0" encoding="utf-8"?>
 <p:sld xmlns:a="http://schemas.openxmlformats.org/drawingml/2006/main" xmlns:r="http://schemas.openxmlformats.org/officeDocument/2006/relationships" xmlns:p="http://schemas.openxmlformats.org/presentationml/2006/main">
   <p:cSld>
     <p:spTree>
@@ -44430,7 +48837,7 @@
             <a:fld id="{6C6AE60A-B69C-4790-82F7-3882EDF23186}" type="slidenum">
               <a:rPr lang="de-DE" smtClean="0"/>
               <a:pPr/>
-              <a:t>86</a:t>
+              <a:t>99</a:t>
             </a:fld>
             <a:endParaRPr lang="de-DE"/>
           </a:p>
@@ -44567,1422 +48974,6 @@
     <a:masterClrMapping/>
   </p:clrMapOvr>
   <p:transition/>
-  <p:timing>
-    <p:tnLst>
-      <p:par>
-        <p:cTn id="1" dur="indefinite" restart="never" nodeType="tmRoot"/>
-      </p:par>
-    </p:tnLst>
-  </p:timing>
-</p:sld>
-</file>
-
-<file path=ppt/slides/slide87.xml><?xml version="1.0" encoding="utf-8"?>
-<p:sld xmlns:a="http://schemas.openxmlformats.org/drawingml/2006/main" xmlns:r="http://schemas.openxmlformats.org/officeDocument/2006/relationships" xmlns:p="http://schemas.openxmlformats.org/presentationml/2006/main">
-  <p:cSld>
-    <p:spTree>
-      <p:nvGrpSpPr>
-        <p:cNvPr id="1" name=""/>
-        <p:cNvGrpSpPr/>
-        <p:nvPr/>
-      </p:nvGrpSpPr>
-      <p:grpSpPr>
-        <a:xfrm>
-          <a:off x="0" y="0"/>
-          <a:ext cx="0" cy="0"/>
-          <a:chOff x="0" y="0"/>
-          <a:chExt cx="0" cy="0"/>
-        </a:xfrm>
-      </p:grpSpPr>
-      <p:sp>
-        <p:nvSpPr>
-          <p:cNvPr id="2" name="Title 1"/>
-          <p:cNvSpPr>
-            <a:spLocks noGrp="1"/>
-          </p:cNvSpPr>
-          <p:nvPr>
-            <p:ph type="title"/>
-          </p:nvPr>
-        </p:nvSpPr>
-        <p:spPr/>
-        <p:txBody>
-          <a:bodyPr/>
-          <a:lstStyle/>
-          <a:p>
-            <a:r>
-              <a:rPr lang="de-DE" dirty="0" err="1" smtClean="0"/>
-              <a:t>Bibliography</a:t>
-            </a:r>
-            <a:endParaRPr lang="de-AT" dirty="0"/>
-          </a:p>
-        </p:txBody>
-      </p:sp>
-      <p:sp>
-        <p:nvSpPr>
-          <p:cNvPr id="3" name="Content Placeholder 2"/>
-          <p:cNvSpPr>
-            <a:spLocks noGrp="1"/>
-          </p:cNvSpPr>
-          <p:nvPr>
-            <p:ph idx="1"/>
-          </p:nvPr>
-        </p:nvSpPr>
-        <p:spPr>
-          <a:xfrm>
-            <a:off x="457200" y="1417638"/>
-            <a:ext cx="8229600" cy="4708525"/>
-          </a:xfrm>
-        </p:spPr>
-        <p:txBody>
-          <a:bodyPr>
-            <a:normAutofit fontScale="25000" lnSpcReduction="20000"/>
-          </a:bodyPr>
-          <a:lstStyle/>
-          <a:p>
-            <a:r>
-              <a:rPr lang="de-AT" dirty="0" smtClean="0"/>
-              <a:t>S</a:t>
-            </a:r>
-            <a:r>
-              <a:rPr lang="de-AT" dirty="0"/>
-              <a:t>. Wagner, M. Affenzeller</a:t>
-            </a:r>
-            <a:br>
-              <a:rPr lang="de-AT" dirty="0"/>
-            </a:br>
-            <a:r>
-              <a:rPr lang="de-AT" b="1" dirty="0" err="1"/>
-              <a:t>HeuristicLab</a:t>
-            </a:r>
-            <a:r>
-              <a:rPr lang="de-AT" b="1" dirty="0"/>
-              <a:t>: A </a:t>
-            </a:r>
-            <a:r>
-              <a:rPr lang="de-AT" b="1" dirty="0" err="1"/>
-              <a:t>generic</a:t>
-            </a:r>
-            <a:r>
-              <a:rPr lang="de-AT" b="1" dirty="0"/>
-              <a:t> </a:t>
-            </a:r>
-            <a:r>
-              <a:rPr lang="de-AT" b="1" dirty="0" err="1"/>
-              <a:t>and</a:t>
-            </a:r>
-            <a:r>
-              <a:rPr lang="de-AT" b="1" dirty="0"/>
-              <a:t> extensible </a:t>
-            </a:r>
-            <a:r>
-              <a:rPr lang="de-AT" b="1" dirty="0" err="1"/>
-              <a:t>optimization</a:t>
-            </a:r>
-            <a:r>
-              <a:rPr lang="de-AT" b="1" dirty="0"/>
-              <a:t> </a:t>
-            </a:r>
-            <a:r>
-              <a:rPr lang="de-AT" b="1" dirty="0" err="1"/>
-              <a:t>environment</a:t>
-            </a:r>
-            <a:r>
-              <a:rPr lang="de-AT" b="1" dirty="0"/>
-              <a:t/>
-            </a:r>
-            <a:br>
-              <a:rPr lang="de-AT" b="1" dirty="0"/>
-            </a:br>
-            <a:r>
-              <a:rPr lang="de-AT" dirty="0"/>
-              <a:t>Adaptive </a:t>
-            </a:r>
-            <a:r>
-              <a:rPr lang="de-AT" dirty="0" err="1"/>
-              <a:t>and</a:t>
-            </a:r>
-            <a:r>
-              <a:rPr lang="de-AT" dirty="0"/>
-              <a:t> Natural Computing </a:t>
-            </a:r>
-            <a:r>
-              <a:rPr lang="de-AT" dirty="0" err="1"/>
-              <a:t>Algorithms</a:t>
-            </a:r>
-            <a:r>
-              <a:rPr lang="de-AT" dirty="0"/>
-              <a:t>, pp. 538-541</a:t>
-            </a:r>
-            <a:br>
-              <a:rPr lang="de-AT" dirty="0"/>
-            </a:br>
-            <a:r>
-              <a:rPr lang="de-AT" dirty="0"/>
-              <a:t>Springer, 2005</a:t>
-            </a:r>
-          </a:p>
-          <a:p>
-            <a:pPr lvl="3"/>
-            <a:endParaRPr lang="de-DE" dirty="0" smtClean="0"/>
-          </a:p>
-          <a:p>
-            <a:pPr lvl="3"/>
-            <a:endParaRPr lang="de-AT" dirty="0"/>
-          </a:p>
-          <a:p>
-            <a:r>
-              <a:rPr lang="de-AT" dirty="0"/>
-              <a:t>S. Wagner, S. Winkler, R. Braune, G. Kronberger, A. Beham, M. Affenzeller</a:t>
-            </a:r>
-            <a:br>
-              <a:rPr lang="de-AT" dirty="0"/>
-            </a:br>
-            <a:r>
-              <a:rPr lang="de-AT" b="1" dirty="0" err="1"/>
-              <a:t>Benefits</a:t>
-            </a:r>
-            <a:r>
-              <a:rPr lang="de-AT" b="1" dirty="0"/>
-              <a:t> </a:t>
-            </a:r>
-            <a:r>
-              <a:rPr lang="de-AT" b="1" dirty="0" err="1"/>
-              <a:t>of</a:t>
-            </a:r>
-            <a:r>
-              <a:rPr lang="de-AT" b="1" dirty="0"/>
-              <a:t> </a:t>
-            </a:r>
-            <a:r>
-              <a:rPr lang="de-AT" b="1" dirty="0" err="1"/>
-              <a:t>plugin-based</a:t>
-            </a:r>
-            <a:r>
-              <a:rPr lang="de-AT" b="1" dirty="0"/>
-              <a:t> </a:t>
-            </a:r>
-            <a:r>
-              <a:rPr lang="de-AT" b="1" dirty="0" err="1"/>
-              <a:t>heuristic</a:t>
-            </a:r>
-            <a:r>
-              <a:rPr lang="de-AT" b="1" dirty="0"/>
-              <a:t> </a:t>
-            </a:r>
-            <a:r>
-              <a:rPr lang="de-AT" b="1" dirty="0" err="1"/>
-              <a:t>optimization</a:t>
-            </a:r>
-            <a:r>
-              <a:rPr lang="de-AT" b="1" dirty="0"/>
-              <a:t> </a:t>
-            </a:r>
-            <a:r>
-              <a:rPr lang="de-AT" b="1" dirty="0" err="1"/>
-              <a:t>software</a:t>
-            </a:r>
-            <a:r>
-              <a:rPr lang="de-AT" b="1" dirty="0"/>
-              <a:t> </a:t>
-            </a:r>
-            <a:r>
-              <a:rPr lang="de-AT" b="1" dirty="0" err="1"/>
-              <a:t>systems</a:t>
-            </a:r>
-            <a:r>
-              <a:rPr lang="de-AT" b="1" dirty="0"/>
-              <a:t/>
-            </a:r>
-            <a:br>
-              <a:rPr lang="de-AT" b="1" dirty="0"/>
-            </a:br>
-            <a:r>
-              <a:rPr lang="de-AT" dirty="0"/>
-              <a:t>Computer </a:t>
-            </a:r>
-            <a:r>
-              <a:rPr lang="de-AT" dirty="0" err="1"/>
-              <a:t>Aided</a:t>
-            </a:r>
-            <a:r>
-              <a:rPr lang="de-AT" dirty="0"/>
-              <a:t> Systems </a:t>
-            </a:r>
-            <a:r>
-              <a:rPr lang="de-AT" dirty="0" err="1"/>
-              <a:t>Theory</a:t>
-            </a:r>
-            <a:r>
-              <a:rPr lang="de-AT" dirty="0"/>
-              <a:t> - EUROCAST 2007, </a:t>
-            </a:r>
-            <a:r>
-              <a:rPr lang="de-AT" dirty="0" err="1"/>
-              <a:t>Lecture</a:t>
-            </a:r>
-            <a:r>
-              <a:rPr lang="de-AT" dirty="0"/>
-              <a:t> Notes in Computer Science, vol. 4739, pp. 747-754</a:t>
-            </a:r>
-            <a:br>
-              <a:rPr lang="de-AT" dirty="0"/>
-            </a:br>
-            <a:r>
-              <a:rPr lang="de-AT" dirty="0"/>
-              <a:t>Springer, 2007</a:t>
-            </a:r>
-          </a:p>
-          <a:p>
-            <a:pPr lvl="3"/>
-            <a:endParaRPr lang="de-DE" dirty="0" smtClean="0"/>
-          </a:p>
-          <a:p>
-            <a:pPr lvl="3"/>
-            <a:endParaRPr lang="de-AT" dirty="0"/>
-          </a:p>
-          <a:p>
-            <a:r>
-              <a:rPr lang="de-AT" dirty="0"/>
-              <a:t>S. Wagner, G. Kronberger, A. Beham, S. Winkler, M. Affenzeller</a:t>
-            </a:r>
-            <a:br>
-              <a:rPr lang="de-AT" dirty="0"/>
-            </a:br>
-            <a:r>
-              <a:rPr lang="de-AT" b="1" dirty="0"/>
-              <a:t>Modeling </a:t>
-            </a:r>
-            <a:r>
-              <a:rPr lang="de-AT" b="1" dirty="0" err="1"/>
-              <a:t>of</a:t>
-            </a:r>
-            <a:r>
-              <a:rPr lang="de-AT" b="1" dirty="0"/>
-              <a:t> </a:t>
-            </a:r>
-            <a:r>
-              <a:rPr lang="de-AT" b="1" dirty="0" err="1"/>
-              <a:t>heuristic</a:t>
-            </a:r>
-            <a:r>
-              <a:rPr lang="de-AT" b="1" dirty="0"/>
-              <a:t> </a:t>
-            </a:r>
-            <a:r>
-              <a:rPr lang="de-AT" b="1" dirty="0" err="1"/>
-              <a:t>optimization</a:t>
-            </a:r>
-            <a:r>
-              <a:rPr lang="de-AT" b="1" dirty="0"/>
-              <a:t> </a:t>
-            </a:r>
-            <a:r>
-              <a:rPr lang="de-AT" b="1" dirty="0" err="1"/>
-              <a:t>algorithms</a:t>
-            </a:r>
-            <a:r>
-              <a:rPr lang="de-AT" b="1" dirty="0"/>
-              <a:t/>
-            </a:r>
-            <a:br>
-              <a:rPr lang="de-AT" b="1" dirty="0"/>
-            </a:br>
-            <a:r>
-              <a:rPr lang="de-AT" dirty="0" err="1"/>
-              <a:t>Proceedings</a:t>
-            </a:r>
-            <a:r>
-              <a:rPr lang="de-AT" dirty="0"/>
-              <a:t> </a:t>
-            </a:r>
-            <a:r>
-              <a:rPr lang="de-AT" dirty="0" err="1"/>
-              <a:t>of</a:t>
-            </a:r>
-            <a:r>
-              <a:rPr lang="de-AT" dirty="0"/>
-              <a:t> </a:t>
-            </a:r>
-            <a:r>
-              <a:rPr lang="de-AT" dirty="0" err="1"/>
-              <a:t>the</a:t>
-            </a:r>
-            <a:r>
-              <a:rPr lang="de-AT" dirty="0"/>
-              <a:t> 20th European Modeling </a:t>
-            </a:r>
-            <a:r>
-              <a:rPr lang="de-AT" dirty="0" err="1"/>
-              <a:t>and</a:t>
-            </a:r>
-            <a:r>
-              <a:rPr lang="de-AT" dirty="0"/>
-              <a:t> Simulation Symposium, pp. 106-111</a:t>
-            </a:r>
-            <a:br>
-              <a:rPr lang="de-AT" dirty="0"/>
-            </a:br>
-            <a:r>
-              <a:rPr lang="de-AT" dirty="0"/>
-              <a:t>DIPTEM University </a:t>
-            </a:r>
-            <a:r>
-              <a:rPr lang="de-AT" dirty="0" err="1"/>
-              <a:t>of</a:t>
-            </a:r>
-            <a:r>
-              <a:rPr lang="de-AT" dirty="0"/>
-              <a:t> Genova, 2008</a:t>
-            </a:r>
-          </a:p>
-          <a:p>
-            <a:pPr lvl="3"/>
-            <a:endParaRPr lang="de-DE" dirty="0" smtClean="0"/>
-          </a:p>
-          <a:p>
-            <a:pPr lvl="3"/>
-            <a:endParaRPr lang="de-AT" dirty="0"/>
-          </a:p>
-          <a:p>
-            <a:r>
-              <a:rPr lang="de-AT" dirty="0"/>
-              <a:t>S. Wagner, G. Kronberger, A. Beham, S. Winkler, M. Affenzeller</a:t>
-            </a:r>
-            <a:br>
-              <a:rPr lang="de-AT" dirty="0"/>
-            </a:br>
-            <a:r>
-              <a:rPr lang="de-AT" b="1" dirty="0"/>
-              <a:t>Model </a:t>
-            </a:r>
-            <a:r>
-              <a:rPr lang="de-AT" b="1" dirty="0" err="1"/>
-              <a:t>driven</a:t>
-            </a:r>
-            <a:r>
-              <a:rPr lang="de-AT" b="1" dirty="0"/>
-              <a:t> rapid </a:t>
-            </a:r>
-            <a:r>
-              <a:rPr lang="de-AT" b="1" dirty="0" err="1"/>
-              <a:t>prototyping</a:t>
-            </a:r>
-            <a:r>
-              <a:rPr lang="de-AT" b="1" dirty="0"/>
-              <a:t> </a:t>
-            </a:r>
-            <a:r>
-              <a:rPr lang="de-AT" b="1" dirty="0" err="1"/>
-              <a:t>of</a:t>
-            </a:r>
-            <a:r>
-              <a:rPr lang="de-AT" b="1" dirty="0"/>
-              <a:t> </a:t>
-            </a:r>
-            <a:r>
-              <a:rPr lang="de-AT" b="1" dirty="0" err="1"/>
-              <a:t>heuristic</a:t>
-            </a:r>
-            <a:r>
-              <a:rPr lang="de-AT" b="1" dirty="0"/>
-              <a:t> </a:t>
-            </a:r>
-            <a:r>
-              <a:rPr lang="de-AT" b="1" dirty="0" err="1"/>
-              <a:t>optimization</a:t>
-            </a:r>
-            <a:r>
-              <a:rPr lang="de-AT" b="1" dirty="0"/>
-              <a:t> </a:t>
-            </a:r>
-            <a:r>
-              <a:rPr lang="de-AT" b="1" dirty="0" err="1"/>
-              <a:t>algorithms</a:t>
-            </a:r>
-            <a:r>
-              <a:rPr lang="de-AT" dirty="0"/>
-              <a:t/>
-            </a:r>
-            <a:br>
-              <a:rPr lang="de-AT" dirty="0"/>
-            </a:br>
-            <a:r>
-              <a:rPr lang="de-AT" dirty="0"/>
-              <a:t>Computer </a:t>
-            </a:r>
-            <a:r>
-              <a:rPr lang="de-AT" dirty="0" err="1"/>
-              <a:t>Aided</a:t>
-            </a:r>
-            <a:r>
-              <a:rPr lang="de-AT" dirty="0"/>
-              <a:t> Systems </a:t>
-            </a:r>
-            <a:r>
-              <a:rPr lang="de-AT" dirty="0" err="1"/>
-              <a:t>Theory</a:t>
-            </a:r>
-            <a:r>
-              <a:rPr lang="de-AT" dirty="0"/>
-              <a:t> - EUROCAST 2009, </a:t>
-            </a:r>
-            <a:r>
-              <a:rPr lang="de-AT" dirty="0" err="1"/>
-              <a:t>Lecture</a:t>
-            </a:r>
-            <a:r>
-              <a:rPr lang="de-AT" dirty="0"/>
-              <a:t> Notes in Computer Science, vol. 5717, pp. 729-736</a:t>
-            </a:r>
-            <a:br>
-              <a:rPr lang="de-AT" dirty="0"/>
-            </a:br>
-            <a:r>
-              <a:rPr lang="de-AT" dirty="0"/>
-              <a:t>Springer, 2009</a:t>
-            </a:r>
-          </a:p>
-          <a:p>
-            <a:pPr lvl="3"/>
-            <a:endParaRPr lang="de-DE" dirty="0" smtClean="0"/>
-          </a:p>
-          <a:p>
-            <a:pPr lvl="3"/>
-            <a:endParaRPr lang="de-AT" dirty="0"/>
-          </a:p>
-          <a:p>
-            <a:r>
-              <a:rPr lang="de-AT" dirty="0"/>
-              <a:t>S. Wagner</a:t>
-            </a:r>
-            <a:br>
-              <a:rPr lang="de-AT" dirty="0"/>
-            </a:br>
-            <a:r>
-              <a:rPr lang="de-AT" b="1" dirty="0" err="1"/>
-              <a:t>Heuristic</a:t>
-            </a:r>
-            <a:r>
-              <a:rPr lang="de-AT" b="1" dirty="0"/>
-              <a:t> </a:t>
-            </a:r>
-            <a:r>
-              <a:rPr lang="de-AT" b="1" dirty="0" err="1"/>
-              <a:t>optimization</a:t>
-            </a:r>
-            <a:r>
-              <a:rPr lang="de-AT" b="1" dirty="0"/>
-              <a:t> </a:t>
-            </a:r>
-            <a:r>
-              <a:rPr lang="de-AT" b="1" dirty="0" err="1"/>
-              <a:t>software</a:t>
-            </a:r>
-            <a:r>
-              <a:rPr lang="de-AT" b="1" dirty="0"/>
-              <a:t> </a:t>
-            </a:r>
-            <a:r>
-              <a:rPr lang="de-AT" b="1" dirty="0" err="1"/>
-              <a:t>systems</a:t>
-            </a:r>
-            <a:r>
-              <a:rPr lang="de-AT" b="1" dirty="0"/>
-              <a:t> - Modeling </a:t>
-            </a:r>
-            <a:r>
-              <a:rPr lang="de-AT" b="1" dirty="0" err="1"/>
-              <a:t>of</a:t>
-            </a:r>
-            <a:r>
-              <a:rPr lang="de-AT" b="1" dirty="0"/>
-              <a:t> </a:t>
-            </a:r>
-            <a:r>
-              <a:rPr lang="de-AT" b="1" dirty="0" err="1"/>
-              <a:t>heuristic</a:t>
-            </a:r>
-            <a:r>
-              <a:rPr lang="de-AT" b="1" dirty="0"/>
-              <a:t> </a:t>
-            </a:r>
-            <a:r>
-              <a:rPr lang="de-AT" b="1" dirty="0" err="1"/>
-              <a:t>optimization</a:t>
-            </a:r>
-            <a:r>
-              <a:rPr lang="de-AT" b="1" dirty="0"/>
-              <a:t> </a:t>
-            </a:r>
-            <a:r>
-              <a:rPr lang="de-AT" b="1" dirty="0" err="1"/>
-              <a:t>algorithms</a:t>
-            </a:r>
-            <a:r>
-              <a:rPr lang="de-AT" b="1" dirty="0"/>
-              <a:t> in </a:t>
-            </a:r>
-            <a:r>
-              <a:rPr lang="de-AT" b="1" dirty="0" err="1"/>
-              <a:t>the</a:t>
-            </a:r>
-            <a:r>
-              <a:rPr lang="de-AT" b="1" dirty="0"/>
-              <a:t> </a:t>
-            </a:r>
-            <a:r>
-              <a:rPr lang="de-AT" b="1" dirty="0" err="1"/>
-              <a:t>HeuristicLab</a:t>
-            </a:r>
-            <a:r>
-              <a:rPr lang="de-AT" b="1" dirty="0"/>
-              <a:t> </a:t>
-            </a:r>
-            <a:r>
-              <a:rPr lang="de-AT" b="1" dirty="0" err="1"/>
-              <a:t>software</a:t>
-            </a:r>
-            <a:r>
-              <a:rPr lang="de-AT" b="1" dirty="0"/>
-              <a:t> </a:t>
-            </a:r>
-            <a:r>
-              <a:rPr lang="de-AT" b="1" dirty="0" err="1"/>
-              <a:t>environment</a:t>
-            </a:r>
-            <a:r>
-              <a:rPr lang="de-AT" b="1" dirty="0"/>
-              <a:t/>
-            </a:r>
-            <a:br>
-              <a:rPr lang="de-AT" b="1" dirty="0"/>
-            </a:br>
-            <a:r>
-              <a:rPr lang="de-AT" dirty="0" err="1"/>
-              <a:t>Ph.D</a:t>
-            </a:r>
-            <a:r>
-              <a:rPr lang="de-AT" dirty="0"/>
-              <a:t>. </a:t>
-            </a:r>
-            <a:r>
-              <a:rPr lang="de-AT" dirty="0" err="1"/>
-              <a:t>thesis</a:t>
-            </a:r>
-            <a:r>
-              <a:rPr lang="de-AT" dirty="0"/>
-              <a:t>, Johannes Kepler University Linz, Austria, 2009.</a:t>
-            </a:r>
-          </a:p>
-          <a:p>
-            <a:pPr lvl="3"/>
-            <a:endParaRPr lang="de-DE" dirty="0" smtClean="0"/>
-          </a:p>
-          <a:p>
-            <a:pPr lvl="3"/>
-            <a:endParaRPr lang="de-AT" dirty="0"/>
-          </a:p>
-          <a:p>
-            <a:r>
-              <a:rPr lang="de-AT" dirty="0"/>
-              <a:t>S. Wagner, A. Beham, G. Kronberger, M. </a:t>
-            </a:r>
-            <a:r>
-              <a:rPr lang="de-AT" dirty="0" err="1"/>
-              <a:t>Kommenda</a:t>
-            </a:r>
-            <a:r>
-              <a:rPr lang="de-AT" dirty="0"/>
-              <a:t>, E. Pitzer, M. Kofler, S. </a:t>
-            </a:r>
-            <a:r>
-              <a:rPr lang="de-AT" dirty="0" err="1"/>
-              <a:t>Vonolfen</a:t>
-            </a:r>
-            <a:r>
-              <a:rPr lang="de-AT" dirty="0"/>
-              <a:t>, S. Winkler, V. Dorfer, M. Affenzeller</a:t>
-            </a:r>
-            <a:br>
-              <a:rPr lang="de-AT" dirty="0"/>
-            </a:br>
-            <a:r>
-              <a:rPr lang="de-AT" b="1" dirty="0"/>
-              <a:t>HeuristicLab 3.3: A </a:t>
-            </a:r>
-            <a:r>
-              <a:rPr lang="de-AT" b="1" dirty="0" err="1"/>
-              <a:t>unified</a:t>
-            </a:r>
-            <a:r>
-              <a:rPr lang="de-AT" b="1" dirty="0"/>
-              <a:t> </a:t>
-            </a:r>
-            <a:r>
-              <a:rPr lang="de-AT" b="1" dirty="0" err="1"/>
-              <a:t>approach</a:t>
-            </a:r>
-            <a:r>
-              <a:rPr lang="de-AT" b="1" dirty="0"/>
-              <a:t> </a:t>
-            </a:r>
-            <a:r>
-              <a:rPr lang="de-AT" b="1" dirty="0" err="1"/>
-              <a:t>to</a:t>
-            </a:r>
-            <a:r>
-              <a:rPr lang="de-AT" b="1" dirty="0"/>
-              <a:t> </a:t>
-            </a:r>
-            <a:r>
-              <a:rPr lang="de-AT" b="1" dirty="0" err="1"/>
-              <a:t>metaheuristic</a:t>
-            </a:r>
-            <a:r>
-              <a:rPr lang="de-AT" b="1" dirty="0"/>
-              <a:t> </a:t>
-            </a:r>
-            <a:r>
-              <a:rPr lang="de-AT" b="1" dirty="0" err="1"/>
-              <a:t>optimization</a:t>
-            </a:r>
-            <a:r>
-              <a:rPr lang="de-AT" b="1" dirty="0"/>
-              <a:t/>
-            </a:r>
-            <a:br>
-              <a:rPr lang="de-AT" b="1" dirty="0"/>
-            </a:br>
-            <a:r>
-              <a:rPr lang="de-AT" dirty="0" err="1"/>
-              <a:t>Actas</a:t>
-            </a:r>
-            <a:r>
-              <a:rPr lang="de-AT" dirty="0"/>
-              <a:t> del </a:t>
-            </a:r>
-            <a:r>
-              <a:rPr lang="de-AT" dirty="0" err="1"/>
-              <a:t>séptimo</a:t>
-            </a:r>
-            <a:r>
-              <a:rPr lang="de-AT" dirty="0"/>
-              <a:t> </a:t>
-            </a:r>
-            <a:r>
-              <a:rPr lang="de-AT" dirty="0" err="1"/>
-              <a:t>congreso</a:t>
-            </a:r>
-            <a:r>
-              <a:rPr lang="de-AT" dirty="0"/>
-              <a:t> </a:t>
-            </a:r>
-            <a:r>
-              <a:rPr lang="de-AT" dirty="0" err="1"/>
-              <a:t>español</a:t>
-            </a:r>
-            <a:r>
-              <a:rPr lang="de-AT" dirty="0"/>
-              <a:t> </a:t>
-            </a:r>
-            <a:r>
-              <a:rPr lang="de-AT" dirty="0" err="1"/>
-              <a:t>sobre</a:t>
-            </a:r>
-            <a:r>
-              <a:rPr lang="de-AT" dirty="0"/>
-              <a:t> </a:t>
-            </a:r>
-            <a:r>
-              <a:rPr lang="de-AT" dirty="0" err="1"/>
-              <a:t>Metaheurísticas</a:t>
-            </a:r>
-            <a:r>
-              <a:rPr lang="de-AT" dirty="0"/>
-              <a:t>, </a:t>
-            </a:r>
-            <a:r>
-              <a:rPr lang="de-AT" dirty="0" err="1"/>
-              <a:t>Algoritmos</a:t>
-            </a:r>
-            <a:r>
-              <a:rPr lang="de-AT" dirty="0"/>
-              <a:t> </a:t>
-            </a:r>
-            <a:r>
-              <a:rPr lang="de-AT" dirty="0" err="1"/>
-              <a:t>Evolutivos</a:t>
-            </a:r>
-            <a:r>
-              <a:rPr lang="de-AT" dirty="0"/>
-              <a:t> y </a:t>
-            </a:r>
-            <a:r>
-              <a:rPr lang="de-AT" dirty="0" err="1"/>
-              <a:t>Bioinspirados</a:t>
-            </a:r>
-            <a:r>
-              <a:rPr lang="de-AT" dirty="0"/>
-              <a:t> (MAEB'2010), </a:t>
-            </a:r>
-            <a:r>
-              <a:rPr lang="de-AT" dirty="0" smtClean="0"/>
-              <a:t>2010</a:t>
-            </a:r>
-          </a:p>
-          <a:p>
-            <a:endParaRPr lang="de-AT" sz="2000" dirty="0"/>
-          </a:p>
-          <a:p>
-            <a:endParaRPr lang="de-AT" sz="2000" dirty="0" smtClean="0"/>
-          </a:p>
-          <a:p>
-            <a:r>
-              <a:rPr lang="de-AT" dirty="0" smtClean="0"/>
-              <a:t>S. Wagner, G. Kronberger, A. </a:t>
-            </a:r>
-            <a:r>
-              <a:rPr lang="de-AT" dirty="0"/>
-              <a:t>Beham, </a:t>
-            </a:r>
-            <a:r>
-              <a:rPr lang="de-AT" dirty="0" smtClean="0"/>
-              <a:t>M. Kommenda, A. Scheibenpflug, E. Pitzer, S. Vonolfen, M. Kofler</a:t>
-            </a:r>
-            <a:r>
-              <a:rPr lang="de-AT" dirty="0"/>
-              <a:t>, </a:t>
-            </a:r>
-            <a:r>
-              <a:rPr lang="de-AT" dirty="0" smtClean="0"/>
-              <a:t>S. Winkler</a:t>
-            </a:r>
-            <a:r>
-              <a:rPr lang="de-AT" dirty="0"/>
-              <a:t>, </a:t>
-            </a:r>
-            <a:r>
-              <a:rPr lang="de-AT" dirty="0" smtClean="0"/>
-              <a:t>V. Dorfer</a:t>
-            </a:r>
-            <a:r>
-              <a:rPr lang="de-AT" dirty="0"/>
-              <a:t>, </a:t>
-            </a:r>
-            <a:r>
-              <a:rPr lang="de-AT" dirty="0" smtClean="0"/>
-              <a:t>M. Affenzeller</a:t>
-            </a:r>
-          </a:p>
-          <a:p>
-            <a:pPr marL="346075" lvl="1" indent="0">
-              <a:buNone/>
-            </a:pPr>
-            <a:r>
-              <a:rPr lang="en-US" sz="3200" b="1" dirty="0"/>
-              <a:t>Architecture and Design of the HeuristicLab Optimization Environment</a:t>
-            </a:r>
-          </a:p>
-          <a:p>
-            <a:pPr marL="346075" lvl="1" indent="0">
-              <a:buNone/>
-            </a:pPr>
-            <a:r>
-              <a:rPr lang="en-US" sz="3200" dirty="0"/>
-              <a:t>Advanced Methods and Applications in Computational Intelligence, vol. 6, pp. </a:t>
-            </a:r>
-            <a:r>
-              <a:rPr lang="de-AT" sz="3200" dirty="0"/>
-              <a:t>197-261, Springer, 2014</a:t>
-            </a:r>
-            <a:endParaRPr lang="de-DE" sz="3200" dirty="0"/>
-          </a:p>
-          <a:p>
-            <a:pPr lvl="3"/>
-            <a:endParaRPr lang="de-DE" dirty="0"/>
-          </a:p>
-          <a:p>
-            <a:pPr lvl="3"/>
-            <a:endParaRPr lang="de-AT" dirty="0" smtClean="0"/>
-          </a:p>
-          <a:p>
-            <a:pPr lvl="3"/>
-            <a:endParaRPr lang="de-AT" dirty="0"/>
-          </a:p>
-          <a:p>
-            <a:pPr lvl="3"/>
-            <a:endParaRPr lang="de-AT" dirty="0"/>
-          </a:p>
-          <a:p>
-            <a:r>
-              <a:rPr lang="de-AT" dirty="0" err="1"/>
-              <a:t>Detailed</a:t>
-            </a:r>
-            <a:r>
-              <a:rPr lang="de-AT" dirty="0"/>
-              <a:t> </a:t>
-            </a:r>
-            <a:r>
-              <a:rPr lang="de-AT" dirty="0" err="1"/>
-              <a:t>list</a:t>
-            </a:r>
-            <a:r>
-              <a:rPr lang="de-AT" dirty="0"/>
-              <a:t> </a:t>
-            </a:r>
-            <a:r>
-              <a:rPr lang="de-AT" dirty="0" err="1"/>
-              <a:t>of</a:t>
-            </a:r>
-            <a:r>
-              <a:rPr lang="de-AT" dirty="0"/>
-              <a:t> all </a:t>
-            </a:r>
-            <a:r>
-              <a:rPr lang="de-AT" dirty="0" err="1"/>
-              <a:t>publications</a:t>
-            </a:r>
-            <a:r>
-              <a:rPr lang="de-AT" dirty="0"/>
-              <a:t> </a:t>
-            </a:r>
-            <a:r>
-              <a:rPr lang="de-AT" dirty="0" err="1"/>
-              <a:t>of</a:t>
-            </a:r>
-            <a:r>
-              <a:rPr lang="de-AT" dirty="0"/>
-              <a:t> </a:t>
-            </a:r>
-            <a:r>
-              <a:rPr lang="de-AT" dirty="0" err="1"/>
-              <a:t>the</a:t>
-            </a:r>
-            <a:r>
-              <a:rPr lang="de-AT" dirty="0"/>
-              <a:t> HEAL </a:t>
-            </a:r>
-            <a:r>
-              <a:rPr lang="de-AT" dirty="0" err="1"/>
-              <a:t>research</a:t>
-            </a:r>
-            <a:r>
-              <a:rPr lang="de-AT" dirty="0"/>
-              <a:t> </a:t>
-            </a:r>
-            <a:r>
-              <a:rPr lang="de-AT" dirty="0" err="1" smtClean="0"/>
-              <a:t>group</a:t>
-            </a:r>
-            <a:r>
-              <a:rPr lang="de-AT" dirty="0" smtClean="0"/>
-              <a:t>: </a:t>
-            </a:r>
-            <a:r>
-              <a:rPr lang="de-AT" dirty="0">
-                <a:hlinkClick r:id="rId2"/>
-              </a:rPr>
-              <a:t>http://</a:t>
-            </a:r>
-            <a:r>
-              <a:rPr lang="de-AT" dirty="0" smtClean="0">
-                <a:hlinkClick r:id="rId2"/>
-              </a:rPr>
-              <a:t>research.fh-ooe.at/de/orgunit/356#showpublications</a:t>
-            </a:r>
-            <a:endParaRPr lang="de-AT" dirty="0"/>
-          </a:p>
-        </p:txBody>
-      </p:sp>
-      <p:sp>
-        <p:nvSpPr>
-          <p:cNvPr id="4" name="Date Placeholder 3"/>
-          <p:cNvSpPr>
-            <a:spLocks noGrp="1"/>
-          </p:cNvSpPr>
-          <p:nvPr>
-            <p:ph type="dt" sz="half" idx="10"/>
-          </p:nvPr>
-        </p:nvSpPr>
-        <p:spPr/>
-        <p:txBody>
-          <a:bodyPr/>
-          <a:lstStyle/>
-          <a:p>
-            <a:r>
-              <a:rPr lang="de-DE" smtClean="0"/>
-              <a:t>HeuristicLab Tutorial</a:t>
-            </a:r>
-            <a:endParaRPr lang="de-DE"/>
-          </a:p>
-        </p:txBody>
-      </p:sp>
-      <p:sp>
-        <p:nvSpPr>
-          <p:cNvPr id="5" name="Footer Placeholder 4"/>
-          <p:cNvSpPr>
-            <a:spLocks noGrp="1"/>
-          </p:cNvSpPr>
-          <p:nvPr>
-            <p:ph type="ftr" sz="quarter" idx="11"/>
-          </p:nvPr>
-        </p:nvSpPr>
-        <p:spPr/>
-        <p:txBody>
-          <a:bodyPr/>
-          <a:lstStyle/>
-          <a:p>
-            <a:r>
-              <a:rPr lang="de-DE" smtClean="0"/>
-              <a:t>http://dev.heuristiclab.com</a:t>
-            </a:r>
-            <a:endParaRPr lang="de-DE"/>
-          </a:p>
-        </p:txBody>
-      </p:sp>
-      <p:sp>
-        <p:nvSpPr>
-          <p:cNvPr id="6" name="Slide Number Placeholder 5"/>
-          <p:cNvSpPr>
-            <a:spLocks noGrp="1"/>
-          </p:cNvSpPr>
-          <p:nvPr>
-            <p:ph type="sldNum" sz="quarter" idx="12"/>
-          </p:nvPr>
-        </p:nvSpPr>
-        <p:spPr/>
-        <p:txBody>
-          <a:bodyPr/>
-          <a:lstStyle/>
-          <a:p>
-            <a:fld id="{6C6AE60A-B69C-4790-82F7-3882EDF23186}" type="slidenum">
-              <a:rPr lang="de-DE" smtClean="0"/>
-              <a:pPr/>
-              <a:t>87</a:t>
-            </a:fld>
-            <a:endParaRPr lang="de-DE"/>
-          </a:p>
-        </p:txBody>
-      </p:sp>
-    </p:spTree>
-    <p:extLst>
-      <p:ext uri="{BB962C8B-B14F-4D97-AF65-F5344CB8AC3E}">
-        <p14:creationId xmlns:p14="http://schemas.microsoft.com/office/powerpoint/2010/main" val="956732938"/>
-      </p:ext>
-    </p:extLst>
-  </p:cSld>
-  <p:clrMapOvr>
-    <a:masterClrMapping/>
-  </p:clrMapOvr>
-  <p:transition/>
-  <p:timing>
-    <p:tnLst>
-      <p:par>
-        <p:cTn id="1" dur="indefinite" restart="never" nodeType="tmRoot"/>
-      </p:par>
-    </p:tnLst>
-  </p:timing>
-</p:sld>
-</file>
-
-<file path=ppt/slides/slide88.xml><?xml version="1.0" encoding="utf-8"?>
-<p:sld xmlns:a="http://schemas.openxmlformats.org/drawingml/2006/main" xmlns:r="http://schemas.openxmlformats.org/officeDocument/2006/relationships" xmlns:p="http://schemas.openxmlformats.org/presentationml/2006/main">
-  <p:cSld>
-    <p:spTree>
-      <p:nvGrpSpPr>
-        <p:cNvPr id="1" name=""/>
-        <p:cNvGrpSpPr/>
-        <p:nvPr/>
-      </p:nvGrpSpPr>
-      <p:grpSpPr>
-        <a:xfrm>
-          <a:off x="0" y="0"/>
-          <a:ext cx="0" cy="0"/>
-          <a:chOff x="0" y="0"/>
-          <a:chExt cx="0" cy="0"/>
-        </a:xfrm>
-      </p:grpSpPr>
-      <p:sp>
-        <p:nvSpPr>
-          <p:cNvPr id="2" name="Titel 1"/>
-          <p:cNvSpPr>
-            <a:spLocks noGrp="1"/>
-          </p:cNvSpPr>
-          <p:nvPr>
-            <p:ph type="title"/>
-          </p:nvPr>
-        </p:nvSpPr>
-        <p:spPr/>
-        <p:txBody>
-          <a:bodyPr/>
-          <a:lstStyle/>
-          <a:p>
-            <a:r>
-              <a:rPr lang="en-US" smtClean="0"/>
-              <a:t>Questions &amp; Answers</a:t>
-            </a:r>
-            <a:endParaRPr lang="en-US"/>
-          </a:p>
-        </p:txBody>
-      </p:sp>
-      <p:sp>
-        <p:nvSpPr>
-          <p:cNvPr id="3" name="Datumsplatzhalter 2"/>
-          <p:cNvSpPr>
-            <a:spLocks noGrp="1"/>
-          </p:cNvSpPr>
-          <p:nvPr>
-            <p:ph type="dt" sz="half" idx="10"/>
-          </p:nvPr>
-        </p:nvSpPr>
-        <p:spPr/>
-        <p:txBody>
-          <a:bodyPr/>
-          <a:lstStyle/>
-          <a:p>
-            <a:r>
-              <a:rPr lang="de-DE" smtClean="0"/>
-              <a:t>HeuristicLab Tutorial</a:t>
-            </a:r>
-            <a:endParaRPr lang="en-US"/>
-          </a:p>
-        </p:txBody>
-      </p:sp>
-      <p:sp>
-        <p:nvSpPr>
-          <p:cNvPr id="4" name="Fußzeilenplatzhalter 3"/>
-          <p:cNvSpPr>
-            <a:spLocks noGrp="1"/>
-          </p:cNvSpPr>
-          <p:nvPr>
-            <p:ph type="ftr" sz="quarter" idx="11"/>
-          </p:nvPr>
-        </p:nvSpPr>
-        <p:spPr/>
-        <p:txBody>
-          <a:bodyPr/>
-          <a:lstStyle/>
-          <a:p>
-            <a:r>
-              <a:rPr lang="en-US" smtClean="0"/>
-              <a:t>http://dev.heuristiclab.com</a:t>
-            </a:r>
-            <a:endParaRPr lang="en-US"/>
-          </a:p>
-        </p:txBody>
-      </p:sp>
-      <p:sp>
-        <p:nvSpPr>
-          <p:cNvPr id="5" name="Foliennummernplatzhalter 4"/>
-          <p:cNvSpPr>
-            <a:spLocks noGrp="1"/>
-          </p:cNvSpPr>
-          <p:nvPr>
-            <p:ph type="sldNum" sz="quarter" idx="12"/>
-          </p:nvPr>
-        </p:nvSpPr>
-        <p:spPr/>
-        <p:txBody>
-          <a:bodyPr/>
-          <a:lstStyle/>
-          <a:p>
-            <a:fld id="{6C6AE60A-B69C-4790-82F7-3882EDF23186}" type="slidenum">
-              <a:rPr lang="en-US" smtClean="0"/>
-              <a:pPr/>
-              <a:t>88</a:t>
-            </a:fld>
-            <a:endParaRPr lang="en-US"/>
-          </a:p>
-        </p:txBody>
-      </p:sp>
-      <p:sp>
-        <p:nvSpPr>
-          <p:cNvPr id="6" name="Textfeld 5"/>
-          <p:cNvSpPr txBox="1"/>
-          <p:nvPr/>
-        </p:nvSpPr>
-        <p:spPr>
-          <a:xfrm>
-            <a:off x="0" y="2060848"/>
-            <a:ext cx="9144000" cy="3416320"/>
-          </a:xfrm>
-          <a:prstGeom prst="rect">
-            <a:avLst/>
-          </a:prstGeom>
-          <a:noFill/>
-        </p:spPr>
-        <p:txBody>
-          <a:bodyPr wrap="square" rtlCol="0">
-            <a:spAutoFit/>
-          </a:bodyPr>
-          <a:lstStyle/>
-          <a:p>
-            <a:pPr algn="ctr"/>
-            <a:r>
-              <a:rPr lang="en-US" sz="3600" dirty="0" smtClean="0">
-                <a:hlinkClick r:id="rId2"/>
-              </a:rPr>
-              <a:t>http://dev.heuristiclab.com</a:t>
-            </a:r>
-            <a:endParaRPr lang="en-US" sz="3600" dirty="0" smtClean="0"/>
-          </a:p>
-          <a:p>
-            <a:pPr algn="ctr"/>
-            <a:endParaRPr lang="en-US" sz="2400" dirty="0" smtClean="0"/>
-          </a:p>
-          <a:p>
-            <a:pPr algn="ctr"/>
-            <a:r>
-              <a:rPr lang="en-US" sz="3600" dirty="0" smtClean="0">
-                <a:hlinkClick r:id="rId3"/>
-              </a:rPr>
-              <a:t>heuristiclab@googlegroups.com</a:t>
-            </a:r>
-            <a:endParaRPr lang="en-US" sz="3600" dirty="0" smtClean="0"/>
-          </a:p>
-          <a:p>
-            <a:pPr algn="ctr"/>
-            <a:endParaRPr lang="en-US" sz="2400" dirty="0"/>
-          </a:p>
-          <a:p>
-            <a:pPr algn="ctr"/>
-            <a:r>
-              <a:rPr lang="en-US" sz="3600" dirty="0" smtClean="0">
-                <a:hlinkClick r:id="rId4"/>
-              </a:rPr>
-              <a:t>http://www.youtube.com/heuristiclab</a:t>
-            </a:r>
-            <a:endParaRPr lang="en-US" sz="3600" dirty="0" smtClean="0"/>
-          </a:p>
-          <a:p>
-            <a:pPr algn="ctr"/>
-            <a:endParaRPr lang="en-US" sz="2400" dirty="0"/>
-          </a:p>
-          <a:p>
-            <a:pPr algn="ctr"/>
-            <a:r>
-              <a:rPr lang="en-US" sz="3600" dirty="0" smtClean="0">
-                <a:hlinkClick r:id="rId5"/>
-              </a:rPr>
-              <a:t>http://www.facebook.com/heuristiclab</a:t>
-            </a:r>
-            <a:endParaRPr lang="en-US" sz="3600" dirty="0" smtClean="0"/>
-          </a:p>
-        </p:txBody>
-      </p:sp>
-    </p:spTree>
-    <p:extLst>
-      <p:ext uri="{BB962C8B-B14F-4D97-AF65-F5344CB8AC3E}">
-        <p14:creationId xmlns:p14="http://schemas.microsoft.com/office/powerpoint/2010/main" val="1150598093"/>
-      </p:ext>
-    </p:extLst>
-  </p:cSld>
-  <p:clrMapOvr>
-    <a:masterClrMapping/>
-  </p:clrMapOvr>
-  <p:transition/>
-  <p:timing>
-    <p:tnLst>
-      <p:par>
-        <p:cTn id="1" dur="indefinite" restart="never" nodeType="tmRoot"/>
-      </p:par>
-    </p:tnLst>
-  </p:timing>
-</p:sld>
-</file>
-
-<file path=ppt/slides/slide9.xml><?xml version="1.0" encoding="utf-8"?>
-<p:sld xmlns:a="http://schemas.openxmlformats.org/drawingml/2006/main" xmlns:r="http://schemas.openxmlformats.org/officeDocument/2006/relationships" xmlns:p="http://schemas.openxmlformats.org/presentationml/2006/main">
-  <p:cSld>
-    <p:spTree>
-      <p:nvGrpSpPr>
-        <p:cNvPr id="1" name=""/>
-        <p:cNvGrpSpPr/>
-        <p:nvPr/>
-      </p:nvGrpSpPr>
-      <p:grpSpPr>
-        <a:xfrm>
-          <a:off x="0" y="0"/>
-          <a:ext cx="0" cy="0"/>
-          <a:chOff x="0" y="0"/>
-          <a:chExt cx="0" cy="0"/>
-        </a:xfrm>
-      </p:grpSpPr>
-      <p:sp>
-        <p:nvSpPr>
-          <p:cNvPr id="2" name="Title 1"/>
-          <p:cNvSpPr>
-            <a:spLocks noGrp="1"/>
-          </p:cNvSpPr>
-          <p:nvPr>
-            <p:ph type="title"/>
-          </p:nvPr>
-        </p:nvSpPr>
-        <p:spPr/>
-        <p:txBody>
-          <a:bodyPr/>
-          <a:lstStyle/>
-          <a:p>
-            <a:r>
-              <a:rPr lang="de-AT" dirty="0" err="1" smtClean="0"/>
-              <a:t>Plugin</a:t>
-            </a:r>
-            <a:r>
-              <a:rPr lang="de-AT" dirty="0" smtClean="0"/>
-              <a:t> </a:t>
-            </a:r>
-            <a:r>
-              <a:rPr lang="de-AT" dirty="0" err="1" smtClean="0"/>
-              <a:t>Architecture</a:t>
-            </a:r>
-            <a:endParaRPr lang="de-AT" dirty="0"/>
-          </a:p>
-        </p:txBody>
-      </p:sp>
-      <p:sp>
-        <p:nvSpPr>
-          <p:cNvPr id="4" name="Date Placeholder 3"/>
-          <p:cNvSpPr>
-            <a:spLocks noGrp="1"/>
-          </p:cNvSpPr>
-          <p:nvPr>
-            <p:ph type="dt" sz="half" idx="10"/>
-          </p:nvPr>
-        </p:nvSpPr>
-        <p:spPr/>
-        <p:txBody>
-          <a:bodyPr/>
-          <a:lstStyle/>
-          <a:p>
-            <a:r>
-              <a:rPr lang="de-DE" smtClean="0"/>
-              <a:t>HeuristicLab Tutorial</a:t>
-            </a:r>
-            <a:endParaRPr lang="de-DE"/>
-          </a:p>
-        </p:txBody>
-      </p:sp>
-      <p:sp>
-        <p:nvSpPr>
-          <p:cNvPr id="5" name="Footer Placeholder 4"/>
-          <p:cNvSpPr>
-            <a:spLocks noGrp="1"/>
-          </p:cNvSpPr>
-          <p:nvPr>
-            <p:ph type="ftr" sz="quarter" idx="11"/>
-          </p:nvPr>
-        </p:nvSpPr>
-        <p:spPr/>
-        <p:txBody>
-          <a:bodyPr/>
-          <a:lstStyle/>
-          <a:p>
-            <a:r>
-              <a:rPr lang="de-DE" smtClean="0"/>
-              <a:t>http://dev.heuristiclab.com</a:t>
-            </a:r>
-            <a:endParaRPr lang="de-DE"/>
-          </a:p>
-        </p:txBody>
-      </p:sp>
-      <p:sp>
-        <p:nvSpPr>
-          <p:cNvPr id="6" name="Slide Number Placeholder 5"/>
-          <p:cNvSpPr>
-            <a:spLocks noGrp="1"/>
-          </p:cNvSpPr>
-          <p:nvPr>
-            <p:ph type="sldNum" sz="quarter" idx="12"/>
-          </p:nvPr>
-        </p:nvSpPr>
-        <p:spPr/>
-        <p:txBody>
-          <a:bodyPr/>
-          <a:lstStyle/>
-          <a:p>
-            <a:fld id="{6C6AE60A-B69C-4790-82F7-3882EDF23186}" type="slidenum">
-              <a:rPr lang="de-DE" smtClean="0"/>
-              <a:pPr/>
-              <a:t>9</a:t>
-            </a:fld>
-            <a:endParaRPr lang="de-DE"/>
-          </a:p>
-        </p:txBody>
-      </p:sp>
-      <p:pic>
-        <p:nvPicPr>
-          <p:cNvPr id="1026" name="Picture 2"/>
-          <p:cNvPicPr>
-            <a:picLocks noChangeAspect="1" noChangeArrowheads="1"/>
-          </p:cNvPicPr>
-          <p:nvPr/>
-        </p:nvPicPr>
-        <p:blipFill>
-          <a:blip r:embed="rId2">
-            <a:extLst>
-              <a:ext uri="{28A0092B-C50C-407E-A947-70E740481C1C}">
-                <a14:useLocalDpi xmlns:a14="http://schemas.microsoft.com/office/drawing/2010/main" val="0"/>
-              </a:ext>
-            </a:extLst>
-          </a:blip>
-          <a:srcRect/>
-          <a:stretch>
-            <a:fillRect/>
-          </a:stretch>
-        </p:blipFill>
-        <p:spPr bwMode="auto">
-          <a:xfrm>
-            <a:off x="107504" y="1708910"/>
-            <a:ext cx="8928992" cy="4168362"/>
-          </a:xfrm>
-          <a:prstGeom prst="rect">
-            <a:avLst/>
-          </a:prstGeom>
-          <a:noFill/>
-          <a:ln>
-            <a:noFill/>
-          </a:ln>
-          <a:effectLst/>
-          <a:extLst>
-            <a:ext uri="{909E8E84-426E-40DD-AFC4-6F175D3DCCD1}">
-              <a14:hiddenFill xmlns:a14="http://schemas.microsoft.com/office/drawing/2010/main">
-                <a:solidFill>
-                  <a:schemeClr val="accent1"/>
-                </a:solidFill>
-              </a14:hiddenFill>
-            </a:ext>
-            <a:ext uri="{91240B29-F687-4F45-9708-019B960494DF}">
-              <a14:hiddenLine xmlns:a14="http://schemas.microsoft.com/office/drawing/2010/main" w="9525">
-                <a:solidFill>
-                  <a:schemeClr val="tx1"/>
-                </a:solidFill>
-                <a:miter lim="800000"/>
-                <a:headEnd/>
-                <a:tailEnd/>
-              </a14:hiddenLine>
-            </a:ext>
-            <a:ext uri="{AF507438-7753-43E0-B8FC-AC1667EBCBE1}">
-              <a14:hiddenEffects xmlns:a14="http://schemas.microsoft.com/office/drawing/2010/main">
-                <a:effectLst>
-                  <a:outerShdw dist="35921" dir="2700000" algn="ctr" rotWithShape="0">
-                    <a:schemeClr val="bg2"/>
-                  </a:outerShdw>
-                </a:effectLst>
-              </a14:hiddenEffects>
-            </a:ext>
-          </a:extLst>
-        </p:spPr>
-      </p:pic>
-    </p:spTree>
-    <p:extLst>
-      <p:ext uri="{BB962C8B-B14F-4D97-AF65-F5344CB8AC3E}">
-        <p14:creationId xmlns:p14="http://schemas.microsoft.com/office/powerpoint/2010/main" val="122129282"/>
-      </p:ext>
-    </p:extLst>
-  </p:cSld>
-  <p:clrMapOvr>
-    <a:masterClrMapping/>
-  </p:clrMapOvr>
   <p:timing>
     <p:tnLst>
       <p:par>
